--- a/!docs/interfejs.pptx
+++ b/!docs/interfejs.pptx
@@ -5,8 +5,9 @@
     <p:sldMasterId id="2147483648" r:id="rId1"/>
   </p:sldMasterIdLst>
   <p:sldIdLst>
-    <p:sldId id="256" r:id="rId2"/>
-    <p:sldId id="257" r:id="rId3"/>
+    <p:sldId id="257" r:id="rId2"/>
+    <p:sldId id="259" r:id="rId3"/>
+    <p:sldId id="258" r:id="rId4"/>
   </p:sldIdLst>
   <p:sldSz cx="12192000" cy="6858000"/>
   <p:notesSz cx="6858000" cy="9144000"/>
@@ -273,7 +274,7 @@
           <a:p>
             <a:fld id="{23EC5C47-55EF-44A1-AB12-9B3DC445C676}" type="datetimeFigureOut">
               <a:rPr lang="sr-Latn-RS" smtClean="0"/>
-              <a:t>29.6.2021.</a:t>
+              <a:t>5.7.2021.</a:t>
             </a:fld>
             <a:endParaRPr lang="sr-Latn-RS"/>
           </a:p>
@@ -473,7 +474,7 @@
           <a:p>
             <a:fld id="{23EC5C47-55EF-44A1-AB12-9B3DC445C676}" type="datetimeFigureOut">
               <a:rPr lang="sr-Latn-RS" smtClean="0"/>
-              <a:t>29.6.2021.</a:t>
+              <a:t>5.7.2021.</a:t>
             </a:fld>
             <a:endParaRPr lang="sr-Latn-RS"/>
           </a:p>
@@ -683,7 +684,7 @@
           <a:p>
             <a:fld id="{23EC5C47-55EF-44A1-AB12-9B3DC445C676}" type="datetimeFigureOut">
               <a:rPr lang="sr-Latn-RS" smtClean="0"/>
-              <a:t>29.6.2021.</a:t>
+              <a:t>5.7.2021.</a:t>
             </a:fld>
             <a:endParaRPr lang="sr-Latn-RS"/>
           </a:p>
@@ -883,7 +884,7 @@
           <a:p>
             <a:fld id="{23EC5C47-55EF-44A1-AB12-9B3DC445C676}" type="datetimeFigureOut">
               <a:rPr lang="sr-Latn-RS" smtClean="0"/>
-              <a:t>29.6.2021.</a:t>
+              <a:t>5.7.2021.</a:t>
             </a:fld>
             <a:endParaRPr lang="sr-Latn-RS"/>
           </a:p>
@@ -1159,7 +1160,7 @@
           <a:p>
             <a:fld id="{23EC5C47-55EF-44A1-AB12-9B3DC445C676}" type="datetimeFigureOut">
               <a:rPr lang="sr-Latn-RS" smtClean="0"/>
-              <a:t>29.6.2021.</a:t>
+              <a:t>5.7.2021.</a:t>
             </a:fld>
             <a:endParaRPr lang="sr-Latn-RS"/>
           </a:p>
@@ -1427,7 +1428,7 @@
           <a:p>
             <a:fld id="{23EC5C47-55EF-44A1-AB12-9B3DC445C676}" type="datetimeFigureOut">
               <a:rPr lang="sr-Latn-RS" smtClean="0"/>
-              <a:t>29.6.2021.</a:t>
+              <a:t>5.7.2021.</a:t>
             </a:fld>
             <a:endParaRPr lang="sr-Latn-RS"/>
           </a:p>
@@ -1842,7 +1843,7 @@
           <a:p>
             <a:fld id="{23EC5C47-55EF-44A1-AB12-9B3DC445C676}" type="datetimeFigureOut">
               <a:rPr lang="sr-Latn-RS" smtClean="0"/>
-              <a:t>29.6.2021.</a:t>
+              <a:t>5.7.2021.</a:t>
             </a:fld>
             <a:endParaRPr lang="sr-Latn-RS"/>
           </a:p>
@@ -1984,7 +1985,7 @@
           <a:p>
             <a:fld id="{23EC5C47-55EF-44A1-AB12-9B3DC445C676}" type="datetimeFigureOut">
               <a:rPr lang="sr-Latn-RS" smtClean="0"/>
-              <a:t>29.6.2021.</a:t>
+              <a:t>5.7.2021.</a:t>
             </a:fld>
             <a:endParaRPr lang="sr-Latn-RS"/>
           </a:p>
@@ -2097,7 +2098,7 @@
           <a:p>
             <a:fld id="{23EC5C47-55EF-44A1-AB12-9B3DC445C676}" type="datetimeFigureOut">
               <a:rPr lang="sr-Latn-RS" smtClean="0"/>
-              <a:t>29.6.2021.</a:t>
+              <a:t>5.7.2021.</a:t>
             </a:fld>
             <a:endParaRPr lang="sr-Latn-RS"/>
           </a:p>
@@ -2410,7 +2411,7 @@
           <a:p>
             <a:fld id="{23EC5C47-55EF-44A1-AB12-9B3DC445C676}" type="datetimeFigureOut">
               <a:rPr lang="sr-Latn-RS" smtClean="0"/>
-              <a:t>29.6.2021.</a:t>
+              <a:t>5.7.2021.</a:t>
             </a:fld>
             <a:endParaRPr lang="sr-Latn-RS"/>
           </a:p>
@@ -2699,7 +2700,7 @@
           <a:p>
             <a:fld id="{23EC5C47-55EF-44A1-AB12-9B3DC445C676}" type="datetimeFigureOut">
               <a:rPr lang="sr-Latn-RS" smtClean="0"/>
-              <a:t>29.6.2021.</a:t>
+              <a:t>5.7.2021.</a:t>
             </a:fld>
             <a:endParaRPr lang="sr-Latn-RS"/>
           </a:p>
@@ -2942,7 +2943,7 @@
           <a:p>
             <a:fld id="{23EC5C47-55EF-44A1-AB12-9B3DC445C676}" type="datetimeFigureOut">
               <a:rPr lang="sr-Latn-RS" smtClean="0"/>
-              <a:t>29.6.2021.</a:t>
+              <a:t>5.7.2021.</a:t>
             </a:fld>
             <a:endParaRPr lang="sr-Latn-RS"/>
           </a:p>
@@ -3359,155 +3360,12 @@
           <a:chExt cx="0" cy="0"/>
         </a:xfrm>
       </p:grpSpPr>
-      <p:sp>
-        <p:nvSpPr>
-          <p:cNvPr id="4" name="Rectangle 3">
+      <p:grpSp>
+        <p:nvGrpSpPr>
+          <p:cNvPr id="60" name="Group 59">
             <a:extLst>
               <a:ext uri="{FF2B5EF4-FFF2-40B4-BE49-F238E27FC236}">
-                <a16:creationId xmlns:a16="http://schemas.microsoft.com/office/drawing/2014/main" id="{4C527F77-53DB-48A2-897D-380F7B841892}"/>
-              </a:ext>
-            </a:extLst>
-          </p:cNvPr>
-          <p:cNvSpPr/>
-          <p:nvPr/>
-        </p:nvSpPr>
-        <p:spPr>
-          <a:xfrm>
-            <a:off x="457418" y="905478"/>
-            <a:ext cx="6228368" cy="4706609"/>
-          </a:xfrm>
-          <a:prstGeom prst="rect">
-            <a:avLst/>
-          </a:prstGeom>
-          <a:solidFill>
-            <a:schemeClr val="bg1">
-              <a:lumMod val="95000"/>
-            </a:schemeClr>
-          </a:solidFill>
-          <a:ln w="12700" cap="flat" cmpd="sng" algn="ctr">
-            <a:solidFill>
-              <a:sysClr val="windowText" lastClr="000000"/>
-            </a:solidFill>
-            <a:prstDash val="solid"/>
-            <a:miter lim="800000"/>
-          </a:ln>
-          <a:effectLst/>
-        </p:spPr>
-        <p:txBody>
-          <a:bodyPr rtlCol="0" anchor="ctr"/>
-          <a:lstStyle/>
-          <a:p>
-            <a:pPr>
-              <a:buClrTx/>
-              <a:defRPr/>
-            </a:pPr>
-            <a:endParaRPr lang="en-US" sz="1200" kern="1200" dirty="0">
-              <a:latin typeface="Encode Sans" pitchFamily="2" charset="-18"/>
-            </a:endParaRPr>
-          </a:p>
-        </p:txBody>
-      </p:sp>
-      <p:sp>
-        <p:nvSpPr>
-          <p:cNvPr id="5" name="Rectangle 4">
-            <a:extLst>
-              <a:ext uri="{FF2B5EF4-FFF2-40B4-BE49-F238E27FC236}">
-                <a16:creationId xmlns:a16="http://schemas.microsoft.com/office/drawing/2014/main" id="{8FB21D48-89D3-4E39-95D3-28990894F33D}"/>
-              </a:ext>
-            </a:extLst>
-          </p:cNvPr>
-          <p:cNvSpPr/>
-          <p:nvPr/>
-        </p:nvSpPr>
-        <p:spPr>
-          <a:xfrm>
-            <a:off x="456693" y="324158"/>
-            <a:ext cx="6229094" cy="316913"/>
-          </a:xfrm>
-          <a:prstGeom prst="rect">
-            <a:avLst/>
-          </a:prstGeom>
-          <a:solidFill>
-            <a:srgbClr val="FFFFFF"/>
-          </a:solidFill>
-          <a:ln w="12700" cap="flat" cmpd="sng" algn="ctr">
-            <a:solidFill>
-              <a:sysClr val="windowText" lastClr="000000"/>
-            </a:solidFill>
-            <a:prstDash val="solid"/>
-            <a:miter lim="800000"/>
-          </a:ln>
-          <a:effectLst/>
-        </p:spPr>
-        <p:txBody>
-          <a:bodyPr rtlCol="0" anchor="ctr"/>
-          <a:lstStyle/>
-          <a:p>
-            <a:pPr>
-              <a:buClrTx/>
-              <a:defRPr/>
-            </a:pPr>
-            <a:r>
-              <a:rPr lang="en-US" sz="1200" kern="1200" dirty="0">
-                <a:latin typeface="Encode Sans" pitchFamily="2" charset="-18"/>
-              </a:rPr>
-              <a:t>    House Hunters</a:t>
-            </a:r>
-          </a:p>
-        </p:txBody>
-      </p:sp>
-      <p:sp>
-        <p:nvSpPr>
-          <p:cNvPr id="6" name="Rectangle 5">
-            <a:extLst>
-              <a:ext uri="{FF2B5EF4-FFF2-40B4-BE49-F238E27FC236}">
-                <a16:creationId xmlns:a16="http://schemas.microsoft.com/office/drawing/2014/main" id="{9DB768AF-2311-44BD-8FD4-DFCC4877CB74}"/>
-              </a:ext>
-            </a:extLst>
-          </p:cNvPr>
-          <p:cNvSpPr/>
-          <p:nvPr/>
-        </p:nvSpPr>
-        <p:spPr>
-          <a:xfrm>
-            <a:off x="457416" y="640332"/>
-            <a:ext cx="6228368" cy="265147"/>
-          </a:xfrm>
-          <a:prstGeom prst="rect">
-            <a:avLst/>
-          </a:prstGeom>
-          <a:solidFill>
-            <a:srgbClr val="FFFFFF"/>
-          </a:solidFill>
-          <a:ln w="12700" cap="flat" cmpd="sng" algn="ctr">
-            <a:solidFill>
-              <a:sysClr val="windowText" lastClr="000000"/>
-            </a:solidFill>
-            <a:prstDash val="solid"/>
-            <a:miter lim="800000"/>
-          </a:ln>
-          <a:effectLst/>
-        </p:spPr>
-        <p:txBody>
-          <a:bodyPr rtlCol="0" anchor="ctr"/>
-          <a:lstStyle/>
-          <a:p>
-            <a:pPr>
-              <a:buClrTx/>
-              <a:defRPr/>
-            </a:pPr>
-            <a:endParaRPr lang="en-US" sz="1200" kern="1200" dirty="0">
-              <a:latin typeface="Encode Sans" pitchFamily="2" charset="-18"/>
-            </a:endParaRPr>
-          </a:p>
-        </p:txBody>
-      </p:sp>
-      <p:grpSp>
-        <p:nvGrpSpPr>
-          <p:cNvPr id="7" name="Group 6">
-            <a:extLst>
-              <a:ext uri="{FF2B5EF4-FFF2-40B4-BE49-F238E27FC236}">
-                <a16:creationId xmlns:a16="http://schemas.microsoft.com/office/drawing/2014/main" id="{852B7F20-378E-4B7C-87E2-07E1645FE417}"/>
+                <a16:creationId xmlns:a16="http://schemas.microsoft.com/office/drawing/2014/main" id="{43D48509-02DC-423C-8401-464C823868E1}"/>
               </a:ext>
             </a:extLst>
           </p:cNvPr>
@@ -3516,61 +3374,377 @@
         </p:nvGrpSpPr>
         <p:grpSpPr>
           <a:xfrm>
-            <a:off x="5579808" y="426734"/>
-            <a:ext cx="907630" cy="121985"/>
-            <a:chOff x="4959770" y="577400"/>
-            <a:chExt cx="936758" cy="125900"/>
+            <a:off x="456693" y="324155"/>
+            <a:ext cx="6383227" cy="5287932"/>
+            <a:chOff x="456693" y="324155"/>
+            <a:chExt cx="6383227" cy="5287932"/>
           </a:xfrm>
         </p:grpSpPr>
-        <p:cxnSp>
-          <p:nvCxnSpPr>
-            <p:cNvPr id="8" name="Straight Connector 7">
+        <p:grpSp>
+          <p:nvGrpSpPr>
+            <p:cNvPr id="39" name="Group 38">
               <a:extLst>
                 <a:ext uri="{FF2B5EF4-FFF2-40B4-BE49-F238E27FC236}">
-                  <a16:creationId xmlns:a16="http://schemas.microsoft.com/office/drawing/2014/main" id="{972F387B-7BC6-498B-B143-3AD3B3DEA286}"/>
+                  <a16:creationId xmlns:a16="http://schemas.microsoft.com/office/drawing/2014/main" id="{69B56A7D-7043-456F-96DA-F0B1670A5B4E}"/>
                 </a:ext>
               </a:extLst>
             </p:cNvPr>
-            <p:cNvCxnSpPr>
-              <a:cxnSpLocks/>
-            </p:cNvCxnSpPr>
+            <p:cNvGrpSpPr/>
             <p:nvPr/>
-          </p:nvCxnSpPr>
-          <p:spPr>
+          </p:nvGrpSpPr>
+          <p:grpSpPr>
             <a:xfrm>
-              <a:off x="4959770" y="650386"/>
-              <a:ext cx="147241" cy="0"/>
+              <a:off x="6677016" y="326805"/>
+              <a:ext cx="162904" cy="5285273"/>
+              <a:chOff x="6677016" y="326805"/>
+              <a:chExt cx="162904" cy="5285273"/>
             </a:xfrm>
-            <a:prstGeom prst="line">
-              <a:avLst/>
-            </a:prstGeom>
-            <a:ln w="12700">
+          </p:grpSpPr>
+          <p:sp>
+            <p:nvSpPr>
+              <p:cNvPr id="22" name="Rectangle 21">
+                <a:extLst>
+                  <a:ext uri="{FF2B5EF4-FFF2-40B4-BE49-F238E27FC236}">
+                    <a16:creationId xmlns:a16="http://schemas.microsoft.com/office/drawing/2014/main" id="{8339B548-0B6E-45CE-93F0-D4AE5D371484}"/>
+                  </a:ext>
+                </a:extLst>
+              </p:cNvPr>
+              <p:cNvSpPr/>
+              <p:nvPr/>
+            </p:nvSpPr>
+            <p:spPr>
+              <a:xfrm flipH="1">
+                <a:off x="6684983" y="328639"/>
+                <a:ext cx="154717" cy="5283439"/>
+              </a:xfrm>
+              <a:prstGeom prst="rect">
+                <a:avLst/>
+              </a:prstGeom>
               <a:solidFill>
-                <a:schemeClr val="tx1"/>
+                <a:schemeClr val="bg1">
+                  <a:lumMod val="95000"/>
+                </a:schemeClr>
               </a:solidFill>
-            </a:ln>
-          </p:spPr>
-          <p:style>
-            <a:lnRef idx="1">
-              <a:schemeClr val="accent1"/>
-            </a:lnRef>
-            <a:fillRef idx="0">
-              <a:schemeClr val="accent1"/>
-            </a:fillRef>
-            <a:effectRef idx="0">
-              <a:schemeClr val="accent1"/>
-            </a:effectRef>
-            <a:fontRef idx="minor">
-              <a:schemeClr val="tx1"/>
-            </a:fontRef>
-          </p:style>
-        </p:cxnSp>
+              <a:ln w="12700" cap="flat" cmpd="sng" algn="ctr">
+                <a:solidFill>
+                  <a:sysClr val="windowText" lastClr="000000"/>
+                </a:solidFill>
+                <a:prstDash val="solid"/>
+                <a:miter lim="800000"/>
+              </a:ln>
+              <a:effectLst/>
+            </p:spPr>
+            <p:txBody>
+              <a:bodyPr rtlCol="0" anchor="ctr"/>
+              <a:lstStyle/>
+              <a:p>
+                <a:pPr>
+                  <a:buClrTx/>
+                  <a:defRPr/>
+                </a:pPr>
+                <a:endParaRPr lang="en-US" sz="1200" kern="1200" dirty="0">
+                  <a:latin typeface="Encode Sans" pitchFamily="2" charset="-18"/>
+                </a:endParaRPr>
+              </a:p>
+            </p:txBody>
+          </p:sp>
+          <p:sp>
+            <p:nvSpPr>
+              <p:cNvPr id="23" name="Rectangle 22">
+                <a:extLst>
+                  <a:ext uri="{FF2B5EF4-FFF2-40B4-BE49-F238E27FC236}">
+                    <a16:creationId xmlns:a16="http://schemas.microsoft.com/office/drawing/2014/main" id="{884C5700-4966-4764-80C6-03D48A71213E}"/>
+                  </a:ext>
+                </a:extLst>
+              </p:cNvPr>
+              <p:cNvSpPr/>
+              <p:nvPr/>
+            </p:nvSpPr>
+            <p:spPr>
+              <a:xfrm flipH="1">
+                <a:off x="6677016" y="552981"/>
+                <a:ext cx="161491" cy="4357264"/>
+              </a:xfrm>
+              <a:prstGeom prst="rect">
+                <a:avLst/>
+              </a:prstGeom>
+              <a:solidFill>
+                <a:srgbClr val="FFFFFF"/>
+              </a:solidFill>
+              <a:ln w="12700" cap="flat" cmpd="sng" algn="ctr">
+                <a:solidFill>
+                  <a:sysClr val="windowText" lastClr="000000"/>
+                </a:solidFill>
+                <a:prstDash val="solid"/>
+                <a:miter lim="800000"/>
+              </a:ln>
+              <a:effectLst/>
+            </p:spPr>
+            <p:txBody>
+              <a:bodyPr rtlCol="0" anchor="ctr"/>
+              <a:lstStyle/>
+              <a:p>
+                <a:pPr>
+                  <a:buClrTx/>
+                  <a:defRPr/>
+                </a:pPr>
+                <a:endParaRPr lang="en-US" sz="1200" kern="1200" dirty="0">
+                  <a:latin typeface="Encode Sans" pitchFamily="2" charset="-18"/>
+                </a:endParaRPr>
+              </a:p>
+            </p:txBody>
+          </p:sp>
+          <p:grpSp>
+            <p:nvGrpSpPr>
+              <p:cNvPr id="24" name="Group 23">
+                <a:extLst>
+                  <a:ext uri="{FF2B5EF4-FFF2-40B4-BE49-F238E27FC236}">
+                    <a16:creationId xmlns:a16="http://schemas.microsoft.com/office/drawing/2014/main" id="{DDC9F836-FBA2-44E8-94EF-F10A4320FE74}"/>
+                  </a:ext>
+                </a:extLst>
+              </p:cNvPr>
+              <p:cNvGrpSpPr/>
+              <p:nvPr/>
+            </p:nvGrpSpPr>
+            <p:grpSpPr>
+              <a:xfrm flipH="1">
+                <a:off x="6685076" y="326805"/>
+                <a:ext cx="154016" cy="151567"/>
+                <a:chOff x="6513622" y="908206"/>
+                <a:chExt cx="176753" cy="173943"/>
+              </a:xfrm>
+            </p:grpSpPr>
+            <p:sp>
+              <p:nvSpPr>
+                <p:cNvPr id="28" name="Rectangle 27">
+                  <a:extLst>
+                    <a:ext uri="{FF2B5EF4-FFF2-40B4-BE49-F238E27FC236}">
+                      <a16:creationId xmlns:a16="http://schemas.microsoft.com/office/drawing/2014/main" id="{CA960032-9E65-478C-8EF5-74468FDB5C0F}"/>
+                    </a:ext>
+                  </a:extLst>
+                </p:cNvPr>
+                <p:cNvSpPr/>
+                <p:nvPr/>
+              </p:nvSpPr>
+              <p:spPr>
+                <a:xfrm>
+                  <a:off x="6513622" y="908206"/>
+                  <a:ext cx="176753" cy="173943"/>
+                </a:xfrm>
+                <a:prstGeom prst="rect">
+                  <a:avLst/>
+                </a:prstGeom>
+                <a:solidFill>
+                  <a:srgbClr val="FFFFFF"/>
+                </a:solidFill>
+                <a:ln w="12700" cap="flat" cmpd="sng" algn="ctr">
+                  <a:solidFill>
+                    <a:sysClr val="windowText" lastClr="000000"/>
+                  </a:solidFill>
+                  <a:prstDash val="solid"/>
+                  <a:miter lim="800000"/>
+                </a:ln>
+                <a:effectLst/>
+              </p:spPr>
+              <p:txBody>
+                <a:bodyPr rtlCol="0" anchor="ctr"/>
+                <a:lstStyle/>
+                <a:p>
+                  <a:pPr>
+                    <a:buClrTx/>
+                    <a:defRPr/>
+                  </a:pPr>
+                  <a:endParaRPr lang="en-US" sz="1200" kern="1200" dirty="0">
+                    <a:latin typeface="Encode Sans" pitchFamily="2" charset="-18"/>
+                  </a:endParaRPr>
+                </a:p>
+              </p:txBody>
+            </p:sp>
+            <p:sp>
+              <p:nvSpPr>
+                <p:cNvPr id="29" name="Isosceles Triangle 28">
+                  <a:extLst>
+                    <a:ext uri="{FF2B5EF4-FFF2-40B4-BE49-F238E27FC236}">
+                      <a16:creationId xmlns:a16="http://schemas.microsoft.com/office/drawing/2014/main" id="{46C95A8E-85DA-4BD9-A5DF-F5787630FBAE}"/>
+                    </a:ext>
+                  </a:extLst>
+                </p:cNvPr>
+                <p:cNvSpPr/>
+                <p:nvPr/>
+              </p:nvSpPr>
+              <p:spPr>
+                <a:xfrm>
+                  <a:off x="6535735" y="947719"/>
+                  <a:ext cx="126429" cy="66693"/>
+                </a:xfrm>
+                <a:prstGeom prst="triangle">
+                  <a:avLst/>
+                </a:prstGeom>
+                <a:solidFill>
+                  <a:schemeClr val="tx1">
+                    <a:lumMod val="65000"/>
+                    <a:lumOff val="35000"/>
+                  </a:schemeClr>
+                </a:solidFill>
+                <a:ln>
+                  <a:noFill/>
+                </a:ln>
+              </p:spPr>
+              <p:style>
+                <a:lnRef idx="2">
+                  <a:schemeClr val="accent1">
+                    <a:shade val="50000"/>
+                  </a:schemeClr>
+                </a:lnRef>
+                <a:fillRef idx="1">
+                  <a:schemeClr val="accent1"/>
+                </a:fillRef>
+                <a:effectRef idx="0">
+                  <a:schemeClr val="accent1"/>
+                </a:effectRef>
+                <a:fontRef idx="minor">
+                  <a:schemeClr val="lt1"/>
+                </a:fontRef>
+              </p:style>
+              <p:txBody>
+                <a:bodyPr rtlCol="0" anchor="ctr"/>
+                <a:lstStyle/>
+                <a:p>
+                  <a:pPr algn="ctr"/>
+                  <a:endParaRPr lang="sr-Latn-RS"/>
+                </a:p>
+              </p:txBody>
+            </p:sp>
+          </p:grpSp>
+          <p:grpSp>
+            <p:nvGrpSpPr>
+              <p:cNvPr id="25" name="Group 24">
+                <a:extLst>
+                  <a:ext uri="{FF2B5EF4-FFF2-40B4-BE49-F238E27FC236}">
+                    <a16:creationId xmlns:a16="http://schemas.microsoft.com/office/drawing/2014/main" id="{00A529A1-A666-4838-AA72-096241BBB284}"/>
+                  </a:ext>
+                </a:extLst>
+              </p:cNvPr>
+              <p:cNvGrpSpPr/>
+              <p:nvPr/>
+            </p:nvGrpSpPr>
+            <p:grpSpPr>
+              <a:xfrm rot="10800000" flipH="1">
+                <a:off x="6685205" y="5460511"/>
+                <a:ext cx="154715" cy="151567"/>
+                <a:chOff x="6513622" y="908206"/>
+                <a:chExt cx="176753" cy="173943"/>
+              </a:xfrm>
+            </p:grpSpPr>
+            <p:sp>
+              <p:nvSpPr>
+                <p:cNvPr id="26" name="Rectangle 25">
+                  <a:extLst>
+                    <a:ext uri="{FF2B5EF4-FFF2-40B4-BE49-F238E27FC236}">
+                      <a16:creationId xmlns:a16="http://schemas.microsoft.com/office/drawing/2014/main" id="{EFB95D49-4DE3-4330-BA85-B932D7038F61}"/>
+                    </a:ext>
+                  </a:extLst>
+                </p:cNvPr>
+                <p:cNvSpPr/>
+                <p:nvPr/>
+              </p:nvSpPr>
+              <p:spPr>
+                <a:xfrm>
+                  <a:off x="6513622" y="908206"/>
+                  <a:ext cx="176753" cy="173943"/>
+                </a:xfrm>
+                <a:prstGeom prst="rect">
+                  <a:avLst/>
+                </a:prstGeom>
+                <a:solidFill>
+                  <a:srgbClr val="FFFFFF"/>
+                </a:solidFill>
+                <a:ln w="12700" cap="flat" cmpd="sng" algn="ctr">
+                  <a:solidFill>
+                    <a:sysClr val="windowText" lastClr="000000"/>
+                  </a:solidFill>
+                  <a:prstDash val="solid"/>
+                  <a:miter lim="800000"/>
+                </a:ln>
+                <a:effectLst/>
+              </p:spPr>
+              <p:txBody>
+                <a:bodyPr rtlCol="0" anchor="ctr"/>
+                <a:lstStyle/>
+                <a:p>
+                  <a:pPr>
+                    <a:buClrTx/>
+                    <a:defRPr/>
+                  </a:pPr>
+                  <a:endParaRPr lang="en-US" sz="1200" kern="1200" dirty="0">
+                    <a:latin typeface="Encode Sans" pitchFamily="2" charset="-18"/>
+                  </a:endParaRPr>
+                </a:p>
+              </p:txBody>
+            </p:sp>
+            <p:sp>
+              <p:nvSpPr>
+                <p:cNvPr id="27" name="Isosceles Triangle 26">
+                  <a:extLst>
+                    <a:ext uri="{FF2B5EF4-FFF2-40B4-BE49-F238E27FC236}">
+                      <a16:creationId xmlns:a16="http://schemas.microsoft.com/office/drawing/2014/main" id="{69CB4EDE-A7F7-4D8B-841A-AE96624EF05D}"/>
+                    </a:ext>
+                  </a:extLst>
+                </p:cNvPr>
+                <p:cNvSpPr/>
+                <p:nvPr/>
+              </p:nvSpPr>
+              <p:spPr>
+                <a:xfrm>
+                  <a:off x="6535735" y="947719"/>
+                  <a:ext cx="126429" cy="66693"/>
+                </a:xfrm>
+                <a:prstGeom prst="triangle">
+                  <a:avLst/>
+                </a:prstGeom>
+                <a:solidFill>
+                  <a:schemeClr val="tx1">
+                    <a:lumMod val="65000"/>
+                    <a:lumOff val="35000"/>
+                  </a:schemeClr>
+                </a:solidFill>
+                <a:ln>
+                  <a:noFill/>
+                </a:ln>
+              </p:spPr>
+              <p:style>
+                <a:lnRef idx="2">
+                  <a:schemeClr val="accent1">
+                    <a:shade val="50000"/>
+                  </a:schemeClr>
+                </a:lnRef>
+                <a:fillRef idx="1">
+                  <a:schemeClr val="accent1"/>
+                </a:fillRef>
+                <a:effectRef idx="0">
+                  <a:schemeClr val="accent1"/>
+                </a:effectRef>
+                <a:fontRef idx="minor">
+                  <a:schemeClr val="lt1"/>
+                </a:fontRef>
+              </p:style>
+              <p:txBody>
+                <a:bodyPr rtlCol="0" anchor="ctr"/>
+                <a:lstStyle/>
+                <a:p>
+                  <a:pPr algn="ctr"/>
+                  <a:endParaRPr lang="sr-Latn-RS"/>
+                </a:p>
+              </p:txBody>
+            </p:sp>
+          </p:grpSp>
+        </p:grpSp>
         <p:sp>
           <p:nvSpPr>
-            <p:cNvPr id="9" name="Rectangle 8">
+            <p:cNvPr id="94" name="Rectangle 93">
               <a:extLst>
                 <a:ext uri="{FF2B5EF4-FFF2-40B4-BE49-F238E27FC236}">
-                  <a16:creationId xmlns:a16="http://schemas.microsoft.com/office/drawing/2014/main" id="{A4D49E5C-7F18-4D67-AC60-9A031ACC3795}"/>
+                  <a16:creationId xmlns:a16="http://schemas.microsoft.com/office/drawing/2014/main" id="{FD185A79-6525-46DF-A195-CB27AE8B5236}"/>
                 </a:ext>
               </a:extLst>
             </p:cNvPr>
@@ -3579,1655 +3753,8 @@
           </p:nvSpPr>
           <p:spPr>
             <a:xfrm>
-              <a:off x="5347269" y="577400"/>
-              <a:ext cx="147241" cy="125900"/>
-            </a:xfrm>
-            <a:prstGeom prst="rect">
-              <a:avLst/>
-            </a:prstGeom>
-            <a:solidFill>
-              <a:srgbClr val="FFFFFF"/>
-            </a:solidFill>
-            <a:ln w="12700" cap="flat" cmpd="sng" algn="ctr">
-              <a:solidFill>
-                <a:sysClr val="windowText" lastClr="000000"/>
-              </a:solidFill>
-              <a:prstDash val="solid"/>
-              <a:miter lim="800000"/>
-            </a:ln>
-            <a:effectLst/>
-          </p:spPr>
-          <p:txBody>
-            <a:bodyPr rtlCol="0" anchor="ctr"/>
-            <a:lstStyle/>
-            <a:p>
-              <a:pPr>
-                <a:buClrTx/>
-                <a:defRPr/>
-              </a:pPr>
-              <a:endParaRPr lang="en-US" sz="1200" kern="1200" dirty="0">
-                <a:latin typeface="Encode Sans" pitchFamily="2" charset="-18"/>
-              </a:endParaRPr>
-            </a:p>
-          </p:txBody>
-        </p:sp>
-        <p:grpSp>
-          <p:nvGrpSpPr>
-            <p:cNvPr id="10" name="Group 9">
-              <a:extLst>
-                <a:ext uri="{FF2B5EF4-FFF2-40B4-BE49-F238E27FC236}">
-                  <a16:creationId xmlns:a16="http://schemas.microsoft.com/office/drawing/2014/main" id="{6C97248A-F44B-47DB-A444-640290B71298}"/>
-                </a:ext>
-              </a:extLst>
-            </p:cNvPr>
-            <p:cNvGrpSpPr/>
-            <p:nvPr/>
-          </p:nvGrpSpPr>
-          <p:grpSpPr>
-            <a:xfrm>
-              <a:off x="5749286" y="577400"/>
-              <a:ext cx="147242" cy="125900"/>
-              <a:chOff x="5071529" y="633280"/>
-              <a:chExt cx="147242" cy="125900"/>
-            </a:xfrm>
-          </p:grpSpPr>
-          <p:cxnSp>
-            <p:nvCxnSpPr>
-              <p:cNvPr id="11" name="Straight Connector 10">
-                <a:extLst>
-                  <a:ext uri="{FF2B5EF4-FFF2-40B4-BE49-F238E27FC236}">
-                    <a16:creationId xmlns:a16="http://schemas.microsoft.com/office/drawing/2014/main" id="{EBE69036-984F-40B4-AF21-ED662C373349}"/>
-                  </a:ext>
-                </a:extLst>
-              </p:cNvPr>
-              <p:cNvCxnSpPr>
-                <a:cxnSpLocks/>
-              </p:cNvCxnSpPr>
-              <p:nvPr/>
-            </p:nvCxnSpPr>
-            <p:spPr>
-              <a:xfrm>
-                <a:off x="5071529" y="633280"/>
-                <a:ext cx="147242" cy="125900"/>
-              </a:xfrm>
-              <a:prstGeom prst="line">
-                <a:avLst/>
-              </a:prstGeom>
-              <a:ln w="12700">
-                <a:solidFill>
-                  <a:schemeClr val="tx1"/>
-                </a:solidFill>
-              </a:ln>
-            </p:spPr>
-            <p:style>
-              <a:lnRef idx="1">
-                <a:schemeClr val="accent1"/>
-              </a:lnRef>
-              <a:fillRef idx="0">
-                <a:schemeClr val="accent1"/>
-              </a:fillRef>
-              <a:effectRef idx="0">
-                <a:schemeClr val="accent1"/>
-              </a:effectRef>
-              <a:fontRef idx="minor">
-                <a:schemeClr val="tx1"/>
-              </a:fontRef>
-            </p:style>
-          </p:cxnSp>
-          <p:cxnSp>
-            <p:nvCxnSpPr>
-              <p:cNvPr id="12" name="Straight Connector 11">
-                <a:extLst>
-                  <a:ext uri="{FF2B5EF4-FFF2-40B4-BE49-F238E27FC236}">
-                    <a16:creationId xmlns:a16="http://schemas.microsoft.com/office/drawing/2014/main" id="{2C4C8175-9AD2-4F7C-A352-6E0B1F8ED51E}"/>
-                  </a:ext>
-                </a:extLst>
-              </p:cNvPr>
-              <p:cNvCxnSpPr>
-                <a:cxnSpLocks/>
-              </p:cNvCxnSpPr>
-              <p:nvPr/>
-            </p:nvCxnSpPr>
-            <p:spPr>
-              <a:xfrm flipV="1">
-                <a:off x="5071529" y="633280"/>
-                <a:ext cx="147242" cy="118706"/>
-              </a:xfrm>
-              <a:prstGeom prst="line">
-                <a:avLst/>
-              </a:prstGeom>
-              <a:ln w="12700">
-                <a:solidFill>
-                  <a:schemeClr val="tx1"/>
-                </a:solidFill>
-              </a:ln>
-            </p:spPr>
-            <p:style>
-              <a:lnRef idx="1">
-                <a:schemeClr val="accent1"/>
-              </a:lnRef>
-              <a:fillRef idx="0">
-                <a:schemeClr val="accent1"/>
-              </a:fillRef>
-              <a:effectRef idx="0">
-                <a:schemeClr val="accent1"/>
-              </a:effectRef>
-              <a:fontRef idx="minor">
-                <a:schemeClr val="tx1"/>
-              </a:fontRef>
-            </p:style>
-          </p:cxnSp>
-        </p:grpSp>
-      </p:grpSp>
-      <p:sp>
-        <p:nvSpPr>
-          <p:cNvPr id="13" name="Rectangle 12">
-            <a:extLst>
-              <a:ext uri="{FF2B5EF4-FFF2-40B4-BE49-F238E27FC236}">
-                <a16:creationId xmlns:a16="http://schemas.microsoft.com/office/drawing/2014/main" id="{9C91B92C-8A79-402A-8327-589BA6BBE1CD}"/>
-              </a:ext>
-            </a:extLst>
-          </p:cNvPr>
-          <p:cNvSpPr/>
-          <p:nvPr/>
-        </p:nvSpPr>
-        <p:spPr>
-          <a:xfrm>
-            <a:off x="456694" y="635495"/>
-            <a:ext cx="909826" cy="269984"/>
-          </a:xfrm>
-          <a:prstGeom prst="rect">
-            <a:avLst/>
-          </a:prstGeom>
-          <a:solidFill>
-            <a:schemeClr val="bg1">
-              <a:lumMod val="95000"/>
-            </a:schemeClr>
-          </a:solidFill>
-          <a:ln w="12700" cap="flat" cmpd="sng" algn="ctr">
-            <a:solidFill>
-              <a:schemeClr val="tx1"/>
-            </a:solidFill>
-            <a:prstDash val="solid"/>
-            <a:miter lim="800000"/>
-          </a:ln>
-          <a:effectLst/>
-        </p:spPr>
-        <p:txBody>
-          <a:bodyPr rtlCol="0" anchor="ctr"/>
-          <a:lstStyle/>
-          <a:p>
-            <a:pPr algn="ctr">
-              <a:buClrTx/>
-              <a:defRPr/>
-            </a:pPr>
-            <a:r>
-              <a:rPr lang="en-US" sz="1200" kern="1200" dirty="0">
-                <a:latin typeface="Encode Sans" pitchFamily="2" charset="-18"/>
-              </a:rPr>
-              <a:t>Send email</a:t>
-            </a:r>
-          </a:p>
-        </p:txBody>
-      </p:sp>
-      <p:sp>
-        <p:nvSpPr>
-          <p:cNvPr id="14" name="Rectangle 13">
-            <a:extLst>
-              <a:ext uri="{FF2B5EF4-FFF2-40B4-BE49-F238E27FC236}">
-                <a16:creationId xmlns:a16="http://schemas.microsoft.com/office/drawing/2014/main" id="{8E3F8016-A866-42A0-8E02-51EAEADACCDF}"/>
-              </a:ext>
-            </a:extLst>
-          </p:cNvPr>
-          <p:cNvSpPr/>
-          <p:nvPr/>
-        </p:nvSpPr>
-        <p:spPr>
-          <a:xfrm>
-            <a:off x="1366520" y="635495"/>
-            <a:ext cx="1123200" cy="269984"/>
-          </a:xfrm>
-          <a:prstGeom prst="rect">
-            <a:avLst/>
-          </a:prstGeom>
-          <a:noFill/>
-          <a:ln w="12700" cap="flat" cmpd="sng" algn="ctr">
-            <a:noFill/>
-            <a:prstDash val="solid"/>
-            <a:miter lim="800000"/>
-          </a:ln>
-          <a:effectLst/>
-        </p:spPr>
-        <p:txBody>
-          <a:bodyPr rtlCol="0" anchor="ctr"/>
-          <a:lstStyle/>
-          <a:p>
-            <a:pPr algn="ctr">
-              <a:buClrTx/>
-              <a:defRPr/>
-            </a:pPr>
-            <a:r>
-              <a:rPr lang="en-US" sz="1200" kern="1200" dirty="0">
-                <a:latin typeface="Encode Sans" pitchFamily="2" charset="-18"/>
-              </a:rPr>
-              <a:t>Receive email</a:t>
-            </a:r>
-          </a:p>
-        </p:txBody>
-      </p:sp>
-      <p:sp>
-        <p:nvSpPr>
-          <p:cNvPr id="15" name="Rectangle 14">
-            <a:extLst>
-              <a:ext uri="{FF2B5EF4-FFF2-40B4-BE49-F238E27FC236}">
-                <a16:creationId xmlns:a16="http://schemas.microsoft.com/office/drawing/2014/main" id="{D2FC2DAF-23D2-4D1F-9FD9-17B8479E9111}"/>
-              </a:ext>
-            </a:extLst>
-          </p:cNvPr>
-          <p:cNvSpPr/>
-          <p:nvPr/>
-        </p:nvSpPr>
-        <p:spPr>
-          <a:xfrm>
-            <a:off x="2489720" y="635495"/>
-            <a:ext cx="768784" cy="269984"/>
-          </a:xfrm>
-          <a:prstGeom prst="rect">
-            <a:avLst/>
-          </a:prstGeom>
-          <a:noFill/>
-          <a:ln w="12700" cap="flat" cmpd="sng" algn="ctr">
-            <a:noFill/>
-            <a:prstDash val="solid"/>
-            <a:miter lim="800000"/>
-          </a:ln>
-          <a:effectLst/>
-        </p:spPr>
-        <p:txBody>
-          <a:bodyPr rtlCol="0" anchor="ctr"/>
-          <a:lstStyle/>
-          <a:p>
-            <a:pPr algn="ctr">
-              <a:buClrTx/>
-              <a:defRPr/>
-            </a:pPr>
-            <a:r>
-              <a:rPr lang="en-US" sz="1200" kern="1200" dirty="0">
-                <a:latin typeface="Encode Sans" pitchFamily="2" charset="-18"/>
-              </a:rPr>
-              <a:t>Contacts</a:t>
-            </a:r>
-          </a:p>
-        </p:txBody>
-      </p:sp>
-      <p:sp>
-        <p:nvSpPr>
-          <p:cNvPr id="16" name="Rectangle: Rounded Corners 15">
-            <a:extLst>
-              <a:ext uri="{FF2B5EF4-FFF2-40B4-BE49-F238E27FC236}">
-                <a16:creationId xmlns:a16="http://schemas.microsoft.com/office/drawing/2014/main" id="{EF7742C0-35DC-4BBF-9390-8554900C0110}"/>
-              </a:ext>
-            </a:extLst>
-          </p:cNvPr>
-          <p:cNvSpPr/>
-          <p:nvPr/>
-        </p:nvSpPr>
-        <p:spPr>
-          <a:xfrm>
-            <a:off x="5695908" y="1171810"/>
-            <a:ext cx="612675" cy="889093"/>
-          </a:xfrm>
-          <a:prstGeom prst="roundRect">
-            <a:avLst>
-              <a:gd name="adj" fmla="val 5888"/>
-            </a:avLst>
-          </a:prstGeom>
-          <a:solidFill>
-            <a:srgbClr val="FFFFFF"/>
-          </a:solidFill>
-          <a:ln w="12700" cap="flat" cmpd="sng" algn="ctr">
-            <a:solidFill>
-              <a:sysClr val="windowText" lastClr="000000"/>
-            </a:solidFill>
-            <a:prstDash val="solid"/>
-            <a:miter lim="800000"/>
-          </a:ln>
-          <a:effectLst/>
-        </p:spPr>
-        <p:txBody>
-          <a:bodyPr rtlCol="0" anchor="ctr"/>
-          <a:lstStyle/>
-          <a:p>
-            <a:pPr algn="ctr">
-              <a:buClrTx/>
-              <a:defRPr/>
-            </a:pPr>
-            <a:r>
-              <a:rPr lang="sr-Latn-RS" sz="1200" dirty="0" err="1">
-                <a:latin typeface="Encode Sans" pitchFamily="2" charset="-18"/>
-              </a:rPr>
-              <a:t>Send</a:t>
-            </a:r>
-            <a:endParaRPr lang="en-US" sz="1200" kern="1200" dirty="0">
-              <a:latin typeface="Encode Sans" pitchFamily="2" charset="-18"/>
-            </a:endParaRPr>
-          </a:p>
-        </p:txBody>
-      </p:sp>
-      <p:sp>
-        <p:nvSpPr>
-          <p:cNvPr id="17" name="Rectangle 16">
-            <a:extLst>
-              <a:ext uri="{FF2B5EF4-FFF2-40B4-BE49-F238E27FC236}">
-                <a16:creationId xmlns:a16="http://schemas.microsoft.com/office/drawing/2014/main" id="{5EEB4D1B-FB0B-40CD-BBC1-12578F264B74}"/>
-              </a:ext>
-            </a:extLst>
-          </p:cNvPr>
-          <p:cNvSpPr/>
-          <p:nvPr/>
-        </p:nvSpPr>
-        <p:spPr>
-          <a:xfrm>
-            <a:off x="1647510" y="1171039"/>
-            <a:ext cx="3979880" cy="269984"/>
-          </a:xfrm>
-          <a:prstGeom prst="rect">
-            <a:avLst/>
-          </a:prstGeom>
-          <a:solidFill>
-            <a:schemeClr val="bg1"/>
-          </a:solidFill>
-          <a:ln w="12700" cap="flat" cmpd="sng" algn="ctr">
-            <a:solidFill>
-              <a:sysClr val="windowText" lastClr="000000"/>
-            </a:solidFill>
-            <a:prstDash val="solid"/>
-            <a:miter lim="800000"/>
-          </a:ln>
-          <a:effectLst/>
-        </p:spPr>
-        <p:txBody>
-          <a:bodyPr rtlCol="0" anchor="ctr"/>
-          <a:lstStyle/>
-          <a:p>
-            <a:pPr>
-              <a:buClrTx/>
-              <a:defRPr/>
-            </a:pPr>
-            <a:r>
-              <a:rPr lang="en-GB" sz="1200" dirty="0" err="1">
-                <a:latin typeface="Encode Sans" pitchFamily="2" charset="-18"/>
-              </a:rPr>
-              <a:t>email_from</a:t>
-            </a:r>
-            <a:endParaRPr lang="en-US" sz="1200" kern="1200" dirty="0">
-              <a:latin typeface="Encode Sans" pitchFamily="2" charset="-18"/>
-            </a:endParaRPr>
-          </a:p>
-        </p:txBody>
-      </p:sp>
-      <p:sp>
-        <p:nvSpPr>
-          <p:cNvPr id="18" name="Rectangle 17">
-            <a:extLst>
-              <a:ext uri="{FF2B5EF4-FFF2-40B4-BE49-F238E27FC236}">
-                <a16:creationId xmlns:a16="http://schemas.microsoft.com/office/drawing/2014/main" id="{7DDE44D4-313E-400B-9AD3-622D3F69C267}"/>
-              </a:ext>
-            </a:extLst>
-          </p:cNvPr>
-          <p:cNvSpPr/>
-          <p:nvPr/>
-        </p:nvSpPr>
-        <p:spPr>
-          <a:xfrm>
-            <a:off x="842579" y="1783220"/>
-            <a:ext cx="714488" cy="269984"/>
-          </a:xfrm>
-          <a:prstGeom prst="rect">
-            <a:avLst/>
-          </a:prstGeom>
-          <a:noFill/>
-          <a:ln w="12700" cap="flat" cmpd="sng" algn="ctr">
-            <a:noFill/>
-            <a:prstDash val="solid"/>
-            <a:miter lim="800000"/>
-          </a:ln>
-          <a:effectLst/>
-        </p:spPr>
-        <p:txBody>
-          <a:bodyPr rtlCol="0" anchor="ctr"/>
-          <a:lstStyle/>
-          <a:p>
-            <a:pPr>
-              <a:buClrTx/>
-              <a:defRPr/>
-            </a:pPr>
-            <a:r>
-              <a:rPr lang="en-US" sz="1200" dirty="0">
-                <a:latin typeface="Encode Sans" pitchFamily="2" charset="-18"/>
-              </a:rPr>
-              <a:t>Subject</a:t>
-            </a:r>
-            <a:endParaRPr lang="en-US" sz="1200" kern="1200" dirty="0">
-              <a:latin typeface="Encode Sans" pitchFamily="2" charset="-18"/>
-            </a:endParaRPr>
-          </a:p>
-        </p:txBody>
-      </p:sp>
-      <p:sp>
-        <p:nvSpPr>
-          <p:cNvPr id="19" name="Rectangle 18">
-            <a:extLst>
-              <a:ext uri="{FF2B5EF4-FFF2-40B4-BE49-F238E27FC236}">
-                <a16:creationId xmlns:a16="http://schemas.microsoft.com/office/drawing/2014/main" id="{E3C9DED1-506B-42B7-926A-2956037A29D1}"/>
-              </a:ext>
-            </a:extLst>
-          </p:cNvPr>
-          <p:cNvSpPr/>
-          <p:nvPr/>
-        </p:nvSpPr>
-        <p:spPr>
-          <a:xfrm>
-            <a:off x="1647511" y="1790919"/>
-            <a:ext cx="3979880" cy="269984"/>
-          </a:xfrm>
-          <a:prstGeom prst="rect">
-            <a:avLst/>
-          </a:prstGeom>
-          <a:solidFill>
-            <a:srgbClr val="FFFFFF"/>
-          </a:solidFill>
-          <a:ln w="12700" cap="flat" cmpd="sng" algn="ctr">
-            <a:solidFill>
-              <a:sysClr val="windowText" lastClr="000000"/>
-            </a:solidFill>
-            <a:prstDash val="solid"/>
-            <a:miter lim="800000"/>
-          </a:ln>
-          <a:effectLst/>
-        </p:spPr>
-        <p:txBody>
-          <a:bodyPr rtlCol="0" anchor="ctr"/>
-          <a:lstStyle/>
-          <a:p>
-            <a:pPr>
-              <a:buClrTx/>
-              <a:defRPr/>
-            </a:pPr>
-            <a:r>
-              <a:rPr lang="en-US" sz="1200" kern="1200" dirty="0">
-                <a:latin typeface="Encode Sans" pitchFamily="2" charset="-18"/>
-              </a:rPr>
-              <a:t>subject</a:t>
-            </a:r>
-          </a:p>
-        </p:txBody>
-      </p:sp>
-      <p:sp>
-        <p:nvSpPr>
-          <p:cNvPr id="20" name="Rectangle 19">
-            <a:extLst>
-              <a:ext uri="{FF2B5EF4-FFF2-40B4-BE49-F238E27FC236}">
-                <a16:creationId xmlns:a16="http://schemas.microsoft.com/office/drawing/2014/main" id="{1056D3C7-1373-411F-B490-1F7EE37868B4}"/>
-              </a:ext>
-            </a:extLst>
-          </p:cNvPr>
-          <p:cNvSpPr/>
-          <p:nvPr/>
-        </p:nvSpPr>
-        <p:spPr>
-          <a:xfrm>
-            <a:off x="833896" y="2175133"/>
-            <a:ext cx="5474687" cy="2228558"/>
-          </a:xfrm>
-          <a:prstGeom prst="rect">
-            <a:avLst/>
-          </a:prstGeom>
-          <a:solidFill>
-            <a:srgbClr val="FFFFFF"/>
-          </a:solidFill>
-          <a:ln w="12700" cap="flat" cmpd="sng" algn="ctr">
-            <a:solidFill>
-              <a:sysClr val="windowText" lastClr="000000"/>
-            </a:solidFill>
-            <a:prstDash val="solid"/>
-            <a:miter lim="800000"/>
-          </a:ln>
-          <a:effectLst/>
-        </p:spPr>
-        <p:txBody>
-          <a:bodyPr rtlCol="0" anchor="t"/>
-          <a:lstStyle/>
-          <a:p>
-            <a:pPr>
-              <a:buClrTx/>
-              <a:defRPr/>
-            </a:pPr>
-            <a:r>
-              <a:rPr lang="en-US" sz="1200" kern="1200" dirty="0">
-                <a:latin typeface="Encode Sans" pitchFamily="2" charset="-18"/>
-              </a:rPr>
-              <a:t>body</a:t>
-            </a:r>
-          </a:p>
-        </p:txBody>
-      </p:sp>
-      <p:sp>
-        <p:nvSpPr>
-          <p:cNvPr id="21" name="Rectangle 20">
-            <a:extLst>
-              <a:ext uri="{FF2B5EF4-FFF2-40B4-BE49-F238E27FC236}">
-                <a16:creationId xmlns:a16="http://schemas.microsoft.com/office/drawing/2014/main" id="{8CB29845-53B4-4745-BEF7-CC6B7CE345FD}"/>
-              </a:ext>
-            </a:extLst>
-          </p:cNvPr>
-          <p:cNvSpPr/>
-          <p:nvPr/>
-        </p:nvSpPr>
-        <p:spPr>
-          <a:xfrm>
-            <a:off x="842579" y="1171039"/>
-            <a:ext cx="740693" cy="269984"/>
-          </a:xfrm>
-          <a:prstGeom prst="rect">
-            <a:avLst/>
-          </a:prstGeom>
-          <a:noFill/>
-          <a:ln w="12700" cap="flat" cmpd="sng" algn="ctr">
-            <a:noFill/>
-            <a:prstDash val="solid"/>
-            <a:miter lim="800000"/>
-          </a:ln>
-          <a:effectLst/>
-        </p:spPr>
-        <p:txBody>
-          <a:bodyPr rtlCol="0" anchor="ctr"/>
-          <a:lstStyle/>
-          <a:p>
-            <a:pPr>
-              <a:buClrTx/>
-              <a:defRPr/>
-            </a:pPr>
-            <a:r>
-              <a:rPr lang="en-US" sz="1200" kern="1200" dirty="0">
-                <a:latin typeface="Encode Sans" pitchFamily="2" charset="-18"/>
-              </a:rPr>
-              <a:t>From</a:t>
-            </a:r>
-          </a:p>
-        </p:txBody>
-      </p:sp>
-      <p:sp>
-        <p:nvSpPr>
-          <p:cNvPr id="22" name="Rectangle 21">
-            <a:extLst>
-              <a:ext uri="{FF2B5EF4-FFF2-40B4-BE49-F238E27FC236}">
-                <a16:creationId xmlns:a16="http://schemas.microsoft.com/office/drawing/2014/main" id="{197EBF41-38D2-48C1-9CB6-7662670B65B0}"/>
-              </a:ext>
-            </a:extLst>
-          </p:cNvPr>
-          <p:cNvSpPr/>
-          <p:nvPr/>
-        </p:nvSpPr>
-        <p:spPr>
-          <a:xfrm>
-            <a:off x="842579" y="1487058"/>
-            <a:ext cx="740693" cy="269984"/>
-          </a:xfrm>
-          <a:prstGeom prst="rect">
-            <a:avLst/>
-          </a:prstGeom>
-          <a:noFill/>
-          <a:ln w="12700" cap="flat" cmpd="sng" algn="ctr">
-            <a:noFill/>
-            <a:prstDash val="solid"/>
-            <a:miter lim="800000"/>
-          </a:ln>
-          <a:effectLst/>
-        </p:spPr>
-        <p:txBody>
-          <a:bodyPr rtlCol="0" anchor="ctr"/>
-          <a:lstStyle/>
-          <a:p>
-            <a:pPr>
-              <a:buClrTx/>
-              <a:defRPr/>
-            </a:pPr>
-            <a:r>
-              <a:rPr lang="en-US" sz="1200" kern="1200" dirty="0">
-                <a:latin typeface="Encode Sans" pitchFamily="2" charset="-18"/>
-              </a:rPr>
-              <a:t>To</a:t>
-            </a:r>
-          </a:p>
-        </p:txBody>
-      </p:sp>
-      <p:sp>
-        <p:nvSpPr>
-          <p:cNvPr id="23" name="Rectangle 22">
-            <a:extLst>
-              <a:ext uri="{FF2B5EF4-FFF2-40B4-BE49-F238E27FC236}">
-                <a16:creationId xmlns:a16="http://schemas.microsoft.com/office/drawing/2014/main" id="{B2DE80EA-D0C3-4040-94D3-A48F959D722E}"/>
-              </a:ext>
-            </a:extLst>
-          </p:cNvPr>
-          <p:cNvSpPr/>
-          <p:nvPr/>
-        </p:nvSpPr>
-        <p:spPr>
-          <a:xfrm>
-            <a:off x="1647511" y="1482401"/>
-            <a:ext cx="3979879" cy="269984"/>
-          </a:xfrm>
-          <a:prstGeom prst="rect">
-            <a:avLst/>
-          </a:prstGeom>
-          <a:solidFill>
-            <a:schemeClr val="bg1"/>
-          </a:solidFill>
-          <a:ln w="12700" cap="flat" cmpd="sng" algn="ctr">
-            <a:solidFill>
-              <a:sysClr val="windowText" lastClr="000000"/>
-            </a:solidFill>
-            <a:prstDash val="solid"/>
-            <a:miter lim="800000"/>
-          </a:ln>
-          <a:effectLst/>
-        </p:spPr>
-        <p:txBody>
-          <a:bodyPr rtlCol="0" anchor="ctr"/>
-          <a:lstStyle/>
-          <a:p>
-            <a:pPr>
-              <a:buClrTx/>
-              <a:defRPr/>
-            </a:pPr>
-            <a:r>
-              <a:rPr lang="en-US" sz="1200" kern="1200" dirty="0" err="1">
-                <a:latin typeface="Encode Sans" pitchFamily="2" charset="-18"/>
-              </a:rPr>
-              <a:t>email</a:t>
-            </a:r>
-            <a:r>
-              <a:rPr lang="en-US" sz="1200" dirty="0" err="1">
-                <a:latin typeface="Encode Sans" pitchFamily="2" charset="-18"/>
-              </a:rPr>
-              <a:t>_to</a:t>
-            </a:r>
-            <a:endParaRPr lang="en-US" sz="1200" kern="1200" dirty="0">
-              <a:latin typeface="Encode Sans" pitchFamily="2" charset="-18"/>
-            </a:endParaRPr>
-          </a:p>
-        </p:txBody>
-      </p:sp>
-      <p:sp>
-        <p:nvSpPr>
-          <p:cNvPr id="24" name="Rectangle 23">
-            <a:extLst>
-              <a:ext uri="{FF2B5EF4-FFF2-40B4-BE49-F238E27FC236}">
-                <a16:creationId xmlns:a16="http://schemas.microsoft.com/office/drawing/2014/main" id="{D6376C04-51BF-43DE-9307-F97672FC94A8}"/>
-              </a:ext>
-            </a:extLst>
-          </p:cNvPr>
-          <p:cNvSpPr/>
-          <p:nvPr/>
-        </p:nvSpPr>
-        <p:spPr>
-          <a:xfrm>
-            <a:off x="7129505" y="324158"/>
-            <a:ext cx="740693" cy="269984"/>
-          </a:xfrm>
-          <a:prstGeom prst="rect">
-            <a:avLst/>
-          </a:prstGeom>
-          <a:solidFill>
-            <a:srgbClr val="FFFFFF"/>
-          </a:solidFill>
-          <a:ln w="12700" cap="flat" cmpd="sng" algn="ctr">
-            <a:solidFill>
-              <a:sysClr val="windowText" lastClr="000000"/>
-            </a:solidFill>
-            <a:prstDash val="solid"/>
-            <a:miter lim="800000"/>
-          </a:ln>
-          <a:effectLst/>
-        </p:spPr>
-        <p:txBody>
-          <a:bodyPr rtlCol="0" anchor="ctr"/>
-          <a:lstStyle/>
-          <a:p>
-            <a:pPr>
-              <a:buClrTx/>
-              <a:defRPr/>
-            </a:pPr>
-            <a:r>
-              <a:rPr lang="en-US" sz="1200" kern="1200" dirty="0">
-                <a:latin typeface="Encode Sans" pitchFamily="2" charset="-18"/>
-              </a:rPr>
-              <a:t>From</a:t>
-            </a:r>
-          </a:p>
-        </p:txBody>
-      </p:sp>
-      <p:grpSp>
-        <p:nvGrpSpPr>
-          <p:cNvPr id="25" name="Group 24">
-            <a:extLst>
-              <a:ext uri="{FF2B5EF4-FFF2-40B4-BE49-F238E27FC236}">
-                <a16:creationId xmlns:a16="http://schemas.microsoft.com/office/drawing/2014/main" id="{26023842-E596-41CB-96A1-1D704BA6AB0D}"/>
-              </a:ext>
-            </a:extLst>
-          </p:cNvPr>
-          <p:cNvGrpSpPr/>
-          <p:nvPr/>
-        </p:nvGrpSpPr>
-        <p:grpSpPr>
-          <a:xfrm>
-            <a:off x="7648441" y="443910"/>
-            <a:ext cx="164181" cy="72003"/>
-            <a:chOff x="2692264" y="3721654"/>
-            <a:chExt cx="164181" cy="72003"/>
-          </a:xfrm>
-        </p:grpSpPr>
-        <p:cxnSp>
-          <p:nvCxnSpPr>
-            <p:cNvPr id="26" name="Straight Connector 25">
-              <a:extLst>
-                <a:ext uri="{FF2B5EF4-FFF2-40B4-BE49-F238E27FC236}">
-                  <a16:creationId xmlns:a16="http://schemas.microsoft.com/office/drawing/2014/main" id="{80598768-3FC0-4363-A786-00E8C7F0010F}"/>
-                </a:ext>
-              </a:extLst>
-            </p:cNvPr>
-            <p:cNvCxnSpPr>
-              <a:cxnSpLocks/>
-            </p:cNvCxnSpPr>
-            <p:nvPr/>
-          </p:nvCxnSpPr>
-          <p:spPr>
-            <a:xfrm>
-              <a:off x="2692264" y="3721654"/>
-              <a:ext cx="84208" cy="72002"/>
-            </a:xfrm>
-            <a:prstGeom prst="line">
-              <a:avLst/>
-            </a:prstGeom>
-            <a:ln w="12700">
-              <a:solidFill>
-                <a:schemeClr val="tx1"/>
-              </a:solidFill>
-            </a:ln>
-          </p:spPr>
-          <p:style>
-            <a:lnRef idx="1">
-              <a:schemeClr val="accent1"/>
-            </a:lnRef>
-            <a:fillRef idx="0">
-              <a:schemeClr val="accent1"/>
-            </a:fillRef>
-            <a:effectRef idx="0">
-              <a:schemeClr val="accent1"/>
-            </a:effectRef>
-            <a:fontRef idx="minor">
-              <a:schemeClr val="tx1"/>
-            </a:fontRef>
-          </p:style>
-        </p:cxnSp>
-        <p:cxnSp>
-          <p:nvCxnSpPr>
-            <p:cNvPr id="27" name="Straight Connector 26">
-              <a:extLst>
-                <a:ext uri="{FF2B5EF4-FFF2-40B4-BE49-F238E27FC236}">
-                  <a16:creationId xmlns:a16="http://schemas.microsoft.com/office/drawing/2014/main" id="{65DD91AE-A4EE-4EBB-B5FC-B837B61FFF7F}"/>
-                </a:ext>
-              </a:extLst>
-            </p:cNvPr>
-            <p:cNvCxnSpPr>
-              <a:cxnSpLocks/>
-            </p:cNvCxnSpPr>
-            <p:nvPr/>
-          </p:nvCxnSpPr>
-          <p:spPr>
-            <a:xfrm flipV="1">
-              <a:off x="2767134" y="3721654"/>
-              <a:ext cx="89311" cy="72003"/>
-            </a:xfrm>
-            <a:prstGeom prst="line">
-              <a:avLst/>
-            </a:prstGeom>
-            <a:ln w="12700">
-              <a:solidFill>
-                <a:schemeClr val="tx1"/>
-              </a:solidFill>
-            </a:ln>
-          </p:spPr>
-          <p:style>
-            <a:lnRef idx="1">
-              <a:schemeClr val="accent1"/>
-            </a:lnRef>
-            <a:fillRef idx="0">
-              <a:schemeClr val="accent1"/>
-            </a:fillRef>
-            <a:effectRef idx="0">
-              <a:schemeClr val="accent1"/>
-            </a:effectRef>
-            <a:fontRef idx="minor">
-              <a:schemeClr val="tx1"/>
-            </a:fontRef>
-          </p:style>
-        </p:cxnSp>
-      </p:grpSp>
-      <p:sp>
-        <p:nvSpPr>
-          <p:cNvPr id="28" name="Rectangle 27">
-            <a:extLst>
-              <a:ext uri="{FF2B5EF4-FFF2-40B4-BE49-F238E27FC236}">
-                <a16:creationId xmlns:a16="http://schemas.microsoft.com/office/drawing/2014/main" id="{DBD430EF-342F-40C7-BDC4-140E153F2466}"/>
-              </a:ext>
-            </a:extLst>
-          </p:cNvPr>
-          <p:cNvSpPr/>
-          <p:nvPr/>
-        </p:nvSpPr>
-        <p:spPr>
-          <a:xfrm>
-            <a:off x="7129505" y="593183"/>
-            <a:ext cx="1771054" cy="269984"/>
-          </a:xfrm>
-          <a:prstGeom prst="rect">
-            <a:avLst/>
-          </a:prstGeom>
-          <a:solidFill>
-            <a:srgbClr val="FFFFFF"/>
-          </a:solidFill>
-          <a:ln w="12700" cap="flat" cmpd="sng" algn="ctr">
-            <a:solidFill>
-              <a:sysClr val="windowText" lastClr="000000"/>
-            </a:solidFill>
-            <a:prstDash val="solid"/>
-            <a:miter lim="800000"/>
-          </a:ln>
-          <a:effectLst/>
-        </p:spPr>
-        <p:txBody>
-          <a:bodyPr rtlCol="0" anchor="t"/>
-          <a:lstStyle/>
-          <a:p>
-            <a:pPr>
-              <a:buClrTx/>
-              <a:defRPr/>
-            </a:pPr>
-            <a:r>
-              <a:rPr lang="en-US" sz="1200" kern="1200" dirty="0" err="1">
-                <a:latin typeface="Encode Sans" pitchFamily="2" charset="-18"/>
-              </a:rPr>
-              <a:t>from_email</a:t>
-            </a:r>
-            <a:r>
-              <a:rPr lang="en-US" sz="1200" kern="1200" dirty="0">
-                <a:latin typeface="Encode Sans" pitchFamily="2" charset="-18"/>
-              </a:rPr>
-              <a:t> | </a:t>
-            </a:r>
-            <a:r>
-              <a:rPr lang="en-US" sz="1200" kern="1200" dirty="0" err="1">
-                <a:latin typeface="Encode Sans" pitchFamily="2" charset="-18"/>
-              </a:rPr>
-              <a:t>from_key</a:t>
-            </a:r>
-            <a:endParaRPr lang="en-US" sz="1200" kern="1200" dirty="0">
-              <a:latin typeface="Encode Sans" pitchFamily="2" charset="-18"/>
-            </a:endParaRPr>
-          </a:p>
-        </p:txBody>
-      </p:sp>
-      <p:sp>
-        <p:nvSpPr>
-          <p:cNvPr id="29" name="Rectangle 28">
-            <a:extLst>
-              <a:ext uri="{FF2B5EF4-FFF2-40B4-BE49-F238E27FC236}">
-                <a16:creationId xmlns:a16="http://schemas.microsoft.com/office/drawing/2014/main" id="{A2839DD3-1EE5-472E-8989-80424E2CD067}"/>
-              </a:ext>
-            </a:extLst>
-          </p:cNvPr>
-          <p:cNvSpPr/>
-          <p:nvPr/>
-        </p:nvSpPr>
-        <p:spPr>
-          <a:xfrm>
-            <a:off x="7129505" y="857601"/>
-            <a:ext cx="1771054" cy="269984"/>
-          </a:xfrm>
-          <a:prstGeom prst="rect">
-            <a:avLst/>
-          </a:prstGeom>
-          <a:solidFill>
-            <a:srgbClr val="FFFFFF"/>
-          </a:solidFill>
-          <a:ln w="12700" cap="flat" cmpd="sng" algn="ctr">
-            <a:solidFill>
-              <a:sysClr val="windowText" lastClr="000000"/>
-            </a:solidFill>
-            <a:prstDash val="solid"/>
-            <a:miter lim="800000"/>
-          </a:ln>
-          <a:effectLst/>
-        </p:spPr>
-        <p:txBody>
-          <a:bodyPr rtlCol="0" anchor="t"/>
-          <a:lstStyle/>
-          <a:p>
-            <a:pPr>
-              <a:buClrTx/>
-              <a:defRPr/>
-            </a:pPr>
-            <a:r>
-              <a:rPr lang="en-US" sz="1200" kern="1200" dirty="0" err="1">
-                <a:latin typeface="Encode Sans" pitchFamily="2" charset="-18"/>
-              </a:rPr>
-              <a:t>from_email</a:t>
-            </a:r>
-            <a:r>
-              <a:rPr lang="en-US" sz="1200" kern="1200" dirty="0">
-                <a:latin typeface="Encode Sans" pitchFamily="2" charset="-18"/>
-              </a:rPr>
-              <a:t> | </a:t>
-            </a:r>
-            <a:r>
-              <a:rPr lang="en-US" sz="1200" kern="1200" dirty="0" err="1">
-                <a:latin typeface="Encode Sans" pitchFamily="2" charset="-18"/>
-              </a:rPr>
-              <a:t>from_key</a:t>
-            </a:r>
-            <a:endParaRPr lang="en-US" sz="1200" kern="1200" dirty="0">
-              <a:latin typeface="Encode Sans" pitchFamily="2" charset="-18"/>
-            </a:endParaRPr>
-          </a:p>
-        </p:txBody>
-      </p:sp>
-      <p:sp>
-        <p:nvSpPr>
-          <p:cNvPr id="30" name="Rectangle 29">
-            <a:extLst>
-              <a:ext uri="{FF2B5EF4-FFF2-40B4-BE49-F238E27FC236}">
-                <a16:creationId xmlns:a16="http://schemas.microsoft.com/office/drawing/2014/main" id="{0A157C8D-1CF4-4683-8836-BCB03DD036FD}"/>
-              </a:ext>
-            </a:extLst>
-          </p:cNvPr>
-          <p:cNvSpPr/>
-          <p:nvPr/>
-        </p:nvSpPr>
-        <p:spPr>
-          <a:xfrm>
-            <a:off x="7129505" y="1127585"/>
-            <a:ext cx="1771054" cy="269984"/>
-          </a:xfrm>
-          <a:prstGeom prst="rect">
-            <a:avLst/>
-          </a:prstGeom>
-          <a:solidFill>
-            <a:srgbClr val="FFFFFF"/>
-          </a:solidFill>
-          <a:ln w="12700" cap="flat" cmpd="sng" algn="ctr">
-            <a:solidFill>
-              <a:sysClr val="windowText" lastClr="000000"/>
-            </a:solidFill>
-            <a:prstDash val="solid"/>
-            <a:miter lim="800000"/>
-          </a:ln>
-          <a:effectLst/>
-        </p:spPr>
-        <p:txBody>
-          <a:bodyPr rtlCol="0" anchor="t"/>
-          <a:lstStyle/>
-          <a:p>
-            <a:pPr>
-              <a:buClrTx/>
-              <a:defRPr/>
-            </a:pPr>
-            <a:r>
-              <a:rPr lang="en-US" sz="1200" kern="1200" dirty="0" err="1">
-                <a:latin typeface="Encode Sans" pitchFamily="2" charset="-18"/>
-              </a:rPr>
-              <a:t>from_email</a:t>
-            </a:r>
-            <a:r>
-              <a:rPr lang="en-US" sz="1200" kern="1200" dirty="0">
-                <a:latin typeface="Encode Sans" pitchFamily="2" charset="-18"/>
-              </a:rPr>
-              <a:t> | </a:t>
-            </a:r>
-            <a:r>
-              <a:rPr lang="en-US" sz="1200" kern="1200" dirty="0" err="1">
-                <a:latin typeface="Encode Sans" pitchFamily="2" charset="-18"/>
-              </a:rPr>
-              <a:t>from_key</a:t>
-            </a:r>
-            <a:endParaRPr lang="en-US" sz="1200" kern="1200" dirty="0">
-              <a:latin typeface="Encode Sans" pitchFamily="2" charset="-18"/>
-            </a:endParaRPr>
-          </a:p>
-        </p:txBody>
-      </p:sp>
-      <p:sp>
-        <p:nvSpPr>
-          <p:cNvPr id="31" name="Rectangle 30">
-            <a:extLst>
-              <a:ext uri="{FF2B5EF4-FFF2-40B4-BE49-F238E27FC236}">
-                <a16:creationId xmlns:a16="http://schemas.microsoft.com/office/drawing/2014/main" id="{53C7F791-F28B-4EF3-9048-A5FC592492BE}"/>
-              </a:ext>
-            </a:extLst>
-          </p:cNvPr>
-          <p:cNvSpPr/>
-          <p:nvPr/>
-        </p:nvSpPr>
-        <p:spPr>
-          <a:xfrm>
-            <a:off x="7129505" y="1392003"/>
-            <a:ext cx="1771054" cy="269984"/>
-          </a:xfrm>
-          <a:prstGeom prst="rect">
-            <a:avLst/>
-          </a:prstGeom>
-          <a:solidFill>
-            <a:srgbClr val="FFFFFF"/>
-          </a:solidFill>
-          <a:ln w="12700" cap="flat" cmpd="sng" algn="ctr">
-            <a:solidFill>
-              <a:sysClr val="windowText" lastClr="000000"/>
-            </a:solidFill>
-            <a:prstDash val="solid"/>
-            <a:miter lim="800000"/>
-          </a:ln>
-          <a:effectLst/>
-        </p:spPr>
-        <p:txBody>
-          <a:bodyPr rtlCol="0" anchor="t"/>
-          <a:lstStyle/>
-          <a:p>
-            <a:pPr>
-              <a:buClrTx/>
-              <a:defRPr/>
-            </a:pPr>
-            <a:r>
-              <a:rPr lang="en-US" sz="1200" kern="1200" dirty="0" err="1">
-                <a:latin typeface="Encode Sans" pitchFamily="2" charset="-18"/>
-              </a:rPr>
-              <a:t>from_email</a:t>
-            </a:r>
-            <a:r>
-              <a:rPr lang="en-US" sz="1200" kern="1200" dirty="0">
-                <a:latin typeface="Encode Sans" pitchFamily="2" charset="-18"/>
-              </a:rPr>
-              <a:t> | </a:t>
-            </a:r>
-            <a:r>
-              <a:rPr lang="en-US" sz="1200" kern="1200" dirty="0" err="1">
-                <a:latin typeface="Encode Sans" pitchFamily="2" charset="-18"/>
-              </a:rPr>
-              <a:t>from_key</a:t>
-            </a:r>
-            <a:endParaRPr lang="en-US" sz="1200" kern="1200" dirty="0">
-              <a:latin typeface="Encode Sans" pitchFamily="2" charset="-18"/>
-            </a:endParaRPr>
-          </a:p>
-        </p:txBody>
-      </p:sp>
-      <p:sp>
-        <p:nvSpPr>
-          <p:cNvPr id="32" name="Rectangle 31">
-            <a:extLst>
-              <a:ext uri="{FF2B5EF4-FFF2-40B4-BE49-F238E27FC236}">
-                <a16:creationId xmlns:a16="http://schemas.microsoft.com/office/drawing/2014/main" id="{2F2AA1F5-24F1-46C0-875D-2D61C56167C4}"/>
-              </a:ext>
-            </a:extLst>
-          </p:cNvPr>
-          <p:cNvSpPr/>
-          <p:nvPr/>
-        </p:nvSpPr>
-        <p:spPr>
-          <a:xfrm>
-            <a:off x="7129505" y="1841665"/>
-            <a:ext cx="740693" cy="269984"/>
-          </a:xfrm>
-          <a:prstGeom prst="rect">
-            <a:avLst/>
-          </a:prstGeom>
-          <a:solidFill>
-            <a:srgbClr val="FFFFFF"/>
-          </a:solidFill>
-          <a:ln w="12700" cap="flat" cmpd="sng" algn="ctr">
-            <a:solidFill>
-              <a:sysClr val="windowText" lastClr="000000"/>
-            </a:solidFill>
-            <a:prstDash val="solid"/>
-            <a:miter lim="800000"/>
-          </a:ln>
-          <a:effectLst/>
-        </p:spPr>
-        <p:txBody>
-          <a:bodyPr rtlCol="0" anchor="ctr"/>
-          <a:lstStyle/>
-          <a:p>
-            <a:pPr>
-              <a:buClrTx/>
-              <a:defRPr/>
-            </a:pPr>
-            <a:r>
-              <a:rPr lang="en-US" sz="1200" kern="1200" dirty="0">
-                <a:latin typeface="Encode Sans" pitchFamily="2" charset="-18"/>
-              </a:rPr>
-              <a:t>To</a:t>
-            </a:r>
-          </a:p>
-        </p:txBody>
-      </p:sp>
-      <p:grpSp>
-        <p:nvGrpSpPr>
-          <p:cNvPr id="33" name="Group 32">
-            <a:extLst>
-              <a:ext uri="{FF2B5EF4-FFF2-40B4-BE49-F238E27FC236}">
-                <a16:creationId xmlns:a16="http://schemas.microsoft.com/office/drawing/2014/main" id="{F119E1F8-413A-4C4C-B2FF-6B7C3038E95E}"/>
-              </a:ext>
-            </a:extLst>
-          </p:cNvPr>
-          <p:cNvGrpSpPr/>
-          <p:nvPr/>
-        </p:nvGrpSpPr>
-        <p:grpSpPr>
-          <a:xfrm>
-            <a:off x="7648441" y="1961417"/>
-            <a:ext cx="164181" cy="72003"/>
-            <a:chOff x="2692264" y="3721654"/>
-            <a:chExt cx="164181" cy="72003"/>
-          </a:xfrm>
-        </p:grpSpPr>
-        <p:cxnSp>
-          <p:nvCxnSpPr>
-            <p:cNvPr id="34" name="Straight Connector 33">
-              <a:extLst>
-                <a:ext uri="{FF2B5EF4-FFF2-40B4-BE49-F238E27FC236}">
-                  <a16:creationId xmlns:a16="http://schemas.microsoft.com/office/drawing/2014/main" id="{0602AC28-C0CB-4D63-9806-687FDA7EF97B}"/>
-                </a:ext>
-              </a:extLst>
-            </p:cNvPr>
-            <p:cNvCxnSpPr>
-              <a:cxnSpLocks/>
-            </p:cNvCxnSpPr>
-            <p:nvPr/>
-          </p:nvCxnSpPr>
-          <p:spPr>
-            <a:xfrm>
-              <a:off x="2692264" y="3721654"/>
-              <a:ext cx="84208" cy="72002"/>
-            </a:xfrm>
-            <a:prstGeom prst="line">
-              <a:avLst/>
-            </a:prstGeom>
-            <a:ln w="12700">
-              <a:solidFill>
-                <a:schemeClr val="tx1"/>
-              </a:solidFill>
-            </a:ln>
-          </p:spPr>
-          <p:style>
-            <a:lnRef idx="1">
-              <a:schemeClr val="accent1"/>
-            </a:lnRef>
-            <a:fillRef idx="0">
-              <a:schemeClr val="accent1"/>
-            </a:fillRef>
-            <a:effectRef idx="0">
-              <a:schemeClr val="accent1"/>
-            </a:effectRef>
-            <a:fontRef idx="minor">
-              <a:schemeClr val="tx1"/>
-            </a:fontRef>
-          </p:style>
-        </p:cxnSp>
-        <p:cxnSp>
-          <p:nvCxnSpPr>
-            <p:cNvPr id="35" name="Straight Connector 34">
-              <a:extLst>
-                <a:ext uri="{FF2B5EF4-FFF2-40B4-BE49-F238E27FC236}">
-                  <a16:creationId xmlns:a16="http://schemas.microsoft.com/office/drawing/2014/main" id="{AE5302F5-9D90-41FF-9E98-DD140566AA84}"/>
-                </a:ext>
-              </a:extLst>
-            </p:cNvPr>
-            <p:cNvCxnSpPr>
-              <a:cxnSpLocks/>
-            </p:cNvCxnSpPr>
-            <p:nvPr/>
-          </p:nvCxnSpPr>
-          <p:spPr>
-            <a:xfrm flipV="1">
-              <a:off x="2767134" y="3721654"/>
-              <a:ext cx="89311" cy="72003"/>
-            </a:xfrm>
-            <a:prstGeom prst="line">
-              <a:avLst/>
-            </a:prstGeom>
-            <a:ln w="12700">
-              <a:solidFill>
-                <a:schemeClr val="tx1"/>
-              </a:solidFill>
-            </a:ln>
-          </p:spPr>
-          <p:style>
-            <a:lnRef idx="1">
-              <a:schemeClr val="accent1"/>
-            </a:lnRef>
-            <a:fillRef idx="0">
-              <a:schemeClr val="accent1"/>
-            </a:fillRef>
-            <a:effectRef idx="0">
-              <a:schemeClr val="accent1"/>
-            </a:effectRef>
-            <a:fontRef idx="minor">
-              <a:schemeClr val="tx1"/>
-            </a:fontRef>
-          </p:style>
-        </p:cxnSp>
-      </p:grpSp>
-      <p:sp>
-        <p:nvSpPr>
-          <p:cNvPr id="36" name="Rectangle 35">
-            <a:extLst>
-              <a:ext uri="{FF2B5EF4-FFF2-40B4-BE49-F238E27FC236}">
-                <a16:creationId xmlns:a16="http://schemas.microsoft.com/office/drawing/2014/main" id="{042ABB45-0BD8-4B44-BA59-20FA17121A3C}"/>
-              </a:ext>
-            </a:extLst>
-          </p:cNvPr>
-          <p:cNvSpPr/>
-          <p:nvPr/>
-        </p:nvSpPr>
-        <p:spPr>
-          <a:xfrm>
-            <a:off x="7129505" y="2110690"/>
-            <a:ext cx="1771054" cy="269984"/>
-          </a:xfrm>
-          <a:prstGeom prst="rect">
-            <a:avLst/>
-          </a:prstGeom>
-          <a:solidFill>
-            <a:srgbClr val="FFFFFF"/>
-          </a:solidFill>
-          <a:ln w="12700" cap="flat" cmpd="sng" algn="ctr">
-            <a:solidFill>
-              <a:sysClr val="windowText" lastClr="000000"/>
-            </a:solidFill>
-            <a:prstDash val="solid"/>
-            <a:miter lim="800000"/>
-          </a:ln>
-          <a:effectLst/>
-        </p:spPr>
-        <p:txBody>
-          <a:bodyPr rtlCol="0" anchor="t"/>
-          <a:lstStyle/>
-          <a:p>
-            <a:pPr>
-              <a:buClrTx/>
-              <a:defRPr/>
-            </a:pPr>
-            <a:r>
-              <a:rPr lang="en-US" sz="1200" kern="1200" dirty="0" err="1">
-                <a:latin typeface="Encode Sans" pitchFamily="2" charset="-18"/>
-              </a:rPr>
-              <a:t>to_email</a:t>
-            </a:r>
-            <a:r>
-              <a:rPr lang="en-US" sz="1200" kern="1200" dirty="0">
-                <a:latin typeface="Encode Sans" pitchFamily="2" charset="-18"/>
-              </a:rPr>
-              <a:t>            | </a:t>
-            </a:r>
-            <a:r>
-              <a:rPr lang="en-US" sz="1200" dirty="0" err="1">
-                <a:latin typeface="Encode Sans" pitchFamily="2" charset="-18"/>
-              </a:rPr>
-              <a:t>to</a:t>
-            </a:r>
-            <a:r>
-              <a:rPr lang="en-US" sz="1200" kern="1200" dirty="0" err="1">
-                <a:latin typeface="Encode Sans" pitchFamily="2" charset="-18"/>
-              </a:rPr>
-              <a:t>_key</a:t>
-            </a:r>
-            <a:endParaRPr lang="en-US" sz="1200" kern="1200" dirty="0">
-              <a:latin typeface="Encode Sans" pitchFamily="2" charset="-18"/>
-            </a:endParaRPr>
-          </a:p>
-        </p:txBody>
-      </p:sp>
-      <p:sp>
-        <p:nvSpPr>
-          <p:cNvPr id="37" name="Rectangle 36">
-            <a:extLst>
-              <a:ext uri="{FF2B5EF4-FFF2-40B4-BE49-F238E27FC236}">
-                <a16:creationId xmlns:a16="http://schemas.microsoft.com/office/drawing/2014/main" id="{4993F491-D492-4F59-9568-B795FC97A382}"/>
-              </a:ext>
-            </a:extLst>
-          </p:cNvPr>
-          <p:cNvSpPr/>
-          <p:nvPr/>
-        </p:nvSpPr>
-        <p:spPr>
-          <a:xfrm>
-            <a:off x="7129505" y="2375108"/>
-            <a:ext cx="1771054" cy="269984"/>
-          </a:xfrm>
-          <a:prstGeom prst="rect">
-            <a:avLst/>
-          </a:prstGeom>
-          <a:solidFill>
-            <a:srgbClr val="FFFFFF"/>
-          </a:solidFill>
-          <a:ln w="12700" cap="flat" cmpd="sng" algn="ctr">
-            <a:solidFill>
-              <a:sysClr val="windowText" lastClr="000000"/>
-            </a:solidFill>
-            <a:prstDash val="solid"/>
-            <a:miter lim="800000"/>
-          </a:ln>
-          <a:effectLst/>
-        </p:spPr>
-        <p:txBody>
-          <a:bodyPr rtlCol="0" anchor="t"/>
-          <a:lstStyle/>
-          <a:p>
-            <a:pPr>
-              <a:buClrTx/>
-              <a:defRPr/>
-            </a:pPr>
-            <a:r>
-              <a:rPr lang="en-US" sz="1200" kern="1200" dirty="0" err="1">
-                <a:latin typeface="Encode Sans" pitchFamily="2" charset="-18"/>
-              </a:rPr>
-              <a:t>to_email</a:t>
-            </a:r>
-            <a:r>
-              <a:rPr lang="en-US" sz="1200" kern="1200" dirty="0">
-                <a:latin typeface="Encode Sans" pitchFamily="2" charset="-18"/>
-              </a:rPr>
-              <a:t>            | </a:t>
-            </a:r>
-            <a:r>
-              <a:rPr lang="en-US" sz="1200" kern="1200" dirty="0" err="1">
-                <a:latin typeface="Encode Sans" pitchFamily="2" charset="-18"/>
-              </a:rPr>
-              <a:t>to_key</a:t>
-            </a:r>
-            <a:endParaRPr lang="en-US" sz="1200" kern="1200" dirty="0">
-              <a:latin typeface="Encode Sans" pitchFamily="2" charset="-18"/>
-            </a:endParaRPr>
-          </a:p>
-        </p:txBody>
-      </p:sp>
-      <p:sp>
-        <p:nvSpPr>
-          <p:cNvPr id="38" name="Rectangle 37">
-            <a:extLst>
-              <a:ext uri="{FF2B5EF4-FFF2-40B4-BE49-F238E27FC236}">
-                <a16:creationId xmlns:a16="http://schemas.microsoft.com/office/drawing/2014/main" id="{9C0DC848-BAA8-493E-BF29-0095E9455EE3}"/>
-              </a:ext>
-            </a:extLst>
-          </p:cNvPr>
-          <p:cNvSpPr/>
-          <p:nvPr/>
-        </p:nvSpPr>
-        <p:spPr>
-          <a:xfrm>
-            <a:off x="7129505" y="2645092"/>
-            <a:ext cx="1771054" cy="269984"/>
-          </a:xfrm>
-          <a:prstGeom prst="rect">
-            <a:avLst/>
-          </a:prstGeom>
-          <a:solidFill>
-            <a:srgbClr val="FFFFFF"/>
-          </a:solidFill>
-          <a:ln w="12700" cap="flat" cmpd="sng" algn="ctr">
-            <a:solidFill>
-              <a:sysClr val="windowText" lastClr="000000"/>
-            </a:solidFill>
-            <a:prstDash val="solid"/>
-            <a:miter lim="800000"/>
-          </a:ln>
-          <a:effectLst/>
-        </p:spPr>
-        <p:txBody>
-          <a:bodyPr rtlCol="0" anchor="t"/>
-          <a:lstStyle/>
-          <a:p>
-            <a:pPr>
-              <a:buClrTx/>
-              <a:defRPr/>
-            </a:pPr>
-            <a:r>
-              <a:rPr lang="en-US" sz="1200" kern="1200" dirty="0" err="1">
-                <a:latin typeface="Encode Sans" pitchFamily="2" charset="-18"/>
-              </a:rPr>
-              <a:t>to_email</a:t>
-            </a:r>
-            <a:r>
-              <a:rPr lang="en-US" sz="1200" kern="1200" dirty="0">
-                <a:latin typeface="Encode Sans" pitchFamily="2" charset="-18"/>
-              </a:rPr>
-              <a:t>            | </a:t>
-            </a:r>
-            <a:r>
-              <a:rPr lang="en-US" sz="1200" kern="1200" dirty="0" err="1">
-                <a:latin typeface="Encode Sans" pitchFamily="2" charset="-18"/>
-              </a:rPr>
-              <a:t>to_key</a:t>
-            </a:r>
-            <a:endParaRPr lang="en-US" sz="1200" kern="1200" dirty="0">
-              <a:latin typeface="Encode Sans" pitchFamily="2" charset="-18"/>
-            </a:endParaRPr>
-          </a:p>
-        </p:txBody>
-      </p:sp>
-      <p:sp>
-        <p:nvSpPr>
-          <p:cNvPr id="39" name="Rectangle 38">
-            <a:extLst>
-              <a:ext uri="{FF2B5EF4-FFF2-40B4-BE49-F238E27FC236}">
-                <a16:creationId xmlns:a16="http://schemas.microsoft.com/office/drawing/2014/main" id="{A3400D25-5DA2-45E9-8B5C-E5511E9432CC}"/>
-              </a:ext>
-            </a:extLst>
-          </p:cNvPr>
-          <p:cNvSpPr/>
-          <p:nvPr/>
-        </p:nvSpPr>
-        <p:spPr>
-          <a:xfrm>
-            <a:off x="7129505" y="2909510"/>
-            <a:ext cx="1771054" cy="269984"/>
-          </a:xfrm>
-          <a:prstGeom prst="rect">
-            <a:avLst/>
-          </a:prstGeom>
-          <a:solidFill>
-            <a:srgbClr val="FFFFFF"/>
-          </a:solidFill>
-          <a:ln w="12700" cap="flat" cmpd="sng" algn="ctr">
-            <a:solidFill>
-              <a:sysClr val="windowText" lastClr="000000"/>
-            </a:solidFill>
-            <a:prstDash val="solid"/>
-            <a:miter lim="800000"/>
-          </a:ln>
-          <a:effectLst/>
-        </p:spPr>
-        <p:txBody>
-          <a:bodyPr rtlCol="0" anchor="t"/>
-          <a:lstStyle/>
-          <a:p>
-            <a:pPr>
-              <a:buClrTx/>
-              <a:defRPr/>
-            </a:pPr>
-            <a:r>
-              <a:rPr lang="en-US" sz="1200" kern="1200" dirty="0" err="1">
-                <a:latin typeface="Encode Sans" pitchFamily="2" charset="-18"/>
-              </a:rPr>
-              <a:t>to_email</a:t>
-            </a:r>
-            <a:r>
-              <a:rPr lang="en-US" sz="1200" kern="1200" dirty="0">
-                <a:latin typeface="Encode Sans" pitchFamily="2" charset="-18"/>
-              </a:rPr>
-              <a:t>            | </a:t>
-            </a:r>
-            <a:r>
-              <a:rPr lang="en-US" sz="1200" kern="1200" dirty="0" err="1">
-                <a:latin typeface="Encode Sans" pitchFamily="2" charset="-18"/>
-              </a:rPr>
-              <a:t>to_key</a:t>
-            </a:r>
-            <a:endParaRPr lang="en-US" sz="1200" kern="1200" dirty="0">
-              <a:latin typeface="Encode Sans" pitchFamily="2" charset="-18"/>
-            </a:endParaRPr>
-          </a:p>
-        </p:txBody>
-      </p:sp>
-      <p:sp>
-        <p:nvSpPr>
-          <p:cNvPr id="40" name="Rectangle: Rounded Corners 39">
-            <a:extLst>
-              <a:ext uri="{FF2B5EF4-FFF2-40B4-BE49-F238E27FC236}">
-                <a16:creationId xmlns:a16="http://schemas.microsoft.com/office/drawing/2014/main" id="{7047271B-F94D-40A8-ABE6-CE7268F406E7}"/>
-              </a:ext>
-            </a:extLst>
-          </p:cNvPr>
-          <p:cNvSpPr/>
-          <p:nvPr/>
-        </p:nvSpPr>
-        <p:spPr>
-          <a:xfrm>
-            <a:off x="7129505" y="3323816"/>
-            <a:ext cx="612675" cy="889093"/>
-          </a:xfrm>
-          <a:prstGeom prst="roundRect">
-            <a:avLst>
-              <a:gd name="adj" fmla="val 6717"/>
-            </a:avLst>
-          </a:prstGeom>
-          <a:solidFill>
-            <a:srgbClr val="FFFFFF"/>
-          </a:solidFill>
-          <a:ln w="12700" cap="flat" cmpd="sng" algn="ctr">
-            <a:solidFill>
-              <a:sysClr val="windowText" lastClr="000000"/>
-            </a:solidFill>
-            <a:prstDash val="solid"/>
-            <a:miter lim="800000"/>
-          </a:ln>
-          <a:effectLst/>
-        </p:spPr>
-        <p:txBody>
-          <a:bodyPr rtlCol="0" anchor="ctr"/>
-          <a:lstStyle/>
-          <a:p>
-            <a:pPr algn="ctr">
-              <a:buClrTx/>
-              <a:defRPr/>
-            </a:pPr>
-            <a:r>
-              <a:rPr lang="sr-Latn-RS" sz="1200" dirty="0" err="1">
-                <a:latin typeface="Encode Sans" pitchFamily="2" charset="-18"/>
-              </a:rPr>
-              <a:t>Send</a:t>
-            </a:r>
-            <a:endParaRPr lang="en-US" sz="1200" kern="1200" dirty="0">
-              <a:latin typeface="Encode Sans" pitchFamily="2" charset="-18"/>
-            </a:endParaRPr>
-          </a:p>
-        </p:txBody>
-      </p:sp>
-      <p:sp>
-        <p:nvSpPr>
-          <p:cNvPr id="41" name="Rectangle 40">
-            <a:extLst>
-              <a:ext uri="{FF2B5EF4-FFF2-40B4-BE49-F238E27FC236}">
-                <a16:creationId xmlns:a16="http://schemas.microsoft.com/office/drawing/2014/main" id="{B3CF00B2-B7CB-40E2-9502-1D1297D64C78}"/>
-              </a:ext>
-            </a:extLst>
-          </p:cNvPr>
-          <p:cNvSpPr/>
-          <p:nvPr/>
-        </p:nvSpPr>
-        <p:spPr>
-          <a:xfrm>
-            <a:off x="7841481" y="3882709"/>
-            <a:ext cx="1624711" cy="330200"/>
-          </a:xfrm>
-          <a:prstGeom prst="rect">
-            <a:avLst/>
-          </a:prstGeom>
-          <a:noFill/>
-          <a:ln w="12700" cap="flat" cmpd="sng" algn="ctr">
-            <a:noFill/>
-            <a:prstDash val="solid"/>
-            <a:miter lim="800000"/>
-          </a:ln>
-          <a:effectLst/>
-        </p:spPr>
-        <p:txBody>
-          <a:bodyPr rtlCol="0" anchor="ctr"/>
-          <a:lstStyle/>
-          <a:p>
-            <a:pPr>
-              <a:buClrTx/>
-              <a:defRPr/>
-            </a:pPr>
-            <a:r>
-              <a:rPr lang="en-GB" sz="1200" dirty="0">
-                <a:latin typeface="Encode Sans" pitchFamily="2" charset="-18"/>
-              </a:rPr>
-              <a:t>-- file save dialog</a:t>
-            </a:r>
-            <a:endParaRPr lang="en-US" sz="1200" kern="1200" dirty="0">
-              <a:latin typeface="Encode Sans" pitchFamily="2" charset="-18"/>
-            </a:endParaRPr>
-          </a:p>
-        </p:txBody>
-      </p:sp>
-      <p:grpSp>
-        <p:nvGrpSpPr>
-          <p:cNvPr id="42" name="Group 41">
-            <a:extLst>
-              <a:ext uri="{FF2B5EF4-FFF2-40B4-BE49-F238E27FC236}">
-                <a16:creationId xmlns:a16="http://schemas.microsoft.com/office/drawing/2014/main" id="{58F1B7A4-C6B9-44BD-AEDC-7C7E22028807}"/>
-              </a:ext>
-            </a:extLst>
-          </p:cNvPr>
-          <p:cNvGrpSpPr/>
-          <p:nvPr/>
-        </p:nvGrpSpPr>
-        <p:grpSpPr>
-          <a:xfrm>
-            <a:off x="6153870" y="2175314"/>
-            <a:ext cx="158485" cy="2228377"/>
-            <a:chOff x="6153870" y="2175314"/>
-            <a:chExt cx="158485" cy="2228377"/>
-          </a:xfrm>
-        </p:grpSpPr>
-        <p:sp>
-          <p:nvSpPr>
-            <p:cNvPr id="43" name="Rectangle 42">
-              <a:extLst>
-                <a:ext uri="{FF2B5EF4-FFF2-40B4-BE49-F238E27FC236}">
-                  <a16:creationId xmlns:a16="http://schemas.microsoft.com/office/drawing/2014/main" id="{B9E6B94A-68F8-4D67-A7D0-8ED7F4C515E1}"/>
-                </a:ext>
-              </a:extLst>
-            </p:cNvPr>
-            <p:cNvSpPr/>
-            <p:nvPr/>
-          </p:nvSpPr>
-          <p:spPr>
-            <a:xfrm flipH="1">
-              <a:off x="6158340" y="2177149"/>
-              <a:ext cx="154015" cy="2226542"/>
+              <a:off x="456693" y="324158"/>
+              <a:ext cx="6228368" cy="5287929"/>
             </a:xfrm>
             <a:prstGeom prst="rect">
               <a:avLst/>
@@ -5262,10 +3789,10 @@
         </p:sp>
         <p:sp>
           <p:nvSpPr>
-            <p:cNvPr id="44" name="Rectangle 43">
+            <p:cNvPr id="33" name="Rectangle 32">
               <a:extLst>
                 <a:ext uri="{FF2B5EF4-FFF2-40B4-BE49-F238E27FC236}">
-                  <a16:creationId xmlns:a16="http://schemas.microsoft.com/office/drawing/2014/main" id="{84F71BC8-BAF3-4F54-853D-095D46F0ADB1}"/>
+                  <a16:creationId xmlns:a16="http://schemas.microsoft.com/office/drawing/2014/main" id="{DDCE3470-3C3C-4A9C-97DC-45808CF0295A}"/>
                 </a:ext>
               </a:extLst>
             </p:cNvPr>
@@ -5273,9 +3800,463 @@
             <p:nvPr/>
           </p:nvSpPr>
           <p:spPr>
-            <a:xfrm flipH="1">
-              <a:off x="6157493" y="2397951"/>
-              <a:ext cx="154854" cy="1710180"/>
+            <a:xfrm>
+              <a:off x="456693" y="324155"/>
+              <a:ext cx="6228368" cy="1276367"/>
+            </a:xfrm>
+            <a:prstGeom prst="rect">
+              <a:avLst/>
+            </a:prstGeom>
+            <a:solidFill>
+              <a:srgbClr val="FFFFFF"/>
+            </a:solidFill>
+            <a:ln w="12700" cap="flat" cmpd="sng" algn="ctr">
+              <a:solidFill>
+                <a:sysClr val="windowText" lastClr="000000"/>
+              </a:solidFill>
+              <a:prstDash val="solid"/>
+              <a:miter lim="800000"/>
+            </a:ln>
+            <a:effectLst/>
+          </p:spPr>
+          <p:txBody>
+            <a:bodyPr rtlCol="0" anchor="ctr"/>
+            <a:lstStyle/>
+            <a:p>
+              <a:pPr algn="ctr">
+                <a:buClrTx/>
+                <a:defRPr/>
+              </a:pPr>
+              <a:r>
+                <a:rPr lang="sr-Latn-RS" sz="1200" kern="1200" dirty="0">
+                  <a:latin typeface="Encode Sans" pitchFamily="2" charset="-18"/>
+                </a:rPr>
+                <a:t>slika</a:t>
+              </a:r>
+              <a:endParaRPr lang="en-US" sz="1200" kern="1200" dirty="0">
+                <a:latin typeface="Encode Sans" pitchFamily="2" charset="-18"/>
+              </a:endParaRPr>
+            </a:p>
+          </p:txBody>
+        </p:sp>
+        <p:sp>
+          <p:nvSpPr>
+            <p:cNvPr id="96" name="Rectangle 95">
+              <a:extLst>
+                <a:ext uri="{FF2B5EF4-FFF2-40B4-BE49-F238E27FC236}">
+                  <a16:creationId xmlns:a16="http://schemas.microsoft.com/office/drawing/2014/main" id="{6AC48B0B-1345-4448-8673-D198D190BE52}"/>
+                </a:ext>
+              </a:extLst>
+            </p:cNvPr>
+            <p:cNvSpPr/>
+            <p:nvPr/>
+          </p:nvSpPr>
+          <p:spPr>
+            <a:xfrm>
+              <a:off x="456693" y="324157"/>
+              <a:ext cx="6228368" cy="457649"/>
+            </a:xfrm>
+            <a:prstGeom prst="rect">
+              <a:avLst/>
+            </a:prstGeom>
+            <a:solidFill>
+              <a:srgbClr val="000000">
+                <a:alpha val="25098"/>
+              </a:srgbClr>
+            </a:solidFill>
+            <a:ln w="12700" cap="flat" cmpd="sng" algn="ctr">
+              <a:solidFill>
+                <a:sysClr val="windowText" lastClr="000000"/>
+              </a:solidFill>
+              <a:prstDash val="solid"/>
+              <a:miter lim="800000"/>
+            </a:ln>
+            <a:effectLst/>
+          </p:spPr>
+          <p:txBody>
+            <a:bodyPr rtlCol="0" anchor="ctr"/>
+            <a:lstStyle/>
+            <a:p>
+              <a:pPr>
+                <a:buClrTx/>
+                <a:defRPr/>
+              </a:pPr>
+              <a:r>
+                <a:rPr lang="en-US" sz="1200" kern="1200" dirty="0">
+                  <a:latin typeface="Encode Sans" pitchFamily="2" charset="-18"/>
+                </a:rPr>
+                <a:t>HH </a:t>
+              </a:r>
+              <a:r>
+                <a:rPr lang="sr-Latn-RS" sz="1200" kern="1200" dirty="0">
+                  <a:latin typeface="Encode Sans" pitchFamily="2" charset="-18"/>
+                </a:rPr>
+                <a:t> </a:t>
+              </a:r>
+              <a:r>
+                <a:rPr lang="en-US" sz="1200" kern="1200" dirty="0">
+                  <a:latin typeface="Encode Sans" pitchFamily="2" charset="-18"/>
+                </a:rPr>
+                <a:t> </a:t>
+              </a:r>
+              <a:r>
+                <a:rPr lang="en-GB" sz="1200" kern="1200" dirty="0" err="1">
+                  <a:latin typeface="Encode Sans" pitchFamily="2" charset="-18"/>
+                </a:rPr>
+                <a:t>Nekretnine</a:t>
+              </a:r>
+              <a:r>
+                <a:rPr lang="en-GB" sz="1200" kern="1200" dirty="0">
+                  <a:latin typeface="Encode Sans" pitchFamily="2" charset="-18"/>
+                </a:rPr>
+                <a:t>   </a:t>
+              </a:r>
+              <a:r>
+                <a:rPr lang="sr-Latn-RS" sz="1200" kern="1200" dirty="0">
+                  <a:latin typeface="Encode Sans" pitchFamily="2" charset="-18"/>
+                </a:rPr>
+                <a:t>Nauka   Kontakt   Predmeti        </a:t>
+              </a:r>
+              <a:r>
+                <a:rPr lang="en-GB" sz="1200" kern="1200" dirty="0">
+                  <a:latin typeface="Encode Sans" pitchFamily="2" charset="-18"/>
+                </a:rPr>
+                <a:t> </a:t>
+              </a:r>
+              <a:r>
+                <a:rPr lang="sr-Latn-RS" sz="1200" kern="1200" dirty="0">
+                  <a:latin typeface="Encode Sans" pitchFamily="2" charset="-18"/>
+                </a:rPr>
+                <a:t>Registracija   </a:t>
+              </a:r>
+              <a:r>
+                <a:rPr lang="en-GB" sz="1200" dirty="0">
+                  <a:latin typeface="Encode Sans" pitchFamily="2" charset="-18"/>
+                </a:rPr>
+                <a:t>             </a:t>
+              </a:r>
+              <a:r>
+                <a:rPr lang="sr-Latn-RS" sz="1200" kern="1200" dirty="0">
+                  <a:latin typeface="Encode Sans" pitchFamily="2" charset="-18"/>
+                </a:rPr>
+                <a:t>   </a:t>
+              </a:r>
+              <a:r>
+                <a:rPr lang="en-GB" sz="1200" kern="1200" dirty="0">
+                  <a:latin typeface="Encode Sans" pitchFamily="2" charset="-18"/>
+                </a:rPr>
+                <a:t>     </a:t>
+              </a:r>
+              <a:r>
+                <a:rPr lang="sr-Latn-RS" sz="1200" kern="1200" dirty="0">
+                  <a:latin typeface="Encode Sans" pitchFamily="2" charset="-18"/>
+                </a:rPr>
+                <a:t>Odjava</a:t>
+              </a:r>
+              <a:endParaRPr lang="en-US" sz="1200" kern="1200" dirty="0">
+                <a:latin typeface="Encode Sans" pitchFamily="2" charset="-18"/>
+              </a:endParaRPr>
+            </a:p>
+          </p:txBody>
+        </p:sp>
+        <p:sp>
+          <p:nvSpPr>
+            <p:cNvPr id="6" name="Rectangle: Rounded Corners 5">
+              <a:extLst>
+                <a:ext uri="{FF2B5EF4-FFF2-40B4-BE49-F238E27FC236}">
+                  <a16:creationId xmlns:a16="http://schemas.microsoft.com/office/drawing/2014/main" id="{2F930AFC-A6B3-493C-BFFE-DC9F7C4D4114}"/>
+                </a:ext>
+              </a:extLst>
+            </p:cNvPr>
+            <p:cNvSpPr/>
+            <p:nvPr/>
+          </p:nvSpPr>
+          <p:spPr>
+            <a:xfrm>
+              <a:off x="5279754" y="377062"/>
+              <a:ext cx="735685" cy="336205"/>
+            </a:xfrm>
+            <a:prstGeom prst="roundRect">
+              <a:avLst>
+                <a:gd name="adj" fmla="val 8694"/>
+              </a:avLst>
+            </a:prstGeom>
+            <a:noFill/>
+            <a:ln w="12700" cap="flat" cmpd="sng" algn="ctr">
+              <a:solidFill>
+                <a:sysClr val="windowText" lastClr="000000"/>
+              </a:solidFill>
+              <a:prstDash val="solid"/>
+              <a:miter lim="800000"/>
+            </a:ln>
+            <a:effectLst/>
+          </p:spPr>
+          <p:txBody>
+            <a:bodyPr rtlCol="0" anchor="ctr"/>
+            <a:lstStyle/>
+            <a:p>
+              <a:pPr algn="ctr">
+                <a:buClrTx/>
+                <a:defRPr/>
+              </a:pPr>
+              <a:r>
+                <a:rPr lang="sr-Latn-RS" sz="1200" kern="1200" dirty="0">
+                  <a:latin typeface="Encode Sans" pitchFamily="2" charset="-18"/>
+                </a:rPr>
+                <a:t>Prijava</a:t>
+              </a:r>
+              <a:endParaRPr lang="en-US" sz="1200" kern="1200" dirty="0">
+                <a:latin typeface="Encode Sans" pitchFamily="2" charset="-18"/>
+              </a:endParaRPr>
+            </a:p>
+          </p:txBody>
+        </p:sp>
+        <p:sp>
+          <p:nvSpPr>
+            <p:cNvPr id="38" name="Rectangle 37">
+              <a:extLst>
+                <a:ext uri="{FF2B5EF4-FFF2-40B4-BE49-F238E27FC236}">
+                  <a16:creationId xmlns:a16="http://schemas.microsoft.com/office/drawing/2014/main" id="{BF720E65-DF8D-4391-8A3E-C4B15D675B17}"/>
+                </a:ext>
+              </a:extLst>
+            </p:cNvPr>
+            <p:cNvSpPr/>
+            <p:nvPr/>
+          </p:nvSpPr>
+          <p:spPr>
+            <a:xfrm>
+              <a:off x="1283284" y="1600522"/>
+              <a:ext cx="4552495" cy="4011556"/>
+            </a:xfrm>
+            <a:prstGeom prst="rect">
+              <a:avLst/>
+            </a:prstGeom>
+            <a:solidFill>
+              <a:srgbClr val="FFFFFF"/>
+            </a:solidFill>
+            <a:ln w="12700" cap="flat" cmpd="sng" algn="ctr">
+              <a:solidFill>
+                <a:sysClr val="windowText" lastClr="000000"/>
+              </a:solidFill>
+              <a:prstDash val="solid"/>
+              <a:miter lim="800000"/>
+            </a:ln>
+            <a:effectLst/>
+          </p:spPr>
+          <p:txBody>
+            <a:bodyPr rtlCol="0" anchor="ctr"/>
+            <a:lstStyle/>
+            <a:p>
+              <a:pPr algn="ctr">
+                <a:buClrTx/>
+                <a:defRPr/>
+              </a:pPr>
+              <a:r>
+                <a:rPr lang="en-GB" sz="1200" kern="1200" dirty="0" err="1">
+                  <a:latin typeface="Encode Sans" pitchFamily="2" charset="-18"/>
+                </a:rPr>
+                <a:t>sadr</a:t>
+              </a:r>
+              <a:r>
+                <a:rPr lang="sr-Latn-RS" sz="1200" dirty="0">
+                  <a:latin typeface="Encode Sans" pitchFamily="2" charset="-18"/>
+                </a:rPr>
+                <a:t>ž</a:t>
+              </a:r>
+              <a:r>
+                <a:rPr lang="en-GB" sz="1200" kern="1200" dirty="0" err="1">
+                  <a:latin typeface="Encode Sans" pitchFamily="2" charset="-18"/>
+                </a:rPr>
+                <a:t>aj</a:t>
+              </a:r>
+              <a:endParaRPr lang="en-US" sz="1200" kern="1200" dirty="0">
+                <a:latin typeface="Encode Sans" pitchFamily="2" charset="-18"/>
+              </a:endParaRPr>
+            </a:p>
+          </p:txBody>
+        </p:sp>
+        <p:cxnSp>
+          <p:nvCxnSpPr>
+            <p:cNvPr id="3" name="Straight Connector 2">
+              <a:extLst>
+                <a:ext uri="{FF2B5EF4-FFF2-40B4-BE49-F238E27FC236}">
+                  <a16:creationId xmlns:a16="http://schemas.microsoft.com/office/drawing/2014/main" id="{C2E7EFB9-43D0-467A-B3A1-CAAED421528D}"/>
+                </a:ext>
+              </a:extLst>
+            </p:cNvPr>
+            <p:cNvCxnSpPr>
+              <a:cxnSpLocks/>
+            </p:cNvCxnSpPr>
+            <p:nvPr/>
+          </p:nvCxnSpPr>
+          <p:spPr>
+            <a:xfrm>
+              <a:off x="1471465" y="1965949"/>
+              <a:ext cx="4176132" cy="0"/>
+            </a:xfrm>
+            <a:prstGeom prst="line">
+              <a:avLst/>
+            </a:prstGeom>
+            <a:ln w="12700">
+              <a:solidFill>
+                <a:schemeClr val="tx1"/>
+              </a:solidFill>
+            </a:ln>
+          </p:spPr>
+          <p:style>
+            <a:lnRef idx="1">
+              <a:schemeClr val="dk1"/>
+            </a:lnRef>
+            <a:fillRef idx="0">
+              <a:schemeClr val="dk1"/>
+            </a:fillRef>
+            <a:effectRef idx="0">
+              <a:schemeClr val="dk1"/>
+            </a:effectRef>
+            <a:fontRef idx="minor">
+              <a:schemeClr val="tx1"/>
+            </a:fontRef>
+          </p:style>
+        </p:cxnSp>
+        <p:sp>
+          <p:nvSpPr>
+            <p:cNvPr id="31" name="Rectangle 30">
+              <a:extLst>
+                <a:ext uri="{FF2B5EF4-FFF2-40B4-BE49-F238E27FC236}">
+                  <a16:creationId xmlns:a16="http://schemas.microsoft.com/office/drawing/2014/main" id="{0239AC64-5B02-415F-9A04-8D48510B9DB9}"/>
+                </a:ext>
+              </a:extLst>
+            </p:cNvPr>
+            <p:cNvSpPr/>
+            <p:nvPr/>
+          </p:nvSpPr>
+          <p:spPr>
+            <a:xfrm>
+              <a:off x="1380354" y="1641268"/>
+              <a:ext cx="1044156" cy="274821"/>
+            </a:xfrm>
+            <a:prstGeom prst="rect">
+              <a:avLst/>
+            </a:prstGeom>
+            <a:noFill/>
+            <a:ln w="12700" cap="flat" cmpd="sng" algn="ctr">
+              <a:noFill/>
+              <a:prstDash val="solid"/>
+              <a:miter lim="800000"/>
+            </a:ln>
+            <a:effectLst/>
+          </p:spPr>
+          <p:txBody>
+            <a:bodyPr rtlCol="0" anchor="ctr"/>
+            <a:lstStyle/>
+            <a:p>
+              <a:pPr>
+                <a:buClrTx/>
+                <a:defRPr/>
+              </a:pPr>
+              <a:r>
+                <a:rPr lang="sr-Latn-RS" sz="1200" dirty="0">
+                  <a:latin typeface="Encode Sans" pitchFamily="2" charset="-18"/>
+                </a:rPr>
+                <a:t>Početna</a:t>
+              </a:r>
+              <a:r>
+                <a:rPr lang="en-GB" sz="1200" dirty="0">
+                  <a:latin typeface="Encode Sans" pitchFamily="2" charset="-18"/>
+                </a:rPr>
+                <a:t> &gt; </a:t>
+              </a:r>
+              <a:endParaRPr lang="sr-Latn-RS" sz="1200" dirty="0">
+                <a:latin typeface="Encode Sans" pitchFamily="2" charset="-18"/>
+              </a:endParaRPr>
+            </a:p>
+          </p:txBody>
+        </p:sp>
+      </p:grpSp>
+      <p:grpSp>
+        <p:nvGrpSpPr>
+          <p:cNvPr id="80" name="Group 79">
+            <a:extLst>
+              <a:ext uri="{FF2B5EF4-FFF2-40B4-BE49-F238E27FC236}">
+                <a16:creationId xmlns:a16="http://schemas.microsoft.com/office/drawing/2014/main" id="{EE5EF3E3-7F9E-4CBE-A9D3-B77B33D1723F}"/>
+              </a:ext>
+            </a:extLst>
+          </p:cNvPr>
+          <p:cNvGrpSpPr/>
+          <p:nvPr/>
+        </p:nvGrpSpPr>
+        <p:grpSpPr>
+          <a:xfrm>
+            <a:off x="5936507" y="2020341"/>
+            <a:ext cx="2919167" cy="2461320"/>
+            <a:chOff x="1065987" y="6274946"/>
+            <a:chExt cx="3902023" cy="3290023"/>
+          </a:xfrm>
+        </p:grpSpPr>
+        <p:sp>
+          <p:nvSpPr>
+            <p:cNvPr id="42" name="Rectangle 41">
+              <a:extLst>
+                <a:ext uri="{FF2B5EF4-FFF2-40B4-BE49-F238E27FC236}">
+                  <a16:creationId xmlns:a16="http://schemas.microsoft.com/office/drawing/2014/main" id="{F0EA19A6-228D-4824-A7B3-B9C8599F80D2}"/>
+                </a:ext>
+              </a:extLst>
+            </p:cNvPr>
+            <p:cNvSpPr/>
+            <p:nvPr/>
+          </p:nvSpPr>
+          <p:spPr>
+            <a:xfrm>
+              <a:off x="1065988" y="6282130"/>
+              <a:ext cx="3902022" cy="3282839"/>
+            </a:xfrm>
+            <a:prstGeom prst="rect">
+              <a:avLst/>
+            </a:prstGeom>
+            <a:solidFill>
+              <a:schemeClr val="bg1">
+                <a:lumMod val="95000"/>
+              </a:schemeClr>
+            </a:solidFill>
+            <a:ln w="12700" cap="flat" cmpd="sng" algn="ctr">
+              <a:solidFill>
+                <a:sysClr val="windowText" lastClr="000000"/>
+              </a:solidFill>
+              <a:prstDash val="solid"/>
+              <a:miter lim="800000"/>
+            </a:ln>
+            <a:effectLst/>
+          </p:spPr>
+          <p:txBody>
+            <a:bodyPr rtlCol="0" anchor="ctr"/>
+            <a:lstStyle/>
+            <a:p>
+              <a:pPr>
+                <a:buClrTx/>
+                <a:defRPr/>
+              </a:pPr>
+              <a:endParaRPr lang="en-US" sz="1000" kern="1200" dirty="0">
+                <a:latin typeface="Encode Sans" pitchFamily="2" charset="-18"/>
+              </a:endParaRPr>
+            </a:p>
+          </p:txBody>
+        </p:sp>
+        <p:sp>
+          <p:nvSpPr>
+            <p:cNvPr id="41" name="Rectangle 40">
+              <a:extLst>
+                <a:ext uri="{FF2B5EF4-FFF2-40B4-BE49-F238E27FC236}">
+                  <a16:creationId xmlns:a16="http://schemas.microsoft.com/office/drawing/2014/main" id="{CFD0F572-2E31-4D81-ADD8-0DDB43E8E5DF}"/>
+                </a:ext>
+              </a:extLst>
+            </p:cNvPr>
+            <p:cNvSpPr/>
+            <p:nvPr/>
+          </p:nvSpPr>
+          <p:spPr>
+            <a:xfrm>
+              <a:off x="1065987" y="6274946"/>
+              <a:ext cx="3902023" cy="658262"/>
             </a:xfrm>
             <a:prstGeom prst="rect">
               <a:avLst/>
@@ -5300,7 +4281,19 @@
                 <a:buClrTx/>
                 <a:defRPr/>
               </a:pPr>
-              <a:endParaRPr lang="en-US" sz="1200" kern="1200" dirty="0">
+              <a:r>
+                <a:rPr lang="en-GB" sz="1000" kern="1200" dirty="0">
+                  <a:latin typeface="Encode Sans" pitchFamily="2" charset="-18"/>
+                </a:rPr>
+                <a:t>     </a:t>
+              </a:r>
+              <a:r>
+                <a:rPr lang="en-GB" sz="1000" kern="1200" dirty="0" err="1">
+                  <a:latin typeface="Encode Sans" pitchFamily="2" charset="-18"/>
+                </a:rPr>
+                <a:t>Prijava</a:t>
+              </a:r>
+              <a:endParaRPr lang="en-GB" sz="1000" kern="1200" dirty="0">
                 <a:latin typeface="Encode Sans" pitchFamily="2" charset="-18"/>
               </a:endParaRPr>
             </a:p>
@@ -5308,10 +4301,10 @@
         </p:sp>
         <p:grpSp>
           <p:nvGrpSpPr>
-            <p:cNvPr id="45" name="Group 44">
+            <p:cNvPr id="71" name="Group 70">
               <a:extLst>
                 <a:ext uri="{FF2B5EF4-FFF2-40B4-BE49-F238E27FC236}">
-                  <a16:creationId xmlns:a16="http://schemas.microsoft.com/office/drawing/2014/main" id="{129F76C5-7BA0-46F3-A18A-C9B9AB911A8D}"/>
+                  <a16:creationId xmlns:a16="http://schemas.microsoft.com/office/drawing/2014/main" id="{C1D8BE8C-35D0-4C4A-BE1F-C8BEA048A652}"/>
                 </a:ext>
               </a:extLst>
             </p:cNvPr>
@@ -5319,19 +4312,19 @@
             <p:nvPr/>
           </p:nvGrpSpPr>
           <p:grpSpPr>
-            <a:xfrm flipH="1">
-              <a:off x="6153870" y="2175314"/>
-              <a:ext cx="154016" cy="151567"/>
-              <a:chOff x="6513622" y="908206"/>
-              <a:chExt cx="176753" cy="173943"/>
+            <a:xfrm>
+              <a:off x="1260181" y="7151313"/>
+              <a:ext cx="3437385" cy="649592"/>
+              <a:chOff x="1260181" y="7151313"/>
+              <a:chExt cx="3437385" cy="649592"/>
             </a:xfrm>
           </p:grpSpPr>
           <p:sp>
             <p:nvSpPr>
-              <p:cNvPr id="49" name="Rectangle 48">
+              <p:cNvPr id="43" name="Rectangle 42">
                 <a:extLst>
                   <a:ext uri="{FF2B5EF4-FFF2-40B4-BE49-F238E27FC236}">
-                    <a16:creationId xmlns:a16="http://schemas.microsoft.com/office/drawing/2014/main" id="{C8F1BD7F-5B63-49A6-B132-B528B6E63D2F}"/>
+                    <a16:creationId xmlns:a16="http://schemas.microsoft.com/office/drawing/2014/main" id="{719C1C3F-98AA-42E3-9578-5AE96EB741B1}"/>
                   </a:ext>
                 </a:extLst>
               </p:cNvPr>
@@ -5340,8 +4333,1913 @@
             </p:nvSpPr>
             <p:spPr>
               <a:xfrm>
-                <a:off x="6513622" y="908206"/>
-                <a:ext cx="176753" cy="173943"/>
+                <a:off x="1358488" y="7423348"/>
+                <a:ext cx="3339078" cy="377557"/>
+              </a:xfrm>
+              <a:prstGeom prst="rect">
+                <a:avLst/>
+              </a:prstGeom>
+              <a:solidFill>
+                <a:srgbClr val="FFFFFF"/>
+              </a:solidFill>
+              <a:ln w="12700" cap="flat" cmpd="sng" algn="ctr">
+                <a:solidFill>
+                  <a:sysClr val="windowText" lastClr="000000"/>
+                </a:solidFill>
+                <a:prstDash val="solid"/>
+                <a:miter lim="800000"/>
+              </a:ln>
+              <a:effectLst/>
+            </p:spPr>
+            <p:txBody>
+              <a:bodyPr rtlCol="0" anchor="ctr"/>
+              <a:lstStyle/>
+              <a:p>
+                <a:pPr>
+                  <a:buClrTx/>
+                  <a:defRPr/>
+                </a:pPr>
+                <a:r>
+                  <a:rPr lang="en-GB" sz="1000" kern="1200" dirty="0" err="1">
+                    <a:latin typeface="Encode Sans" pitchFamily="2" charset="-18"/>
+                  </a:rPr>
+                  <a:t>korisni</a:t>
+                </a:r>
+                <a:r>
+                  <a:rPr lang="sr-Latn-RS" sz="1000" kern="1200" dirty="0" err="1">
+                    <a:latin typeface="Encode Sans" pitchFamily="2" charset="-18"/>
+                  </a:rPr>
+                  <a:t>čko</a:t>
+                </a:r>
+                <a:r>
+                  <a:rPr lang="sr-Latn-RS" sz="1000" kern="1200" dirty="0">
+                    <a:latin typeface="Encode Sans" pitchFamily="2" charset="-18"/>
+                  </a:rPr>
+                  <a:t> ime</a:t>
+                </a:r>
+                <a:endParaRPr lang="en-GB" sz="1000" kern="1200" dirty="0">
+                  <a:latin typeface="Encode Sans" pitchFamily="2" charset="-18"/>
+                </a:endParaRPr>
+              </a:p>
+            </p:txBody>
+          </p:sp>
+          <p:sp>
+            <p:nvSpPr>
+              <p:cNvPr id="44" name="Rectangle 43">
+                <a:extLst>
+                  <a:ext uri="{FF2B5EF4-FFF2-40B4-BE49-F238E27FC236}">
+                    <a16:creationId xmlns:a16="http://schemas.microsoft.com/office/drawing/2014/main" id="{ED88467D-A5A1-49AF-972B-5B6E3EBA5196}"/>
+                  </a:ext>
+                </a:extLst>
+              </p:cNvPr>
+              <p:cNvSpPr/>
+              <p:nvPr/>
+            </p:nvSpPr>
+            <p:spPr>
+              <a:xfrm>
+                <a:off x="1260181" y="7151313"/>
+                <a:ext cx="1550721" cy="272036"/>
+              </a:xfrm>
+              <a:prstGeom prst="rect">
+                <a:avLst/>
+              </a:prstGeom>
+              <a:noFill/>
+              <a:ln w="12700" cap="flat" cmpd="sng" algn="ctr">
+                <a:noFill/>
+                <a:prstDash val="solid"/>
+                <a:miter lim="800000"/>
+              </a:ln>
+              <a:effectLst/>
+            </p:spPr>
+            <p:txBody>
+              <a:bodyPr rtlCol="0" anchor="ctr"/>
+              <a:lstStyle/>
+              <a:p>
+                <a:pPr>
+                  <a:buClrTx/>
+                  <a:defRPr/>
+                </a:pPr>
+                <a:r>
+                  <a:rPr lang="en-GB" sz="1000" dirty="0" err="1">
+                    <a:latin typeface="Encode Sans" pitchFamily="2" charset="-18"/>
+                  </a:rPr>
+                  <a:t>Korisni</a:t>
+                </a:r>
+                <a:r>
+                  <a:rPr lang="sr-Latn-RS" sz="1000" dirty="0" err="1">
+                    <a:latin typeface="Encode Sans" pitchFamily="2" charset="-18"/>
+                  </a:rPr>
+                  <a:t>čko</a:t>
+                </a:r>
+                <a:r>
+                  <a:rPr lang="sr-Latn-RS" sz="1000" dirty="0">
+                    <a:latin typeface="Encode Sans" pitchFamily="2" charset="-18"/>
+                  </a:rPr>
+                  <a:t> ime</a:t>
+                </a:r>
+              </a:p>
+            </p:txBody>
+          </p:sp>
+        </p:grpSp>
+        <p:grpSp>
+          <p:nvGrpSpPr>
+            <p:cNvPr id="72" name="Group 71">
+              <a:extLst>
+                <a:ext uri="{FF2B5EF4-FFF2-40B4-BE49-F238E27FC236}">
+                  <a16:creationId xmlns:a16="http://schemas.microsoft.com/office/drawing/2014/main" id="{498148A8-B26B-4342-A4C5-B3E2CF7F78A5}"/>
+                </a:ext>
+              </a:extLst>
+            </p:cNvPr>
+            <p:cNvGrpSpPr/>
+            <p:nvPr/>
+          </p:nvGrpSpPr>
+          <p:grpSpPr>
+            <a:xfrm>
+              <a:off x="1260182" y="7938133"/>
+              <a:ext cx="3437384" cy="649592"/>
+              <a:chOff x="1260182" y="7938133"/>
+              <a:chExt cx="3437384" cy="649592"/>
+            </a:xfrm>
+          </p:grpSpPr>
+          <p:sp>
+            <p:nvSpPr>
+              <p:cNvPr id="45" name="Rectangle 44">
+                <a:extLst>
+                  <a:ext uri="{FF2B5EF4-FFF2-40B4-BE49-F238E27FC236}">
+                    <a16:creationId xmlns:a16="http://schemas.microsoft.com/office/drawing/2014/main" id="{6D14F7D5-BACB-49AA-8AA5-C0693908B06E}"/>
+                  </a:ext>
+                </a:extLst>
+              </p:cNvPr>
+              <p:cNvSpPr/>
+              <p:nvPr/>
+            </p:nvSpPr>
+            <p:spPr>
+              <a:xfrm>
+                <a:off x="1358488" y="8210168"/>
+                <a:ext cx="3339078" cy="377557"/>
+              </a:xfrm>
+              <a:prstGeom prst="rect">
+                <a:avLst/>
+              </a:prstGeom>
+              <a:solidFill>
+                <a:srgbClr val="FFFFFF"/>
+              </a:solidFill>
+              <a:ln w="12700" cap="flat" cmpd="sng" algn="ctr">
+                <a:solidFill>
+                  <a:sysClr val="windowText" lastClr="000000"/>
+                </a:solidFill>
+                <a:prstDash val="solid"/>
+                <a:miter lim="800000"/>
+              </a:ln>
+              <a:effectLst/>
+            </p:spPr>
+            <p:txBody>
+              <a:bodyPr rtlCol="0" anchor="ctr"/>
+              <a:lstStyle/>
+              <a:p>
+                <a:pPr>
+                  <a:buClrTx/>
+                  <a:defRPr/>
+                </a:pPr>
+                <a:r>
+                  <a:rPr lang="en-GB" sz="1000" kern="1200" dirty="0" err="1">
+                    <a:latin typeface="Encode Sans" pitchFamily="2" charset="-18"/>
+                  </a:rPr>
+                  <a:t>lozinka</a:t>
+                </a:r>
+                <a:endParaRPr lang="en-GB" sz="1000" kern="1200" dirty="0">
+                  <a:latin typeface="Encode Sans" pitchFamily="2" charset="-18"/>
+                </a:endParaRPr>
+              </a:p>
+            </p:txBody>
+          </p:sp>
+          <p:sp>
+            <p:nvSpPr>
+              <p:cNvPr id="46" name="Rectangle 45">
+                <a:extLst>
+                  <a:ext uri="{FF2B5EF4-FFF2-40B4-BE49-F238E27FC236}">
+                    <a16:creationId xmlns:a16="http://schemas.microsoft.com/office/drawing/2014/main" id="{98A4DFF6-A521-46E4-B0DC-E6A6D3ED9860}"/>
+                  </a:ext>
+                </a:extLst>
+              </p:cNvPr>
+              <p:cNvSpPr/>
+              <p:nvPr/>
+            </p:nvSpPr>
+            <p:spPr>
+              <a:xfrm>
+                <a:off x="1260182" y="7938133"/>
+                <a:ext cx="1220165" cy="272035"/>
+              </a:xfrm>
+              <a:prstGeom prst="rect">
+                <a:avLst/>
+              </a:prstGeom>
+              <a:noFill/>
+              <a:ln w="12700" cap="flat" cmpd="sng" algn="ctr">
+                <a:noFill/>
+                <a:prstDash val="solid"/>
+                <a:miter lim="800000"/>
+              </a:ln>
+              <a:effectLst/>
+            </p:spPr>
+            <p:txBody>
+              <a:bodyPr rtlCol="0" anchor="ctr"/>
+              <a:lstStyle/>
+              <a:p>
+                <a:pPr>
+                  <a:buClrTx/>
+                  <a:defRPr/>
+                </a:pPr>
+                <a:r>
+                  <a:rPr lang="sr-Latn-RS" sz="1000" dirty="0" err="1">
+                    <a:latin typeface="Encode Sans" pitchFamily="2" charset="-18"/>
+                  </a:rPr>
+                  <a:t>Lo</a:t>
+                </a:r>
+                <a:r>
+                  <a:rPr lang="en-GB" sz="1000" dirty="0">
+                    <a:latin typeface="Encode Sans" pitchFamily="2" charset="-18"/>
+                  </a:rPr>
+                  <a:t>z</a:t>
+                </a:r>
+                <a:r>
+                  <a:rPr lang="sr-Latn-RS" sz="1000" dirty="0" err="1">
+                    <a:latin typeface="Encode Sans" pitchFamily="2" charset="-18"/>
+                  </a:rPr>
+                  <a:t>inka</a:t>
+                </a:r>
+                <a:endParaRPr lang="sr-Latn-RS" sz="1000" dirty="0">
+                  <a:latin typeface="Encode Sans" pitchFamily="2" charset="-18"/>
+                </a:endParaRPr>
+              </a:p>
+            </p:txBody>
+          </p:sp>
+        </p:grpSp>
+        <p:grpSp>
+          <p:nvGrpSpPr>
+            <p:cNvPr id="79" name="Group 78">
+              <a:extLst>
+                <a:ext uri="{FF2B5EF4-FFF2-40B4-BE49-F238E27FC236}">
+                  <a16:creationId xmlns:a16="http://schemas.microsoft.com/office/drawing/2014/main" id="{9BCDF2CF-BF68-4995-905C-F56852E1B738}"/>
+                </a:ext>
+              </a:extLst>
+            </p:cNvPr>
+            <p:cNvGrpSpPr/>
+            <p:nvPr/>
+          </p:nvGrpSpPr>
+          <p:grpSpPr>
+            <a:xfrm>
+              <a:off x="1067435" y="8911028"/>
+              <a:ext cx="3900575" cy="653034"/>
+              <a:chOff x="1067435" y="8911028"/>
+              <a:chExt cx="3900575" cy="653034"/>
+            </a:xfrm>
+          </p:grpSpPr>
+          <p:sp>
+            <p:nvSpPr>
+              <p:cNvPr id="48" name="Rectangle: Rounded Corners 47">
+                <a:extLst>
+                  <a:ext uri="{FF2B5EF4-FFF2-40B4-BE49-F238E27FC236}">
+                    <a16:creationId xmlns:a16="http://schemas.microsoft.com/office/drawing/2014/main" id="{5728787B-37A7-4A61-AA6A-9F087A4DC695}"/>
+                  </a:ext>
+                </a:extLst>
+              </p:cNvPr>
+              <p:cNvSpPr/>
+              <p:nvPr/>
+            </p:nvSpPr>
+            <p:spPr>
+              <a:xfrm>
+                <a:off x="3736632" y="9063254"/>
+                <a:ext cx="941096" cy="336205"/>
+              </a:xfrm>
+              <a:prstGeom prst="roundRect">
+                <a:avLst>
+                  <a:gd name="adj" fmla="val 8694"/>
+                </a:avLst>
+              </a:prstGeom>
+              <a:solidFill>
+                <a:schemeClr val="bg1"/>
+              </a:solidFill>
+              <a:ln w="12700" cap="flat" cmpd="sng" algn="ctr">
+                <a:solidFill>
+                  <a:sysClr val="windowText" lastClr="000000"/>
+                </a:solidFill>
+                <a:prstDash val="solid"/>
+                <a:miter lim="800000"/>
+              </a:ln>
+              <a:effectLst/>
+            </p:spPr>
+            <p:txBody>
+              <a:bodyPr rtlCol="0" anchor="ctr"/>
+              <a:lstStyle/>
+              <a:p>
+                <a:pPr algn="ctr">
+                  <a:buClrTx/>
+                  <a:defRPr/>
+                </a:pPr>
+                <a:r>
+                  <a:rPr lang="en-GB" sz="1000" kern="1200" dirty="0" err="1">
+                    <a:latin typeface="Encode Sans" pitchFamily="2" charset="-18"/>
+                  </a:rPr>
+                  <a:t>Prijavi</a:t>
+                </a:r>
+                <a:r>
+                  <a:rPr lang="en-GB" sz="1000" kern="1200" dirty="0">
+                    <a:latin typeface="Encode Sans" pitchFamily="2" charset="-18"/>
+                  </a:rPr>
+                  <a:t> se</a:t>
+                </a:r>
+                <a:endParaRPr lang="en-US" sz="1000" kern="1200" dirty="0">
+                  <a:latin typeface="Encode Sans" pitchFamily="2" charset="-18"/>
+                </a:endParaRPr>
+              </a:p>
+            </p:txBody>
+          </p:sp>
+          <p:sp>
+            <p:nvSpPr>
+              <p:cNvPr id="49" name="Rectangle 48">
+                <a:extLst>
+                  <a:ext uri="{FF2B5EF4-FFF2-40B4-BE49-F238E27FC236}">
+                    <a16:creationId xmlns:a16="http://schemas.microsoft.com/office/drawing/2014/main" id="{B5524DED-DC38-4285-8CAA-90DD488FACFB}"/>
+                  </a:ext>
+                </a:extLst>
+              </p:cNvPr>
+              <p:cNvSpPr/>
+              <p:nvPr/>
+            </p:nvSpPr>
+            <p:spPr>
+              <a:xfrm>
+                <a:off x="1067435" y="8911028"/>
+                <a:ext cx="3900575" cy="653034"/>
+              </a:xfrm>
+              <a:prstGeom prst="rect">
+                <a:avLst/>
+              </a:prstGeom>
+              <a:noFill/>
+              <a:ln w="12700" cap="flat" cmpd="sng" algn="ctr">
+                <a:solidFill>
+                  <a:sysClr val="windowText" lastClr="000000"/>
+                </a:solidFill>
+                <a:prstDash val="solid"/>
+                <a:miter lim="800000"/>
+              </a:ln>
+              <a:effectLst/>
+            </p:spPr>
+            <p:txBody>
+              <a:bodyPr rtlCol="0" anchor="ctr"/>
+              <a:lstStyle/>
+              <a:p>
+                <a:pPr>
+                  <a:buClrTx/>
+                  <a:defRPr/>
+                </a:pPr>
+                <a:endParaRPr lang="en-GB" sz="1000" kern="1200" dirty="0">
+                  <a:latin typeface="Encode Sans" pitchFamily="2" charset="-18"/>
+                </a:endParaRPr>
+              </a:p>
+            </p:txBody>
+          </p:sp>
+          <p:sp>
+            <p:nvSpPr>
+              <p:cNvPr id="50" name="Rectangle: Rounded Corners 49">
+                <a:extLst>
+                  <a:ext uri="{FF2B5EF4-FFF2-40B4-BE49-F238E27FC236}">
+                    <a16:creationId xmlns:a16="http://schemas.microsoft.com/office/drawing/2014/main" id="{5CB16DE6-63CB-40A1-9615-CE0B0C5C56E1}"/>
+                  </a:ext>
+                </a:extLst>
+              </p:cNvPr>
+              <p:cNvSpPr/>
+              <p:nvPr/>
+            </p:nvSpPr>
+            <p:spPr>
+              <a:xfrm>
+                <a:off x="2675090" y="9063254"/>
+                <a:ext cx="976234" cy="336205"/>
+              </a:xfrm>
+              <a:prstGeom prst="roundRect">
+                <a:avLst>
+                  <a:gd name="adj" fmla="val 8694"/>
+                </a:avLst>
+              </a:prstGeom>
+              <a:noFill/>
+              <a:ln w="12700" cap="flat" cmpd="sng" algn="ctr">
+                <a:solidFill>
+                  <a:sysClr val="windowText" lastClr="000000"/>
+                </a:solidFill>
+                <a:prstDash val="solid"/>
+                <a:miter lim="800000"/>
+              </a:ln>
+              <a:effectLst/>
+            </p:spPr>
+            <p:txBody>
+              <a:bodyPr rtlCol="0" anchor="ctr"/>
+              <a:lstStyle/>
+              <a:p>
+                <a:pPr algn="ctr">
+                  <a:buClrTx/>
+                  <a:defRPr/>
+                </a:pPr>
+                <a:r>
+                  <a:rPr lang="en-GB" sz="1000" kern="1200" dirty="0" err="1">
+                    <a:latin typeface="Encode Sans" pitchFamily="2" charset="-18"/>
+                  </a:rPr>
+                  <a:t>Odustani</a:t>
+                </a:r>
+                <a:endParaRPr lang="en-US" sz="1000" kern="1200" dirty="0">
+                  <a:latin typeface="Encode Sans" pitchFamily="2" charset="-18"/>
+                </a:endParaRPr>
+              </a:p>
+            </p:txBody>
+          </p:sp>
+        </p:grpSp>
+      </p:grpSp>
+      <p:grpSp>
+        <p:nvGrpSpPr>
+          <p:cNvPr id="88" name="Group 87">
+            <a:extLst>
+              <a:ext uri="{FF2B5EF4-FFF2-40B4-BE49-F238E27FC236}">
+                <a16:creationId xmlns:a16="http://schemas.microsoft.com/office/drawing/2014/main" id="{39E91A0B-9B52-4C37-8D6E-E856D47E13C7}"/>
+              </a:ext>
+            </a:extLst>
+          </p:cNvPr>
+          <p:cNvGrpSpPr/>
+          <p:nvPr/>
+        </p:nvGrpSpPr>
+        <p:grpSpPr>
+          <a:xfrm>
+            <a:off x="9010532" y="121321"/>
+            <a:ext cx="2920251" cy="6615358"/>
+            <a:chOff x="7500084" y="223850"/>
+            <a:chExt cx="3902023" cy="8839404"/>
+          </a:xfrm>
+        </p:grpSpPr>
+        <p:sp>
+          <p:nvSpPr>
+            <p:cNvPr id="51" name="Rectangle 50">
+              <a:extLst>
+                <a:ext uri="{FF2B5EF4-FFF2-40B4-BE49-F238E27FC236}">
+                  <a16:creationId xmlns:a16="http://schemas.microsoft.com/office/drawing/2014/main" id="{61214EFE-B3AB-44BE-B276-28717C379022}"/>
+                </a:ext>
+              </a:extLst>
+            </p:cNvPr>
+            <p:cNvSpPr/>
+            <p:nvPr/>
+          </p:nvSpPr>
+          <p:spPr>
+            <a:xfrm>
+              <a:off x="7500085" y="231033"/>
+              <a:ext cx="3902022" cy="8832221"/>
+            </a:xfrm>
+            <a:prstGeom prst="rect">
+              <a:avLst/>
+            </a:prstGeom>
+            <a:solidFill>
+              <a:schemeClr val="bg1">
+                <a:lumMod val="95000"/>
+              </a:schemeClr>
+            </a:solidFill>
+            <a:ln w="12700" cap="flat" cmpd="sng" algn="ctr">
+              <a:solidFill>
+                <a:sysClr val="windowText" lastClr="000000"/>
+              </a:solidFill>
+              <a:prstDash val="solid"/>
+              <a:miter lim="800000"/>
+            </a:ln>
+            <a:effectLst/>
+          </p:spPr>
+          <p:txBody>
+            <a:bodyPr rtlCol="0" anchor="ctr"/>
+            <a:lstStyle/>
+            <a:p>
+              <a:pPr>
+                <a:buClrTx/>
+                <a:defRPr/>
+              </a:pPr>
+              <a:endParaRPr lang="en-US" sz="1000" kern="1200" dirty="0">
+                <a:latin typeface="Encode Sans" pitchFamily="2" charset="-18"/>
+              </a:endParaRPr>
+            </a:p>
+          </p:txBody>
+        </p:sp>
+        <p:sp>
+          <p:nvSpPr>
+            <p:cNvPr id="52" name="Rectangle 51">
+              <a:extLst>
+                <a:ext uri="{FF2B5EF4-FFF2-40B4-BE49-F238E27FC236}">
+                  <a16:creationId xmlns:a16="http://schemas.microsoft.com/office/drawing/2014/main" id="{BB5FB6C4-1586-4EEE-913E-A7267176FF85}"/>
+                </a:ext>
+              </a:extLst>
+            </p:cNvPr>
+            <p:cNvSpPr/>
+            <p:nvPr/>
+          </p:nvSpPr>
+          <p:spPr>
+            <a:xfrm>
+              <a:off x="7500084" y="223850"/>
+              <a:ext cx="3902023" cy="658262"/>
+            </a:xfrm>
+            <a:prstGeom prst="rect">
+              <a:avLst/>
+            </a:prstGeom>
+            <a:solidFill>
+              <a:srgbClr val="FFFFFF"/>
+            </a:solidFill>
+            <a:ln w="12700" cap="flat" cmpd="sng" algn="ctr">
+              <a:solidFill>
+                <a:sysClr val="windowText" lastClr="000000"/>
+              </a:solidFill>
+              <a:prstDash val="solid"/>
+              <a:miter lim="800000"/>
+            </a:ln>
+            <a:effectLst/>
+          </p:spPr>
+          <p:txBody>
+            <a:bodyPr rtlCol="0" anchor="ctr"/>
+            <a:lstStyle/>
+            <a:p>
+              <a:pPr>
+                <a:buClrTx/>
+                <a:defRPr/>
+              </a:pPr>
+              <a:r>
+                <a:rPr lang="en-GB" sz="1000" kern="1200" dirty="0">
+                  <a:latin typeface="Encode Sans" pitchFamily="2" charset="-18"/>
+                </a:rPr>
+                <a:t>     </a:t>
+              </a:r>
+              <a:r>
+                <a:rPr lang="en-GB" sz="1000" kern="1200" dirty="0" err="1">
+                  <a:latin typeface="Encode Sans" pitchFamily="2" charset="-18"/>
+                </a:rPr>
+                <a:t>Registracija</a:t>
+              </a:r>
+              <a:endParaRPr lang="en-GB" sz="1000" kern="1200" dirty="0">
+                <a:latin typeface="Encode Sans" pitchFamily="2" charset="-18"/>
+              </a:endParaRPr>
+            </a:p>
+          </p:txBody>
+        </p:sp>
+        <p:grpSp>
+          <p:nvGrpSpPr>
+            <p:cNvPr id="70" name="Group 69">
+              <a:extLst>
+                <a:ext uri="{FF2B5EF4-FFF2-40B4-BE49-F238E27FC236}">
+                  <a16:creationId xmlns:a16="http://schemas.microsoft.com/office/drawing/2014/main" id="{1DEA2A50-E891-4524-B984-2A44A2B6DD2D}"/>
+                </a:ext>
+              </a:extLst>
+            </p:cNvPr>
+            <p:cNvGrpSpPr/>
+            <p:nvPr/>
+          </p:nvGrpSpPr>
+          <p:grpSpPr>
+            <a:xfrm>
+              <a:off x="7696721" y="2111717"/>
+              <a:ext cx="3437384" cy="649592"/>
+              <a:chOff x="7718555" y="1100217"/>
+              <a:chExt cx="3437384" cy="649592"/>
+            </a:xfrm>
+          </p:grpSpPr>
+          <p:sp>
+            <p:nvSpPr>
+              <p:cNvPr id="53" name="Rectangle 52">
+                <a:extLst>
+                  <a:ext uri="{FF2B5EF4-FFF2-40B4-BE49-F238E27FC236}">
+                    <a16:creationId xmlns:a16="http://schemas.microsoft.com/office/drawing/2014/main" id="{510E6943-88B4-49C5-814C-BF924DF0A0B3}"/>
+                  </a:ext>
+                </a:extLst>
+              </p:cNvPr>
+              <p:cNvSpPr/>
+              <p:nvPr/>
+            </p:nvSpPr>
+            <p:spPr>
+              <a:xfrm>
+                <a:off x="7816861" y="1372252"/>
+                <a:ext cx="3339078" cy="377557"/>
+              </a:xfrm>
+              <a:prstGeom prst="rect">
+                <a:avLst/>
+              </a:prstGeom>
+              <a:solidFill>
+                <a:srgbClr val="FFFFFF"/>
+              </a:solidFill>
+              <a:ln w="12700" cap="flat" cmpd="sng" algn="ctr">
+                <a:solidFill>
+                  <a:sysClr val="windowText" lastClr="000000"/>
+                </a:solidFill>
+                <a:prstDash val="solid"/>
+                <a:miter lim="800000"/>
+              </a:ln>
+              <a:effectLst/>
+            </p:spPr>
+            <p:txBody>
+              <a:bodyPr rtlCol="0" anchor="ctr"/>
+              <a:lstStyle/>
+              <a:p>
+                <a:pPr>
+                  <a:buClrTx/>
+                  <a:defRPr/>
+                </a:pPr>
+                <a:r>
+                  <a:rPr lang="en-GB" sz="1000" kern="1200" dirty="0" err="1">
+                    <a:latin typeface="Encode Sans" pitchFamily="2" charset="-18"/>
+                  </a:rPr>
+                  <a:t>ime</a:t>
+                </a:r>
+                <a:endParaRPr lang="en-GB" sz="1000" kern="1200" dirty="0">
+                  <a:latin typeface="Encode Sans" pitchFamily="2" charset="-18"/>
+                </a:endParaRPr>
+              </a:p>
+            </p:txBody>
+          </p:sp>
+          <p:sp>
+            <p:nvSpPr>
+              <p:cNvPr id="54" name="Rectangle 53">
+                <a:extLst>
+                  <a:ext uri="{FF2B5EF4-FFF2-40B4-BE49-F238E27FC236}">
+                    <a16:creationId xmlns:a16="http://schemas.microsoft.com/office/drawing/2014/main" id="{4616030D-6F51-4111-A02C-E3C944567FED}"/>
+                  </a:ext>
+                </a:extLst>
+              </p:cNvPr>
+              <p:cNvSpPr/>
+              <p:nvPr/>
+            </p:nvSpPr>
+            <p:spPr>
+              <a:xfrm>
+                <a:off x="7718555" y="1100217"/>
+                <a:ext cx="1220165" cy="272035"/>
+              </a:xfrm>
+              <a:prstGeom prst="rect">
+                <a:avLst/>
+              </a:prstGeom>
+              <a:noFill/>
+              <a:ln w="12700" cap="flat" cmpd="sng" algn="ctr">
+                <a:noFill/>
+                <a:prstDash val="solid"/>
+                <a:miter lim="800000"/>
+              </a:ln>
+              <a:effectLst/>
+            </p:spPr>
+            <p:txBody>
+              <a:bodyPr rtlCol="0" anchor="ctr"/>
+              <a:lstStyle/>
+              <a:p>
+                <a:pPr>
+                  <a:buClrTx/>
+                  <a:defRPr/>
+                </a:pPr>
+                <a:r>
+                  <a:rPr lang="en-GB" sz="1000" dirty="0">
+                    <a:latin typeface="Encode Sans" pitchFamily="2" charset="-18"/>
+                  </a:rPr>
+                  <a:t>Ime</a:t>
+                </a:r>
+                <a:endParaRPr lang="sr-Latn-RS" sz="1000" dirty="0">
+                  <a:latin typeface="Encode Sans" pitchFamily="2" charset="-18"/>
+                </a:endParaRPr>
+              </a:p>
+            </p:txBody>
+          </p:sp>
+        </p:grpSp>
+        <p:grpSp>
+          <p:nvGrpSpPr>
+            <p:cNvPr id="82" name="Group 81">
+              <a:extLst>
+                <a:ext uri="{FF2B5EF4-FFF2-40B4-BE49-F238E27FC236}">
+                  <a16:creationId xmlns:a16="http://schemas.microsoft.com/office/drawing/2014/main" id="{4C3FABF6-66A8-46CE-9D0B-C0542B08C65B}"/>
+                </a:ext>
+              </a:extLst>
+            </p:cNvPr>
+            <p:cNvGrpSpPr/>
+            <p:nvPr/>
+          </p:nvGrpSpPr>
+          <p:grpSpPr>
+            <a:xfrm>
+              <a:off x="7696721" y="2843605"/>
+              <a:ext cx="3437384" cy="649592"/>
+              <a:chOff x="7718555" y="1870853"/>
+              <a:chExt cx="3437384" cy="649592"/>
+            </a:xfrm>
+          </p:grpSpPr>
+          <p:sp>
+            <p:nvSpPr>
+              <p:cNvPr id="55" name="Rectangle 54">
+                <a:extLst>
+                  <a:ext uri="{FF2B5EF4-FFF2-40B4-BE49-F238E27FC236}">
+                    <a16:creationId xmlns:a16="http://schemas.microsoft.com/office/drawing/2014/main" id="{727F4757-6EA5-4527-9762-6DFB5F268BF5}"/>
+                  </a:ext>
+                </a:extLst>
+              </p:cNvPr>
+              <p:cNvSpPr/>
+              <p:nvPr/>
+            </p:nvSpPr>
+            <p:spPr>
+              <a:xfrm>
+                <a:off x="7816861" y="2142888"/>
+                <a:ext cx="3339078" cy="377557"/>
+              </a:xfrm>
+              <a:prstGeom prst="rect">
+                <a:avLst/>
+              </a:prstGeom>
+              <a:solidFill>
+                <a:srgbClr val="FFFFFF"/>
+              </a:solidFill>
+              <a:ln w="12700" cap="flat" cmpd="sng" algn="ctr">
+                <a:solidFill>
+                  <a:sysClr val="windowText" lastClr="000000"/>
+                </a:solidFill>
+                <a:prstDash val="solid"/>
+                <a:miter lim="800000"/>
+              </a:ln>
+              <a:effectLst/>
+            </p:spPr>
+            <p:txBody>
+              <a:bodyPr rtlCol="0" anchor="ctr"/>
+              <a:lstStyle/>
+              <a:p>
+                <a:pPr>
+                  <a:buClrTx/>
+                  <a:defRPr/>
+                </a:pPr>
+                <a:r>
+                  <a:rPr lang="en-GB" sz="1000" dirty="0" err="1">
+                    <a:latin typeface="Encode Sans" pitchFamily="2" charset="-18"/>
+                  </a:rPr>
+                  <a:t>prezime</a:t>
+                </a:r>
+                <a:endParaRPr lang="en-GB" sz="1000" kern="1200" dirty="0">
+                  <a:latin typeface="Encode Sans" pitchFamily="2" charset="-18"/>
+                </a:endParaRPr>
+              </a:p>
+            </p:txBody>
+          </p:sp>
+          <p:sp>
+            <p:nvSpPr>
+              <p:cNvPr id="56" name="Rectangle 55">
+                <a:extLst>
+                  <a:ext uri="{FF2B5EF4-FFF2-40B4-BE49-F238E27FC236}">
+                    <a16:creationId xmlns:a16="http://schemas.microsoft.com/office/drawing/2014/main" id="{466923BE-7E0F-4217-A66B-B4E6BFBF23A6}"/>
+                  </a:ext>
+                </a:extLst>
+              </p:cNvPr>
+              <p:cNvSpPr/>
+              <p:nvPr/>
+            </p:nvSpPr>
+            <p:spPr>
+              <a:xfrm>
+                <a:off x="7718555" y="1870853"/>
+                <a:ext cx="1220165" cy="272035"/>
+              </a:xfrm>
+              <a:prstGeom prst="rect">
+                <a:avLst/>
+              </a:prstGeom>
+              <a:noFill/>
+              <a:ln w="12700" cap="flat" cmpd="sng" algn="ctr">
+                <a:noFill/>
+                <a:prstDash val="solid"/>
+                <a:miter lim="800000"/>
+              </a:ln>
+              <a:effectLst/>
+            </p:spPr>
+            <p:txBody>
+              <a:bodyPr rtlCol="0" anchor="ctr"/>
+              <a:lstStyle/>
+              <a:p>
+                <a:pPr>
+                  <a:buClrTx/>
+                  <a:defRPr/>
+                </a:pPr>
+                <a:r>
+                  <a:rPr lang="en-GB" sz="1000" dirty="0" err="1">
+                    <a:latin typeface="Encode Sans" pitchFamily="2" charset="-18"/>
+                  </a:rPr>
+                  <a:t>Prezime</a:t>
+                </a:r>
+                <a:endParaRPr lang="sr-Latn-RS" sz="1000" dirty="0">
+                  <a:latin typeface="Encode Sans" pitchFamily="2" charset="-18"/>
+                </a:endParaRPr>
+              </a:p>
+            </p:txBody>
+          </p:sp>
+        </p:grpSp>
+        <p:grpSp>
+          <p:nvGrpSpPr>
+            <p:cNvPr id="81" name="Group 80">
+              <a:extLst>
+                <a:ext uri="{FF2B5EF4-FFF2-40B4-BE49-F238E27FC236}">
+                  <a16:creationId xmlns:a16="http://schemas.microsoft.com/office/drawing/2014/main" id="{CBB0F099-34B6-4533-B410-51086A8C0820}"/>
+                </a:ext>
+              </a:extLst>
+            </p:cNvPr>
+            <p:cNvGrpSpPr/>
+            <p:nvPr/>
+          </p:nvGrpSpPr>
+          <p:grpSpPr>
+            <a:xfrm>
+              <a:off x="7500084" y="8409311"/>
+              <a:ext cx="3900575" cy="653034"/>
+              <a:chOff x="7420612" y="8751892"/>
+              <a:chExt cx="3900575" cy="653034"/>
+            </a:xfrm>
+          </p:grpSpPr>
+          <p:sp>
+            <p:nvSpPr>
+              <p:cNvPr id="57" name="Rectangle: Rounded Corners 56">
+                <a:extLst>
+                  <a:ext uri="{FF2B5EF4-FFF2-40B4-BE49-F238E27FC236}">
+                    <a16:creationId xmlns:a16="http://schemas.microsoft.com/office/drawing/2014/main" id="{88756D5E-B842-495D-B0DB-626EF7638B81}"/>
+                  </a:ext>
+                </a:extLst>
+              </p:cNvPr>
+              <p:cNvSpPr/>
+              <p:nvPr/>
+            </p:nvSpPr>
+            <p:spPr>
+              <a:xfrm>
+                <a:off x="9837009" y="8904118"/>
+                <a:ext cx="1204534" cy="336205"/>
+              </a:xfrm>
+              <a:prstGeom prst="roundRect">
+                <a:avLst>
+                  <a:gd name="adj" fmla="val 8694"/>
+                </a:avLst>
+              </a:prstGeom>
+              <a:solidFill>
+                <a:schemeClr val="bg1"/>
+              </a:solidFill>
+              <a:ln w="12700" cap="flat" cmpd="sng" algn="ctr">
+                <a:solidFill>
+                  <a:sysClr val="windowText" lastClr="000000"/>
+                </a:solidFill>
+                <a:prstDash val="solid"/>
+                <a:miter lim="800000"/>
+              </a:ln>
+              <a:effectLst/>
+            </p:spPr>
+            <p:txBody>
+              <a:bodyPr rtlCol="0" anchor="ctr"/>
+              <a:lstStyle/>
+              <a:p>
+                <a:pPr algn="ctr">
+                  <a:buClrTx/>
+                  <a:defRPr/>
+                </a:pPr>
+                <a:r>
+                  <a:rPr lang="en-GB" sz="1000" dirty="0" err="1">
+                    <a:latin typeface="Encode Sans" pitchFamily="2" charset="-18"/>
+                  </a:rPr>
+                  <a:t>Registruj</a:t>
+                </a:r>
+                <a:r>
+                  <a:rPr lang="en-GB" sz="1000" kern="1200" dirty="0">
+                    <a:latin typeface="Encode Sans" pitchFamily="2" charset="-18"/>
+                  </a:rPr>
+                  <a:t> se</a:t>
+                </a:r>
+                <a:endParaRPr lang="en-US" sz="1000" kern="1200" dirty="0">
+                  <a:latin typeface="Encode Sans" pitchFamily="2" charset="-18"/>
+                </a:endParaRPr>
+              </a:p>
+            </p:txBody>
+          </p:sp>
+          <p:sp>
+            <p:nvSpPr>
+              <p:cNvPr id="58" name="Rectangle 57">
+                <a:extLst>
+                  <a:ext uri="{FF2B5EF4-FFF2-40B4-BE49-F238E27FC236}">
+                    <a16:creationId xmlns:a16="http://schemas.microsoft.com/office/drawing/2014/main" id="{CDAEC604-687B-435A-BFD1-9A9DECF1559E}"/>
+                  </a:ext>
+                </a:extLst>
+              </p:cNvPr>
+              <p:cNvSpPr/>
+              <p:nvPr/>
+            </p:nvSpPr>
+            <p:spPr>
+              <a:xfrm>
+                <a:off x="7420612" y="8751892"/>
+                <a:ext cx="3900575" cy="653034"/>
+              </a:xfrm>
+              <a:prstGeom prst="rect">
+                <a:avLst/>
+              </a:prstGeom>
+              <a:noFill/>
+              <a:ln w="12700" cap="flat" cmpd="sng" algn="ctr">
+                <a:solidFill>
+                  <a:sysClr val="windowText" lastClr="000000"/>
+                </a:solidFill>
+                <a:prstDash val="solid"/>
+                <a:miter lim="800000"/>
+              </a:ln>
+              <a:effectLst/>
+            </p:spPr>
+            <p:txBody>
+              <a:bodyPr rtlCol="0" anchor="ctr"/>
+              <a:lstStyle/>
+              <a:p>
+                <a:pPr>
+                  <a:buClrTx/>
+                  <a:defRPr/>
+                </a:pPr>
+                <a:endParaRPr lang="en-GB" sz="1000" kern="1200" dirty="0">
+                  <a:latin typeface="Encode Sans" pitchFamily="2" charset="-18"/>
+                </a:endParaRPr>
+              </a:p>
+            </p:txBody>
+          </p:sp>
+          <p:sp>
+            <p:nvSpPr>
+              <p:cNvPr id="59" name="Rectangle: Rounded Corners 58">
+                <a:extLst>
+                  <a:ext uri="{FF2B5EF4-FFF2-40B4-BE49-F238E27FC236}">
+                    <a16:creationId xmlns:a16="http://schemas.microsoft.com/office/drawing/2014/main" id="{6787E893-596D-40A0-83AD-7B6680ADEDC7}"/>
+                  </a:ext>
+                </a:extLst>
+              </p:cNvPr>
+              <p:cNvSpPr/>
+              <p:nvPr/>
+            </p:nvSpPr>
+            <p:spPr>
+              <a:xfrm>
+                <a:off x="8747107" y="8904118"/>
+                <a:ext cx="1001883" cy="336205"/>
+              </a:xfrm>
+              <a:prstGeom prst="roundRect">
+                <a:avLst>
+                  <a:gd name="adj" fmla="val 8694"/>
+                </a:avLst>
+              </a:prstGeom>
+              <a:noFill/>
+              <a:ln w="12700" cap="flat" cmpd="sng" algn="ctr">
+                <a:solidFill>
+                  <a:sysClr val="windowText" lastClr="000000"/>
+                </a:solidFill>
+                <a:prstDash val="solid"/>
+                <a:miter lim="800000"/>
+              </a:ln>
+              <a:effectLst/>
+            </p:spPr>
+            <p:txBody>
+              <a:bodyPr rtlCol="0" anchor="ctr"/>
+              <a:lstStyle/>
+              <a:p>
+                <a:pPr algn="ctr">
+                  <a:buClrTx/>
+                  <a:defRPr/>
+                </a:pPr>
+                <a:r>
+                  <a:rPr lang="en-GB" sz="1000" kern="1200" dirty="0" err="1">
+                    <a:latin typeface="Encode Sans" pitchFamily="2" charset="-18"/>
+                  </a:rPr>
+                  <a:t>Odustani</a:t>
+                </a:r>
+                <a:endParaRPr lang="en-US" sz="1000" kern="1200" dirty="0">
+                  <a:latin typeface="Encode Sans" pitchFamily="2" charset="-18"/>
+                </a:endParaRPr>
+              </a:p>
+            </p:txBody>
+          </p:sp>
+        </p:grpSp>
+        <p:grpSp>
+          <p:nvGrpSpPr>
+            <p:cNvPr id="86" name="Group 85">
+              <a:extLst>
+                <a:ext uri="{FF2B5EF4-FFF2-40B4-BE49-F238E27FC236}">
+                  <a16:creationId xmlns:a16="http://schemas.microsoft.com/office/drawing/2014/main" id="{CAC77E7E-58C4-4CC3-88B9-EC4F7D8477CA}"/>
+                </a:ext>
+              </a:extLst>
+            </p:cNvPr>
+            <p:cNvGrpSpPr/>
+            <p:nvPr/>
+          </p:nvGrpSpPr>
+          <p:grpSpPr>
+            <a:xfrm>
+              <a:off x="7696720" y="6222052"/>
+              <a:ext cx="3437385" cy="613582"/>
+              <a:chOff x="7688628" y="5971200"/>
+              <a:chExt cx="3437385" cy="613582"/>
+            </a:xfrm>
+          </p:grpSpPr>
+          <p:sp>
+            <p:nvSpPr>
+              <p:cNvPr id="64" name="Rectangle 63">
+                <a:extLst>
+                  <a:ext uri="{FF2B5EF4-FFF2-40B4-BE49-F238E27FC236}">
+                    <a16:creationId xmlns:a16="http://schemas.microsoft.com/office/drawing/2014/main" id="{ED3ADA7D-ED66-4B68-B23A-EA42DFB753C9}"/>
+                  </a:ext>
+                </a:extLst>
+              </p:cNvPr>
+              <p:cNvSpPr/>
+              <p:nvPr/>
+            </p:nvSpPr>
+            <p:spPr>
+              <a:xfrm>
+                <a:off x="7786935" y="6207225"/>
+                <a:ext cx="3339078" cy="377557"/>
+              </a:xfrm>
+              <a:prstGeom prst="rect">
+                <a:avLst/>
+              </a:prstGeom>
+              <a:solidFill>
+                <a:srgbClr val="FFFFFF"/>
+              </a:solidFill>
+              <a:ln w="12700" cap="flat" cmpd="sng" algn="ctr">
+                <a:solidFill>
+                  <a:sysClr val="windowText" lastClr="000000"/>
+                </a:solidFill>
+                <a:prstDash val="solid"/>
+                <a:miter lim="800000"/>
+              </a:ln>
+              <a:effectLst/>
+            </p:spPr>
+            <p:txBody>
+              <a:bodyPr rtlCol="0" anchor="ctr"/>
+              <a:lstStyle/>
+              <a:p>
+                <a:pPr>
+                  <a:buClrTx/>
+                  <a:defRPr/>
+                </a:pPr>
+                <a:r>
+                  <a:rPr lang="en-GB" sz="1000" kern="1200" dirty="0" err="1">
+                    <a:latin typeface="Encode Sans" pitchFamily="2" charset="-18"/>
+                  </a:rPr>
+                  <a:t>korisni</a:t>
+                </a:r>
+                <a:r>
+                  <a:rPr lang="sr-Latn-RS" sz="1000" kern="1200" dirty="0" err="1">
+                    <a:latin typeface="Encode Sans" pitchFamily="2" charset="-18"/>
+                  </a:rPr>
+                  <a:t>čko</a:t>
+                </a:r>
+                <a:r>
+                  <a:rPr lang="sr-Latn-RS" sz="1000" kern="1200" dirty="0">
+                    <a:latin typeface="Encode Sans" pitchFamily="2" charset="-18"/>
+                  </a:rPr>
+                  <a:t> ime</a:t>
+                </a:r>
+                <a:endParaRPr lang="en-GB" sz="1000" kern="1200" dirty="0">
+                  <a:latin typeface="Encode Sans" pitchFamily="2" charset="-18"/>
+                </a:endParaRPr>
+              </a:p>
+            </p:txBody>
+          </p:sp>
+          <p:sp>
+            <p:nvSpPr>
+              <p:cNvPr id="65" name="Rectangle 64">
+                <a:extLst>
+                  <a:ext uri="{FF2B5EF4-FFF2-40B4-BE49-F238E27FC236}">
+                    <a16:creationId xmlns:a16="http://schemas.microsoft.com/office/drawing/2014/main" id="{A0D016FA-6274-495C-8570-DA73E130EDCE}"/>
+                  </a:ext>
+                </a:extLst>
+              </p:cNvPr>
+              <p:cNvSpPr/>
+              <p:nvPr/>
+            </p:nvSpPr>
+            <p:spPr>
+              <a:xfrm>
+                <a:off x="7688628" y="5971200"/>
+                <a:ext cx="1373748" cy="236024"/>
+              </a:xfrm>
+              <a:prstGeom prst="rect">
+                <a:avLst/>
+              </a:prstGeom>
+              <a:noFill/>
+              <a:ln w="12700" cap="flat" cmpd="sng" algn="ctr">
+                <a:noFill/>
+                <a:prstDash val="solid"/>
+                <a:miter lim="800000"/>
+              </a:ln>
+              <a:effectLst/>
+            </p:spPr>
+            <p:txBody>
+              <a:bodyPr rtlCol="0" anchor="ctr"/>
+              <a:lstStyle/>
+              <a:p>
+                <a:pPr>
+                  <a:buClrTx/>
+                  <a:defRPr/>
+                </a:pPr>
+                <a:r>
+                  <a:rPr lang="en-GB" sz="1000" dirty="0" err="1">
+                    <a:latin typeface="Encode Sans" pitchFamily="2" charset="-18"/>
+                  </a:rPr>
+                  <a:t>Korisni</a:t>
+                </a:r>
+                <a:r>
+                  <a:rPr lang="sr-Latn-RS" sz="1000" dirty="0" err="1">
+                    <a:latin typeface="Encode Sans" pitchFamily="2" charset="-18"/>
+                  </a:rPr>
+                  <a:t>čko</a:t>
+                </a:r>
+                <a:r>
+                  <a:rPr lang="sr-Latn-RS" sz="1000" dirty="0">
+                    <a:latin typeface="Encode Sans" pitchFamily="2" charset="-18"/>
+                  </a:rPr>
+                  <a:t> ime</a:t>
+                </a:r>
+              </a:p>
+            </p:txBody>
+          </p:sp>
+        </p:grpSp>
+        <p:grpSp>
+          <p:nvGrpSpPr>
+            <p:cNvPr id="83" name="Group 82">
+              <a:extLst>
+                <a:ext uri="{FF2B5EF4-FFF2-40B4-BE49-F238E27FC236}">
+                  <a16:creationId xmlns:a16="http://schemas.microsoft.com/office/drawing/2014/main" id="{56952194-A028-4152-A9BC-013BA9E9D657}"/>
+                </a:ext>
+              </a:extLst>
+            </p:cNvPr>
+            <p:cNvGrpSpPr/>
+            <p:nvPr/>
+          </p:nvGrpSpPr>
+          <p:grpSpPr>
+            <a:xfrm>
+              <a:off x="7696721" y="3575494"/>
+              <a:ext cx="3437384" cy="649592"/>
+              <a:chOff x="7718555" y="2637370"/>
+              <a:chExt cx="3437384" cy="649592"/>
+            </a:xfrm>
+          </p:grpSpPr>
+          <p:sp>
+            <p:nvSpPr>
+              <p:cNvPr id="68" name="Rectangle 67">
+                <a:extLst>
+                  <a:ext uri="{FF2B5EF4-FFF2-40B4-BE49-F238E27FC236}">
+                    <a16:creationId xmlns:a16="http://schemas.microsoft.com/office/drawing/2014/main" id="{835F5F2D-B6B1-4F16-8C6E-6DCB938D6C25}"/>
+                  </a:ext>
+                </a:extLst>
+              </p:cNvPr>
+              <p:cNvSpPr/>
+              <p:nvPr/>
+            </p:nvSpPr>
+            <p:spPr>
+              <a:xfrm>
+                <a:off x="7816861" y="2909405"/>
+                <a:ext cx="3339078" cy="377557"/>
+              </a:xfrm>
+              <a:prstGeom prst="rect">
+                <a:avLst/>
+              </a:prstGeom>
+              <a:solidFill>
+                <a:srgbClr val="FFFFFF"/>
+              </a:solidFill>
+              <a:ln w="12700" cap="flat" cmpd="sng" algn="ctr">
+                <a:solidFill>
+                  <a:sysClr val="windowText" lastClr="000000"/>
+                </a:solidFill>
+                <a:prstDash val="solid"/>
+                <a:miter lim="800000"/>
+              </a:ln>
+              <a:effectLst/>
+            </p:spPr>
+            <p:txBody>
+              <a:bodyPr rtlCol="0" anchor="ctr"/>
+              <a:lstStyle/>
+              <a:p>
+                <a:pPr>
+                  <a:buClrTx/>
+                  <a:defRPr/>
+                </a:pPr>
+                <a:r>
+                  <a:rPr lang="en-GB" sz="1000" dirty="0">
+                    <a:latin typeface="Encode Sans" pitchFamily="2" charset="-18"/>
+                  </a:rPr>
+                  <a:t>email</a:t>
+                </a:r>
+                <a:endParaRPr lang="en-GB" sz="1000" kern="1200" dirty="0">
+                  <a:latin typeface="Encode Sans" pitchFamily="2" charset="-18"/>
+                </a:endParaRPr>
+              </a:p>
+            </p:txBody>
+          </p:sp>
+          <p:sp>
+            <p:nvSpPr>
+              <p:cNvPr id="69" name="Rectangle 68">
+                <a:extLst>
+                  <a:ext uri="{FF2B5EF4-FFF2-40B4-BE49-F238E27FC236}">
+                    <a16:creationId xmlns:a16="http://schemas.microsoft.com/office/drawing/2014/main" id="{9AFBA834-8E55-468C-B992-69C153083796}"/>
+                  </a:ext>
+                </a:extLst>
+              </p:cNvPr>
+              <p:cNvSpPr/>
+              <p:nvPr/>
+            </p:nvSpPr>
+            <p:spPr>
+              <a:xfrm>
+                <a:off x="7718555" y="2637370"/>
+                <a:ext cx="1220165" cy="272035"/>
+              </a:xfrm>
+              <a:prstGeom prst="rect">
+                <a:avLst/>
+              </a:prstGeom>
+              <a:noFill/>
+              <a:ln w="12700" cap="flat" cmpd="sng" algn="ctr">
+                <a:noFill/>
+                <a:prstDash val="solid"/>
+                <a:miter lim="800000"/>
+              </a:ln>
+              <a:effectLst/>
+            </p:spPr>
+            <p:txBody>
+              <a:bodyPr rtlCol="0" anchor="ctr"/>
+              <a:lstStyle/>
+              <a:p>
+                <a:pPr>
+                  <a:buClrTx/>
+                  <a:defRPr/>
+                </a:pPr>
+                <a:r>
+                  <a:rPr lang="en-GB" sz="1000" dirty="0">
+                    <a:latin typeface="Encode Sans" pitchFamily="2" charset="-18"/>
+                  </a:rPr>
+                  <a:t>Email</a:t>
+                </a:r>
+                <a:endParaRPr lang="sr-Latn-RS" sz="1000" dirty="0">
+                  <a:latin typeface="Encode Sans" pitchFamily="2" charset="-18"/>
+                </a:endParaRPr>
+              </a:p>
+            </p:txBody>
+          </p:sp>
+        </p:grpSp>
+        <p:grpSp>
+          <p:nvGrpSpPr>
+            <p:cNvPr id="84" name="Group 83">
+              <a:extLst>
+                <a:ext uri="{FF2B5EF4-FFF2-40B4-BE49-F238E27FC236}">
+                  <a16:creationId xmlns:a16="http://schemas.microsoft.com/office/drawing/2014/main" id="{4E441DDB-D955-4DF2-9A2C-F618BDCEC500}"/>
+                </a:ext>
+              </a:extLst>
+            </p:cNvPr>
+            <p:cNvGrpSpPr/>
+            <p:nvPr/>
+          </p:nvGrpSpPr>
+          <p:grpSpPr>
+            <a:xfrm>
+              <a:off x="7696721" y="4492583"/>
+              <a:ext cx="3437384" cy="649592"/>
+              <a:chOff x="7786935" y="3642923"/>
+              <a:chExt cx="3437384" cy="649592"/>
+            </a:xfrm>
+          </p:grpSpPr>
+          <p:sp>
+            <p:nvSpPr>
+              <p:cNvPr id="73" name="Rectangle 72">
+                <a:extLst>
+                  <a:ext uri="{FF2B5EF4-FFF2-40B4-BE49-F238E27FC236}">
+                    <a16:creationId xmlns:a16="http://schemas.microsoft.com/office/drawing/2014/main" id="{F04D1FD8-DFB1-4520-8448-290BE94B2319}"/>
+                  </a:ext>
+                </a:extLst>
+              </p:cNvPr>
+              <p:cNvSpPr/>
+              <p:nvPr/>
+            </p:nvSpPr>
+            <p:spPr>
+              <a:xfrm>
+                <a:off x="7885241" y="3914958"/>
+                <a:ext cx="3339078" cy="377557"/>
+              </a:xfrm>
+              <a:prstGeom prst="rect">
+                <a:avLst/>
+              </a:prstGeom>
+              <a:solidFill>
+                <a:srgbClr val="FFFFFF"/>
+              </a:solidFill>
+              <a:ln w="12700" cap="flat" cmpd="sng" algn="ctr">
+                <a:solidFill>
+                  <a:sysClr val="windowText" lastClr="000000"/>
+                </a:solidFill>
+                <a:prstDash val="solid"/>
+                <a:miter lim="800000"/>
+              </a:ln>
+              <a:effectLst/>
+            </p:spPr>
+            <p:txBody>
+              <a:bodyPr rtlCol="0" anchor="ctr"/>
+              <a:lstStyle/>
+              <a:p>
+                <a:pPr>
+                  <a:buClrTx/>
+                  <a:defRPr/>
+                </a:pPr>
+                <a:r>
+                  <a:rPr lang="sr-Latn-RS" sz="1000" dirty="0">
+                    <a:latin typeface="Encode Sans" pitchFamily="2" charset="-18"/>
+                  </a:rPr>
+                  <a:t>država</a:t>
+                </a:r>
+                <a:endParaRPr lang="en-GB" sz="1000" kern="1200" dirty="0">
+                  <a:latin typeface="Encode Sans" pitchFamily="2" charset="-18"/>
+                </a:endParaRPr>
+              </a:p>
+            </p:txBody>
+          </p:sp>
+          <p:sp>
+            <p:nvSpPr>
+              <p:cNvPr id="74" name="Rectangle 73">
+                <a:extLst>
+                  <a:ext uri="{FF2B5EF4-FFF2-40B4-BE49-F238E27FC236}">
+                    <a16:creationId xmlns:a16="http://schemas.microsoft.com/office/drawing/2014/main" id="{CFAAB6A3-2605-47CD-8BEF-62B89E26581D}"/>
+                  </a:ext>
+                </a:extLst>
+              </p:cNvPr>
+              <p:cNvSpPr/>
+              <p:nvPr/>
+            </p:nvSpPr>
+            <p:spPr>
+              <a:xfrm>
+                <a:off x="7786935" y="3642923"/>
+                <a:ext cx="1220165" cy="272035"/>
+              </a:xfrm>
+              <a:prstGeom prst="rect">
+                <a:avLst/>
+              </a:prstGeom>
+              <a:noFill/>
+              <a:ln w="12700" cap="flat" cmpd="sng" algn="ctr">
+                <a:noFill/>
+                <a:prstDash val="solid"/>
+                <a:miter lim="800000"/>
+              </a:ln>
+              <a:effectLst/>
+            </p:spPr>
+            <p:txBody>
+              <a:bodyPr rtlCol="0" anchor="ctr"/>
+              <a:lstStyle/>
+              <a:p>
+                <a:pPr>
+                  <a:buClrTx/>
+                  <a:defRPr/>
+                </a:pPr>
+                <a:r>
+                  <a:rPr lang="en-GB" sz="1000" dirty="0">
+                    <a:latin typeface="Encode Sans" pitchFamily="2" charset="-18"/>
+                  </a:rPr>
+                  <a:t>Dr</a:t>
+                </a:r>
+                <a:r>
+                  <a:rPr lang="sr-Latn-RS" sz="1000" dirty="0" err="1">
+                    <a:latin typeface="Encode Sans" pitchFamily="2" charset="-18"/>
+                  </a:rPr>
+                  <a:t>žava</a:t>
+                </a:r>
+                <a:endParaRPr lang="sr-Latn-RS" sz="1000" dirty="0">
+                  <a:latin typeface="Encode Sans" pitchFamily="2" charset="-18"/>
+                </a:endParaRPr>
+              </a:p>
+            </p:txBody>
+          </p:sp>
+        </p:grpSp>
+        <p:grpSp>
+          <p:nvGrpSpPr>
+            <p:cNvPr id="85" name="Group 84">
+              <a:extLst>
+                <a:ext uri="{FF2B5EF4-FFF2-40B4-BE49-F238E27FC236}">
+                  <a16:creationId xmlns:a16="http://schemas.microsoft.com/office/drawing/2014/main" id="{6995C0D8-477E-4CCC-909C-E7E00825F3F1}"/>
+                </a:ext>
+              </a:extLst>
+            </p:cNvPr>
+            <p:cNvGrpSpPr/>
+            <p:nvPr/>
+          </p:nvGrpSpPr>
+          <p:grpSpPr>
+            <a:xfrm>
+              <a:off x="7696721" y="5211749"/>
+              <a:ext cx="3437384" cy="649592"/>
+              <a:chOff x="7786935" y="4362089"/>
+              <a:chExt cx="3437384" cy="649592"/>
+            </a:xfrm>
+          </p:grpSpPr>
+          <p:sp>
+            <p:nvSpPr>
+              <p:cNvPr id="75" name="Rectangle 74">
+                <a:extLst>
+                  <a:ext uri="{FF2B5EF4-FFF2-40B4-BE49-F238E27FC236}">
+                    <a16:creationId xmlns:a16="http://schemas.microsoft.com/office/drawing/2014/main" id="{F5D9FBB5-29B2-44C4-AC4B-28A0684E51C1}"/>
+                  </a:ext>
+                </a:extLst>
+              </p:cNvPr>
+              <p:cNvSpPr/>
+              <p:nvPr/>
+            </p:nvSpPr>
+            <p:spPr>
+              <a:xfrm>
+                <a:off x="7885241" y="4634124"/>
+                <a:ext cx="3339078" cy="377557"/>
+              </a:xfrm>
+              <a:prstGeom prst="rect">
+                <a:avLst/>
+              </a:prstGeom>
+              <a:solidFill>
+                <a:srgbClr val="FFFFFF"/>
+              </a:solidFill>
+              <a:ln w="12700" cap="flat" cmpd="sng" algn="ctr">
+                <a:solidFill>
+                  <a:sysClr val="windowText" lastClr="000000"/>
+                </a:solidFill>
+                <a:prstDash val="solid"/>
+                <a:miter lim="800000"/>
+              </a:ln>
+              <a:effectLst/>
+            </p:spPr>
+            <p:txBody>
+              <a:bodyPr rtlCol="0" anchor="ctr"/>
+              <a:lstStyle/>
+              <a:p>
+                <a:pPr>
+                  <a:buClrTx/>
+                  <a:defRPr/>
+                </a:pPr>
+                <a:r>
+                  <a:rPr lang="en-GB" sz="1000" dirty="0">
+                    <a:latin typeface="Encode Sans" pitchFamily="2" charset="-18"/>
+                  </a:rPr>
+                  <a:t>grad</a:t>
+                </a:r>
+                <a:endParaRPr lang="en-GB" sz="1000" kern="1200" dirty="0">
+                  <a:latin typeface="Encode Sans" pitchFamily="2" charset="-18"/>
+                </a:endParaRPr>
+              </a:p>
+            </p:txBody>
+          </p:sp>
+          <p:sp>
+            <p:nvSpPr>
+              <p:cNvPr id="76" name="Rectangle 75">
+                <a:extLst>
+                  <a:ext uri="{FF2B5EF4-FFF2-40B4-BE49-F238E27FC236}">
+                    <a16:creationId xmlns:a16="http://schemas.microsoft.com/office/drawing/2014/main" id="{F8C22E58-08AD-47EC-BB5B-1114C7F22BA8}"/>
+                  </a:ext>
+                </a:extLst>
+              </p:cNvPr>
+              <p:cNvSpPr/>
+              <p:nvPr/>
+            </p:nvSpPr>
+            <p:spPr>
+              <a:xfrm>
+                <a:off x="7786935" y="4362089"/>
+                <a:ext cx="1220165" cy="272035"/>
+              </a:xfrm>
+              <a:prstGeom prst="rect">
+                <a:avLst/>
+              </a:prstGeom>
+              <a:noFill/>
+              <a:ln w="12700" cap="flat" cmpd="sng" algn="ctr">
+                <a:noFill/>
+                <a:prstDash val="solid"/>
+                <a:miter lim="800000"/>
+              </a:ln>
+              <a:effectLst/>
+            </p:spPr>
+            <p:txBody>
+              <a:bodyPr rtlCol="0" anchor="ctr"/>
+              <a:lstStyle/>
+              <a:p>
+                <a:pPr>
+                  <a:buClrTx/>
+                  <a:defRPr/>
+                </a:pPr>
+                <a:r>
+                  <a:rPr lang="en-GB" sz="1000" dirty="0">
+                    <a:latin typeface="Encode Sans" pitchFamily="2" charset="-18"/>
+                  </a:rPr>
+                  <a:t>Grad</a:t>
+                </a:r>
+                <a:endParaRPr lang="sr-Latn-RS" sz="1000" dirty="0">
+                  <a:latin typeface="Encode Sans" pitchFamily="2" charset="-18"/>
+                </a:endParaRPr>
+              </a:p>
+            </p:txBody>
+          </p:sp>
+        </p:grpSp>
+        <p:grpSp>
+          <p:nvGrpSpPr>
+            <p:cNvPr id="87" name="Group 86">
+              <a:extLst>
+                <a:ext uri="{FF2B5EF4-FFF2-40B4-BE49-F238E27FC236}">
+                  <a16:creationId xmlns:a16="http://schemas.microsoft.com/office/drawing/2014/main" id="{2974BE5C-665D-4900-88B2-A3DB2A431132}"/>
+                </a:ext>
+              </a:extLst>
+            </p:cNvPr>
+            <p:cNvGrpSpPr/>
+            <p:nvPr/>
+          </p:nvGrpSpPr>
+          <p:grpSpPr>
+            <a:xfrm>
+              <a:off x="7696721" y="6924310"/>
+              <a:ext cx="3437384" cy="1110405"/>
+              <a:chOff x="7688629" y="6722010"/>
+              <a:chExt cx="3437384" cy="1110405"/>
+            </a:xfrm>
+          </p:grpSpPr>
+          <p:sp>
+            <p:nvSpPr>
+              <p:cNvPr id="66" name="Rectangle 65">
+                <a:extLst>
+                  <a:ext uri="{FF2B5EF4-FFF2-40B4-BE49-F238E27FC236}">
+                    <a16:creationId xmlns:a16="http://schemas.microsoft.com/office/drawing/2014/main" id="{90BC6FC2-92AF-461F-99E5-B90764EC720B}"/>
+                  </a:ext>
+                </a:extLst>
+              </p:cNvPr>
+              <p:cNvSpPr/>
+              <p:nvPr/>
+            </p:nvSpPr>
+            <p:spPr>
+              <a:xfrm>
+                <a:off x="7786935" y="6994045"/>
+                <a:ext cx="3339078" cy="377557"/>
+              </a:xfrm>
+              <a:prstGeom prst="rect">
+                <a:avLst/>
+              </a:prstGeom>
+              <a:solidFill>
+                <a:srgbClr val="FFFFFF"/>
+              </a:solidFill>
+              <a:ln w="12700" cap="flat" cmpd="sng" algn="ctr">
+                <a:solidFill>
+                  <a:sysClr val="windowText" lastClr="000000"/>
+                </a:solidFill>
+                <a:prstDash val="solid"/>
+                <a:miter lim="800000"/>
+              </a:ln>
+              <a:effectLst/>
+            </p:spPr>
+            <p:txBody>
+              <a:bodyPr rtlCol="0" anchor="ctr"/>
+              <a:lstStyle/>
+              <a:p>
+                <a:pPr>
+                  <a:buClrTx/>
+                  <a:defRPr/>
+                </a:pPr>
+                <a:r>
+                  <a:rPr lang="en-GB" sz="1000" kern="1200" dirty="0" err="1">
+                    <a:latin typeface="Encode Sans" pitchFamily="2" charset="-18"/>
+                  </a:rPr>
+                  <a:t>lozinka</a:t>
+                </a:r>
+                <a:endParaRPr lang="en-GB" sz="1000" kern="1200" dirty="0">
+                  <a:latin typeface="Encode Sans" pitchFamily="2" charset="-18"/>
+                </a:endParaRPr>
+              </a:p>
+            </p:txBody>
+          </p:sp>
+          <p:sp>
+            <p:nvSpPr>
+              <p:cNvPr id="67" name="Rectangle 66">
+                <a:extLst>
+                  <a:ext uri="{FF2B5EF4-FFF2-40B4-BE49-F238E27FC236}">
+                    <a16:creationId xmlns:a16="http://schemas.microsoft.com/office/drawing/2014/main" id="{B175EAA9-664A-4BBA-AEE7-431D36C9EDC7}"/>
+                  </a:ext>
+                </a:extLst>
+              </p:cNvPr>
+              <p:cNvSpPr/>
+              <p:nvPr/>
+            </p:nvSpPr>
+            <p:spPr>
+              <a:xfrm>
+                <a:off x="7688629" y="6722010"/>
+                <a:ext cx="1220165" cy="272035"/>
+              </a:xfrm>
+              <a:prstGeom prst="rect">
+                <a:avLst/>
+              </a:prstGeom>
+              <a:noFill/>
+              <a:ln w="12700" cap="flat" cmpd="sng" algn="ctr">
+                <a:noFill/>
+                <a:prstDash val="solid"/>
+                <a:miter lim="800000"/>
+              </a:ln>
+              <a:effectLst/>
+            </p:spPr>
+            <p:txBody>
+              <a:bodyPr rtlCol="0" anchor="ctr"/>
+              <a:lstStyle/>
+              <a:p>
+                <a:pPr>
+                  <a:buClrTx/>
+                  <a:defRPr/>
+                </a:pPr>
+                <a:r>
+                  <a:rPr lang="sr-Latn-RS" sz="1000" dirty="0" err="1">
+                    <a:latin typeface="Encode Sans" pitchFamily="2" charset="-18"/>
+                  </a:rPr>
+                  <a:t>Lo</a:t>
+                </a:r>
+                <a:r>
+                  <a:rPr lang="en-GB" sz="1000" dirty="0">
+                    <a:latin typeface="Encode Sans" pitchFamily="2" charset="-18"/>
+                  </a:rPr>
+                  <a:t>z</a:t>
+                </a:r>
+                <a:r>
+                  <a:rPr lang="sr-Latn-RS" sz="1000" dirty="0" err="1">
+                    <a:latin typeface="Encode Sans" pitchFamily="2" charset="-18"/>
+                  </a:rPr>
+                  <a:t>inka</a:t>
+                </a:r>
+                <a:endParaRPr lang="sr-Latn-RS" sz="1000" dirty="0">
+                  <a:latin typeface="Encode Sans" pitchFamily="2" charset="-18"/>
+                </a:endParaRPr>
+              </a:p>
+            </p:txBody>
+          </p:sp>
+          <p:sp>
+            <p:nvSpPr>
+              <p:cNvPr id="77" name="Rectangle 76">
+                <a:extLst>
+                  <a:ext uri="{FF2B5EF4-FFF2-40B4-BE49-F238E27FC236}">
+                    <a16:creationId xmlns:a16="http://schemas.microsoft.com/office/drawing/2014/main" id="{E570E9CA-2AB7-4821-9444-832F76BCBAD2}"/>
+                  </a:ext>
+                </a:extLst>
+              </p:cNvPr>
+              <p:cNvSpPr/>
+              <p:nvPr/>
+            </p:nvSpPr>
+            <p:spPr>
+              <a:xfrm>
+                <a:off x="7786935" y="7454858"/>
+                <a:ext cx="3339078" cy="377557"/>
+              </a:xfrm>
+              <a:prstGeom prst="rect">
+                <a:avLst/>
+              </a:prstGeom>
+              <a:solidFill>
+                <a:srgbClr val="FFFFFF"/>
+              </a:solidFill>
+              <a:ln w="12700" cap="flat" cmpd="sng" algn="ctr">
+                <a:solidFill>
+                  <a:sysClr val="windowText" lastClr="000000"/>
+                </a:solidFill>
+                <a:prstDash val="solid"/>
+                <a:miter lim="800000"/>
+              </a:ln>
+              <a:effectLst/>
+            </p:spPr>
+            <p:txBody>
+              <a:bodyPr rtlCol="0" anchor="ctr"/>
+              <a:lstStyle/>
+              <a:p>
+                <a:pPr>
+                  <a:buClrTx/>
+                  <a:defRPr/>
+                </a:pPr>
+                <a:r>
+                  <a:rPr lang="en-GB" sz="1000" kern="1200" dirty="0" err="1">
+                    <a:latin typeface="Encode Sans" pitchFamily="2" charset="-18"/>
+                  </a:rPr>
+                  <a:t>lozinka</a:t>
+                </a:r>
+                <a:endParaRPr lang="en-GB" sz="1000" kern="1200" dirty="0">
+                  <a:latin typeface="Encode Sans" pitchFamily="2" charset="-18"/>
+                </a:endParaRPr>
+              </a:p>
+            </p:txBody>
+          </p:sp>
+        </p:grpSp>
+        <p:sp>
+          <p:nvSpPr>
+            <p:cNvPr id="40" name="Rectangle 39">
+              <a:extLst>
+                <a:ext uri="{FF2B5EF4-FFF2-40B4-BE49-F238E27FC236}">
+                  <a16:creationId xmlns:a16="http://schemas.microsoft.com/office/drawing/2014/main" id="{9E7203B1-774B-4364-8524-F744C4D81714}"/>
+                </a:ext>
+              </a:extLst>
+            </p:cNvPr>
+            <p:cNvSpPr/>
+            <p:nvPr/>
+          </p:nvSpPr>
+          <p:spPr>
+            <a:xfrm>
+              <a:off x="7795027" y="1099499"/>
+              <a:ext cx="954918" cy="926063"/>
+            </a:xfrm>
+            <a:prstGeom prst="rect">
+              <a:avLst/>
+            </a:prstGeom>
+            <a:solidFill>
+              <a:srgbClr val="FFFFFF"/>
+            </a:solidFill>
+            <a:ln w="12700" cap="flat" cmpd="sng" algn="ctr">
+              <a:solidFill>
+                <a:sysClr val="windowText" lastClr="000000"/>
+              </a:solidFill>
+              <a:prstDash val="solid"/>
+              <a:miter lim="800000"/>
+            </a:ln>
+            <a:effectLst/>
+          </p:spPr>
+          <p:txBody>
+            <a:bodyPr rtlCol="0" anchor="ctr"/>
+            <a:lstStyle/>
+            <a:p>
+              <a:pPr algn="ctr">
+                <a:buClrTx/>
+                <a:defRPr/>
+              </a:pPr>
+              <a:endParaRPr lang="en-GB" sz="1000" kern="1200" dirty="0">
+                <a:latin typeface="Encode Sans" pitchFamily="2" charset="-18"/>
+              </a:endParaRPr>
+            </a:p>
+          </p:txBody>
+        </p:sp>
+        <p:sp>
+          <p:nvSpPr>
+            <p:cNvPr id="99" name="Rectangle 98">
+              <a:extLst>
+                <a:ext uri="{FF2B5EF4-FFF2-40B4-BE49-F238E27FC236}">
+                  <a16:creationId xmlns:a16="http://schemas.microsoft.com/office/drawing/2014/main" id="{27951B17-6229-451C-8A4D-CD3CBEB8F0C1}"/>
+                </a:ext>
+              </a:extLst>
+            </p:cNvPr>
+            <p:cNvSpPr/>
+            <p:nvPr/>
+          </p:nvSpPr>
+          <p:spPr>
+            <a:xfrm>
+              <a:off x="8840288" y="1749325"/>
+              <a:ext cx="1220165" cy="272035"/>
+            </a:xfrm>
+            <a:prstGeom prst="rect">
+              <a:avLst/>
+            </a:prstGeom>
+            <a:noFill/>
+            <a:ln w="12700" cap="flat" cmpd="sng" algn="ctr">
+              <a:noFill/>
+              <a:prstDash val="solid"/>
+              <a:miter lim="800000"/>
+            </a:ln>
+            <a:effectLst/>
+          </p:spPr>
+          <p:txBody>
+            <a:bodyPr rtlCol="0" anchor="ctr"/>
+            <a:lstStyle/>
+            <a:p>
+              <a:pPr>
+                <a:buClrTx/>
+                <a:defRPr/>
+              </a:pPr>
+              <a:r>
+                <a:rPr lang="en-GB" sz="1000" dirty="0" err="1">
+                  <a:latin typeface="Encode Sans" pitchFamily="2" charset="-18"/>
+                </a:rPr>
+                <a:t>Va</a:t>
+              </a:r>
+              <a:r>
+                <a:rPr lang="sr-Latn-RS" sz="1000" dirty="0" err="1">
+                  <a:latin typeface="Encode Sans" pitchFamily="2" charset="-18"/>
+                </a:rPr>
+                <a:t>ša</a:t>
+              </a:r>
+              <a:r>
+                <a:rPr lang="sr-Latn-RS" sz="1000" dirty="0">
+                  <a:latin typeface="Encode Sans" pitchFamily="2" charset="-18"/>
+                </a:rPr>
+                <a:t> s</a:t>
+              </a:r>
+              <a:r>
+                <a:rPr lang="en-GB" sz="1000" dirty="0" err="1">
+                  <a:latin typeface="Encode Sans" pitchFamily="2" charset="-18"/>
+                </a:rPr>
+                <a:t>lika</a:t>
+              </a:r>
+              <a:endParaRPr lang="sr-Latn-RS" sz="1000" dirty="0">
+                <a:latin typeface="Encode Sans" pitchFamily="2" charset="-18"/>
+              </a:endParaRPr>
+            </a:p>
+          </p:txBody>
+        </p:sp>
+      </p:grpSp>
+    </p:spTree>
+    <p:extLst>
+      <p:ext uri="{BB962C8B-B14F-4D97-AF65-F5344CB8AC3E}">
+        <p14:creationId xmlns:p14="http://schemas.microsoft.com/office/powerpoint/2010/main" val="3788978452"/>
+      </p:ext>
+    </p:extLst>
+  </p:cSld>
+  <p:clrMapOvr>
+    <a:masterClrMapping/>
+  </p:clrMapOvr>
+</p:sld>
+</file>
+
+<file path=ppt/slides/slide2.xml><?xml version="1.0" encoding="utf-8"?>
+<p:sld xmlns:a="http://schemas.openxmlformats.org/drawingml/2006/main" xmlns:r="http://schemas.openxmlformats.org/officeDocument/2006/relationships" xmlns:p="http://schemas.openxmlformats.org/presentationml/2006/main">
+  <p:cSld>
+    <p:spTree>
+      <p:nvGrpSpPr>
+        <p:cNvPr id="1" name=""/>
+        <p:cNvGrpSpPr/>
+        <p:nvPr/>
+      </p:nvGrpSpPr>
+      <p:grpSpPr>
+        <a:xfrm>
+          <a:off x="0" y="0"/>
+          <a:ext cx="0" cy="0"/>
+          <a:chOff x="0" y="0"/>
+          <a:chExt cx="0" cy="0"/>
+        </a:xfrm>
+      </p:grpSpPr>
+      <p:grpSp>
+        <p:nvGrpSpPr>
+          <p:cNvPr id="60" name="Group 59">
+            <a:extLst>
+              <a:ext uri="{FF2B5EF4-FFF2-40B4-BE49-F238E27FC236}">
+                <a16:creationId xmlns:a16="http://schemas.microsoft.com/office/drawing/2014/main" id="{43D48509-02DC-423C-8401-464C823868E1}"/>
+              </a:ext>
+            </a:extLst>
+          </p:cNvPr>
+          <p:cNvGrpSpPr/>
+          <p:nvPr/>
+        </p:nvGrpSpPr>
+        <p:grpSpPr>
+          <a:xfrm>
+            <a:off x="456693" y="324155"/>
+            <a:ext cx="6383227" cy="5287932"/>
+            <a:chOff x="456693" y="324155"/>
+            <a:chExt cx="6383227" cy="5287932"/>
+          </a:xfrm>
+        </p:grpSpPr>
+        <p:grpSp>
+          <p:nvGrpSpPr>
+            <p:cNvPr id="39" name="Group 38">
+              <a:extLst>
+                <a:ext uri="{FF2B5EF4-FFF2-40B4-BE49-F238E27FC236}">
+                  <a16:creationId xmlns:a16="http://schemas.microsoft.com/office/drawing/2014/main" id="{69B56A7D-7043-456F-96DA-F0B1670A5B4E}"/>
+                </a:ext>
+              </a:extLst>
+            </p:cNvPr>
+            <p:cNvGrpSpPr/>
+            <p:nvPr/>
+          </p:nvGrpSpPr>
+          <p:grpSpPr>
+            <a:xfrm>
+              <a:off x="6677016" y="326805"/>
+              <a:ext cx="162904" cy="5285273"/>
+              <a:chOff x="6677016" y="326805"/>
+              <a:chExt cx="162904" cy="5285273"/>
+            </a:xfrm>
+          </p:grpSpPr>
+          <p:sp>
+            <p:nvSpPr>
+              <p:cNvPr id="22" name="Rectangle 21">
+                <a:extLst>
+                  <a:ext uri="{FF2B5EF4-FFF2-40B4-BE49-F238E27FC236}">
+                    <a16:creationId xmlns:a16="http://schemas.microsoft.com/office/drawing/2014/main" id="{8339B548-0B6E-45CE-93F0-D4AE5D371484}"/>
+                  </a:ext>
+                </a:extLst>
+              </p:cNvPr>
+              <p:cNvSpPr/>
+              <p:nvPr/>
+            </p:nvSpPr>
+            <p:spPr>
+              <a:xfrm flipH="1">
+                <a:off x="6684983" y="328639"/>
+                <a:ext cx="154717" cy="5283439"/>
+              </a:xfrm>
+              <a:prstGeom prst="rect">
+                <a:avLst/>
+              </a:prstGeom>
+              <a:solidFill>
+                <a:schemeClr val="bg1">
+                  <a:lumMod val="95000"/>
+                </a:schemeClr>
+              </a:solidFill>
+              <a:ln w="12700" cap="flat" cmpd="sng" algn="ctr">
+                <a:solidFill>
+                  <a:sysClr val="windowText" lastClr="000000"/>
+                </a:solidFill>
+                <a:prstDash val="solid"/>
+                <a:miter lim="800000"/>
+              </a:ln>
+              <a:effectLst/>
+            </p:spPr>
+            <p:txBody>
+              <a:bodyPr rtlCol="0" anchor="ctr"/>
+              <a:lstStyle/>
+              <a:p>
+                <a:pPr>
+                  <a:buClrTx/>
+                  <a:defRPr/>
+                </a:pPr>
+                <a:endParaRPr lang="en-US" sz="1200" kern="1200" dirty="0">
+                  <a:latin typeface="Encode Sans" pitchFamily="2" charset="-18"/>
+                </a:endParaRPr>
+              </a:p>
+            </p:txBody>
+          </p:sp>
+          <p:sp>
+            <p:nvSpPr>
+              <p:cNvPr id="23" name="Rectangle 22">
+                <a:extLst>
+                  <a:ext uri="{FF2B5EF4-FFF2-40B4-BE49-F238E27FC236}">
+                    <a16:creationId xmlns:a16="http://schemas.microsoft.com/office/drawing/2014/main" id="{884C5700-4966-4764-80C6-03D48A71213E}"/>
+                  </a:ext>
+                </a:extLst>
+              </p:cNvPr>
+              <p:cNvSpPr/>
+              <p:nvPr/>
+            </p:nvSpPr>
+            <p:spPr>
+              <a:xfrm flipH="1">
+                <a:off x="6677016" y="552981"/>
+                <a:ext cx="161491" cy="4357264"/>
               </a:xfrm>
               <a:prstGeom prst="rect">
                 <a:avLst/>
@@ -5372,494 +6270,257 @@
               </a:p>
             </p:txBody>
           </p:sp>
-          <p:sp>
-            <p:nvSpPr>
-              <p:cNvPr id="50" name="Isosceles Triangle 49">
+          <p:grpSp>
+            <p:nvGrpSpPr>
+              <p:cNvPr id="24" name="Group 23">
                 <a:extLst>
                   <a:ext uri="{FF2B5EF4-FFF2-40B4-BE49-F238E27FC236}">
-                    <a16:creationId xmlns:a16="http://schemas.microsoft.com/office/drawing/2014/main" id="{60F7E32E-956F-422A-82DB-E7F38CA95A77}"/>
+                    <a16:creationId xmlns:a16="http://schemas.microsoft.com/office/drawing/2014/main" id="{DDC9F836-FBA2-44E8-94EF-F10A4320FE74}"/>
                   </a:ext>
                 </a:extLst>
               </p:cNvPr>
-              <p:cNvSpPr/>
+              <p:cNvGrpSpPr/>
               <p:nvPr/>
-            </p:nvSpPr>
-            <p:spPr>
-              <a:xfrm>
-                <a:off x="6535735" y="947719"/>
-                <a:ext cx="126429" cy="66693"/>
+            </p:nvGrpSpPr>
+            <p:grpSpPr>
+              <a:xfrm flipH="1">
+                <a:off x="6685076" y="326805"/>
+                <a:ext cx="154016" cy="151567"/>
+                <a:chOff x="6513622" y="908206"/>
+                <a:chExt cx="176753" cy="173943"/>
               </a:xfrm>
-              <a:prstGeom prst="triangle">
-                <a:avLst/>
-              </a:prstGeom>
-              <a:solidFill>
-                <a:schemeClr val="tx1">
-                  <a:lumMod val="65000"/>
-                  <a:lumOff val="35000"/>
-                </a:schemeClr>
-              </a:solidFill>
-              <a:ln>
-                <a:noFill/>
-              </a:ln>
-            </p:spPr>
-            <p:style>
-              <a:lnRef idx="2">
-                <a:schemeClr val="accent1">
-                  <a:shade val="50000"/>
-                </a:schemeClr>
-              </a:lnRef>
-              <a:fillRef idx="1">
-                <a:schemeClr val="accent1"/>
-              </a:fillRef>
-              <a:effectRef idx="0">
-                <a:schemeClr val="accent1"/>
-              </a:effectRef>
-              <a:fontRef idx="minor">
-                <a:schemeClr val="lt1"/>
-              </a:fontRef>
-            </p:style>
-            <p:txBody>
-              <a:bodyPr rtlCol="0" anchor="ctr"/>
-              <a:lstStyle/>
-              <a:p>
-                <a:pPr algn="ctr"/>
-                <a:endParaRPr lang="sr-Latn-RS"/>
-              </a:p>
-            </p:txBody>
-          </p:sp>
-        </p:grpSp>
-        <p:grpSp>
-          <p:nvGrpSpPr>
-            <p:cNvPr id="46" name="Group 45">
-              <a:extLst>
-                <a:ext uri="{FF2B5EF4-FFF2-40B4-BE49-F238E27FC236}">
-                  <a16:creationId xmlns:a16="http://schemas.microsoft.com/office/drawing/2014/main" id="{87E58E0D-FB9D-4A72-8D48-A4926AD03CD1}"/>
-                </a:ext>
-              </a:extLst>
-            </p:cNvPr>
-            <p:cNvGrpSpPr/>
-            <p:nvPr/>
-          </p:nvGrpSpPr>
-          <p:grpSpPr>
-            <a:xfrm rot="10800000" flipH="1">
-              <a:off x="6155167" y="4252124"/>
-              <a:ext cx="154715" cy="151567"/>
-              <a:chOff x="6513622" y="908206"/>
-              <a:chExt cx="176753" cy="173943"/>
-            </a:xfrm>
-          </p:grpSpPr>
-          <p:sp>
-            <p:nvSpPr>
-              <p:cNvPr id="47" name="Rectangle 46">
+            </p:grpSpPr>
+            <p:sp>
+              <p:nvSpPr>
+                <p:cNvPr id="28" name="Rectangle 27">
+                  <a:extLst>
+                    <a:ext uri="{FF2B5EF4-FFF2-40B4-BE49-F238E27FC236}">
+                      <a16:creationId xmlns:a16="http://schemas.microsoft.com/office/drawing/2014/main" id="{CA960032-9E65-478C-8EF5-74468FDB5C0F}"/>
+                    </a:ext>
+                  </a:extLst>
+                </p:cNvPr>
+                <p:cNvSpPr/>
+                <p:nvPr/>
+              </p:nvSpPr>
+              <p:spPr>
+                <a:xfrm>
+                  <a:off x="6513622" y="908206"/>
+                  <a:ext cx="176753" cy="173943"/>
+                </a:xfrm>
+                <a:prstGeom prst="rect">
+                  <a:avLst/>
+                </a:prstGeom>
+                <a:solidFill>
+                  <a:srgbClr val="FFFFFF"/>
+                </a:solidFill>
+                <a:ln w="12700" cap="flat" cmpd="sng" algn="ctr">
+                  <a:solidFill>
+                    <a:sysClr val="windowText" lastClr="000000"/>
+                  </a:solidFill>
+                  <a:prstDash val="solid"/>
+                  <a:miter lim="800000"/>
+                </a:ln>
+                <a:effectLst/>
+              </p:spPr>
+              <p:txBody>
+                <a:bodyPr rtlCol="0" anchor="ctr"/>
+                <a:lstStyle/>
+                <a:p>
+                  <a:pPr>
+                    <a:buClrTx/>
+                    <a:defRPr/>
+                  </a:pPr>
+                  <a:endParaRPr lang="en-US" sz="1200" kern="1200" dirty="0">
+                    <a:latin typeface="Encode Sans" pitchFamily="2" charset="-18"/>
+                  </a:endParaRPr>
+                </a:p>
+              </p:txBody>
+            </p:sp>
+            <p:sp>
+              <p:nvSpPr>
+                <p:cNvPr id="29" name="Isosceles Triangle 28">
+                  <a:extLst>
+                    <a:ext uri="{FF2B5EF4-FFF2-40B4-BE49-F238E27FC236}">
+                      <a16:creationId xmlns:a16="http://schemas.microsoft.com/office/drawing/2014/main" id="{46C95A8E-85DA-4BD9-A5DF-F5787630FBAE}"/>
+                    </a:ext>
+                  </a:extLst>
+                </p:cNvPr>
+                <p:cNvSpPr/>
+                <p:nvPr/>
+              </p:nvSpPr>
+              <p:spPr>
+                <a:xfrm>
+                  <a:off x="6535735" y="947719"/>
+                  <a:ext cx="126429" cy="66693"/>
+                </a:xfrm>
+                <a:prstGeom prst="triangle">
+                  <a:avLst/>
+                </a:prstGeom>
+                <a:solidFill>
+                  <a:schemeClr val="tx1">
+                    <a:lumMod val="65000"/>
+                    <a:lumOff val="35000"/>
+                  </a:schemeClr>
+                </a:solidFill>
+                <a:ln>
+                  <a:noFill/>
+                </a:ln>
+              </p:spPr>
+              <p:style>
+                <a:lnRef idx="2">
+                  <a:schemeClr val="accent1">
+                    <a:shade val="50000"/>
+                  </a:schemeClr>
+                </a:lnRef>
+                <a:fillRef idx="1">
+                  <a:schemeClr val="accent1"/>
+                </a:fillRef>
+                <a:effectRef idx="0">
+                  <a:schemeClr val="accent1"/>
+                </a:effectRef>
+                <a:fontRef idx="minor">
+                  <a:schemeClr val="lt1"/>
+                </a:fontRef>
+              </p:style>
+              <p:txBody>
+                <a:bodyPr rtlCol="0" anchor="ctr"/>
+                <a:lstStyle/>
+                <a:p>
+                  <a:pPr algn="ctr"/>
+                  <a:endParaRPr lang="sr-Latn-RS"/>
+                </a:p>
+              </p:txBody>
+            </p:sp>
+          </p:grpSp>
+          <p:grpSp>
+            <p:nvGrpSpPr>
+              <p:cNvPr id="25" name="Group 24">
                 <a:extLst>
                   <a:ext uri="{FF2B5EF4-FFF2-40B4-BE49-F238E27FC236}">
-                    <a16:creationId xmlns:a16="http://schemas.microsoft.com/office/drawing/2014/main" id="{6EA55190-AAD6-4120-B517-4A3B46015F61}"/>
+                    <a16:creationId xmlns:a16="http://schemas.microsoft.com/office/drawing/2014/main" id="{00A529A1-A666-4838-AA72-096241BBB284}"/>
                   </a:ext>
                 </a:extLst>
               </p:cNvPr>
-              <p:cNvSpPr/>
+              <p:cNvGrpSpPr/>
               <p:nvPr/>
-            </p:nvSpPr>
-            <p:spPr>
-              <a:xfrm>
-                <a:off x="6513622" y="908206"/>
-                <a:ext cx="176753" cy="173943"/>
+            </p:nvGrpSpPr>
+            <p:grpSpPr>
+              <a:xfrm rot="10800000" flipH="1">
+                <a:off x="6685205" y="5460511"/>
+                <a:ext cx="154715" cy="151567"/>
+                <a:chOff x="6513622" y="908206"/>
+                <a:chExt cx="176753" cy="173943"/>
               </a:xfrm>
-              <a:prstGeom prst="rect">
-                <a:avLst/>
-              </a:prstGeom>
-              <a:solidFill>
-                <a:srgbClr val="FFFFFF"/>
-              </a:solidFill>
-              <a:ln w="12700" cap="flat" cmpd="sng" algn="ctr">
+            </p:grpSpPr>
+            <p:sp>
+              <p:nvSpPr>
+                <p:cNvPr id="26" name="Rectangle 25">
+                  <a:extLst>
+                    <a:ext uri="{FF2B5EF4-FFF2-40B4-BE49-F238E27FC236}">
+                      <a16:creationId xmlns:a16="http://schemas.microsoft.com/office/drawing/2014/main" id="{EFB95D49-4DE3-4330-BA85-B932D7038F61}"/>
+                    </a:ext>
+                  </a:extLst>
+                </p:cNvPr>
+                <p:cNvSpPr/>
+                <p:nvPr/>
+              </p:nvSpPr>
+              <p:spPr>
+                <a:xfrm>
+                  <a:off x="6513622" y="908206"/>
+                  <a:ext cx="176753" cy="173943"/>
+                </a:xfrm>
+                <a:prstGeom prst="rect">
+                  <a:avLst/>
+                </a:prstGeom>
                 <a:solidFill>
-                  <a:sysClr val="windowText" lastClr="000000"/>
+                  <a:srgbClr val="FFFFFF"/>
                 </a:solidFill>
-                <a:prstDash val="solid"/>
-                <a:miter lim="800000"/>
-              </a:ln>
-              <a:effectLst/>
-            </p:spPr>
-            <p:txBody>
-              <a:bodyPr rtlCol="0" anchor="ctr"/>
-              <a:lstStyle/>
-              <a:p>
-                <a:pPr>
-                  <a:buClrTx/>
-                  <a:defRPr/>
-                </a:pPr>
-                <a:endParaRPr lang="en-US" sz="1200" kern="1200" dirty="0">
-                  <a:latin typeface="Encode Sans" pitchFamily="2" charset="-18"/>
-                </a:endParaRPr>
-              </a:p>
-            </p:txBody>
-          </p:sp>
-          <p:sp>
-            <p:nvSpPr>
-              <p:cNvPr id="48" name="Isosceles Triangle 47">
-                <a:extLst>
-                  <a:ext uri="{FF2B5EF4-FFF2-40B4-BE49-F238E27FC236}">
-                    <a16:creationId xmlns:a16="http://schemas.microsoft.com/office/drawing/2014/main" id="{E7EA7C5E-35A1-4970-8271-244168B8F33A}"/>
-                  </a:ext>
-                </a:extLst>
-              </p:cNvPr>
-              <p:cNvSpPr/>
-              <p:nvPr/>
-            </p:nvSpPr>
-            <p:spPr>
-              <a:xfrm>
-                <a:off x="6535735" y="947719"/>
-                <a:ext cx="126429" cy="66693"/>
-              </a:xfrm>
-              <a:prstGeom prst="triangle">
-                <a:avLst/>
-              </a:prstGeom>
-              <a:solidFill>
-                <a:schemeClr val="tx1">
-                  <a:lumMod val="65000"/>
-                  <a:lumOff val="35000"/>
-                </a:schemeClr>
-              </a:solidFill>
-              <a:ln>
-                <a:noFill/>
-              </a:ln>
-            </p:spPr>
-            <p:style>
-              <a:lnRef idx="2">
-                <a:schemeClr val="accent1">
-                  <a:shade val="50000"/>
-                </a:schemeClr>
-              </a:lnRef>
-              <a:fillRef idx="1">
-                <a:schemeClr val="accent1"/>
-              </a:fillRef>
-              <a:effectRef idx="0">
-                <a:schemeClr val="accent1"/>
-              </a:effectRef>
-              <a:fontRef idx="minor">
-                <a:schemeClr val="lt1"/>
-              </a:fontRef>
-            </p:style>
-            <p:txBody>
-              <a:bodyPr rtlCol="0" anchor="ctr"/>
-              <a:lstStyle/>
-              <a:p>
-                <a:pPr algn="ctr"/>
-                <a:endParaRPr lang="sr-Latn-RS"/>
-              </a:p>
-            </p:txBody>
-          </p:sp>
+                <a:ln w="12700" cap="flat" cmpd="sng" algn="ctr">
+                  <a:solidFill>
+                    <a:sysClr val="windowText" lastClr="000000"/>
+                  </a:solidFill>
+                  <a:prstDash val="solid"/>
+                  <a:miter lim="800000"/>
+                </a:ln>
+                <a:effectLst/>
+              </p:spPr>
+              <p:txBody>
+                <a:bodyPr rtlCol="0" anchor="ctr"/>
+                <a:lstStyle/>
+                <a:p>
+                  <a:pPr>
+                    <a:buClrTx/>
+                    <a:defRPr/>
+                  </a:pPr>
+                  <a:endParaRPr lang="en-US" sz="1200" kern="1200" dirty="0">
+                    <a:latin typeface="Encode Sans" pitchFamily="2" charset="-18"/>
+                  </a:endParaRPr>
+                </a:p>
+              </p:txBody>
+            </p:sp>
+            <p:sp>
+              <p:nvSpPr>
+                <p:cNvPr id="27" name="Isosceles Triangle 26">
+                  <a:extLst>
+                    <a:ext uri="{FF2B5EF4-FFF2-40B4-BE49-F238E27FC236}">
+                      <a16:creationId xmlns:a16="http://schemas.microsoft.com/office/drawing/2014/main" id="{69CB4EDE-A7F7-4D8B-841A-AE96624EF05D}"/>
+                    </a:ext>
+                  </a:extLst>
+                </p:cNvPr>
+                <p:cNvSpPr/>
+                <p:nvPr/>
+              </p:nvSpPr>
+              <p:spPr>
+                <a:xfrm>
+                  <a:off x="6535735" y="947719"/>
+                  <a:ext cx="126429" cy="66693"/>
+                </a:xfrm>
+                <a:prstGeom prst="triangle">
+                  <a:avLst/>
+                </a:prstGeom>
+                <a:solidFill>
+                  <a:schemeClr val="tx1">
+                    <a:lumMod val="65000"/>
+                    <a:lumOff val="35000"/>
+                  </a:schemeClr>
+                </a:solidFill>
+                <a:ln>
+                  <a:noFill/>
+                </a:ln>
+              </p:spPr>
+              <p:style>
+                <a:lnRef idx="2">
+                  <a:schemeClr val="accent1">
+                    <a:shade val="50000"/>
+                  </a:schemeClr>
+                </a:lnRef>
+                <a:fillRef idx="1">
+                  <a:schemeClr val="accent1"/>
+                </a:fillRef>
+                <a:effectRef idx="0">
+                  <a:schemeClr val="accent1"/>
+                </a:effectRef>
+                <a:fontRef idx="minor">
+                  <a:schemeClr val="lt1"/>
+                </a:fontRef>
+              </p:style>
+              <p:txBody>
+                <a:bodyPr rtlCol="0" anchor="ctr"/>
+                <a:lstStyle/>
+                <a:p>
+                  <a:pPr algn="ctr"/>
+                  <a:endParaRPr lang="sr-Latn-RS"/>
+                </a:p>
+              </p:txBody>
+            </p:sp>
+          </p:grpSp>
         </p:grpSp>
-      </p:grpSp>
-      <p:sp>
-        <p:nvSpPr>
-          <p:cNvPr id="51" name="Rectangle 50">
-            <a:extLst>
-              <a:ext uri="{FF2B5EF4-FFF2-40B4-BE49-F238E27FC236}">
-                <a16:creationId xmlns:a16="http://schemas.microsoft.com/office/drawing/2014/main" id="{511404AB-7AE2-4E85-92B7-7AEDFCF24C53}"/>
-              </a:ext>
-            </a:extLst>
-          </p:cNvPr>
-          <p:cNvSpPr/>
-          <p:nvPr/>
-        </p:nvSpPr>
-        <p:spPr>
-          <a:xfrm>
-            <a:off x="457416" y="5346940"/>
-            <a:ext cx="6228368" cy="265147"/>
-          </a:xfrm>
-          <a:prstGeom prst="rect">
-            <a:avLst/>
-          </a:prstGeom>
-          <a:solidFill>
-            <a:srgbClr val="FFFFFF"/>
-          </a:solidFill>
-          <a:ln w="12700" cap="flat" cmpd="sng" algn="ctr">
-            <a:solidFill>
-              <a:sysClr val="windowText" lastClr="000000"/>
-            </a:solidFill>
-            <a:prstDash val="solid"/>
-            <a:miter lim="800000"/>
-          </a:ln>
-          <a:effectLst/>
-        </p:spPr>
-        <p:txBody>
-          <a:bodyPr rtlCol="0" anchor="ctr"/>
-          <a:lstStyle/>
-          <a:p>
-            <a:pPr>
-              <a:buClrTx/>
-              <a:defRPr/>
-            </a:pPr>
-            <a:r>
-              <a:rPr lang="en-US" sz="1200" kern="1200" dirty="0">
-                <a:latin typeface="Encode Sans" pitchFamily="2" charset="-18"/>
-              </a:rPr>
-              <a:t>status</a:t>
-            </a:r>
-          </a:p>
-        </p:txBody>
-      </p:sp>
-      <p:sp>
-        <p:nvSpPr>
-          <p:cNvPr id="52" name="Rectangle 51">
-            <a:extLst>
-              <a:ext uri="{FF2B5EF4-FFF2-40B4-BE49-F238E27FC236}">
-                <a16:creationId xmlns:a16="http://schemas.microsoft.com/office/drawing/2014/main" id="{CFD28091-2E63-4604-8C43-37D832CCD5FB}"/>
-              </a:ext>
-            </a:extLst>
-          </p:cNvPr>
-          <p:cNvSpPr/>
-          <p:nvPr/>
-        </p:nvSpPr>
-        <p:spPr>
-          <a:xfrm>
-            <a:off x="7124034" y="4611742"/>
-            <a:ext cx="1417930" cy="269984"/>
-          </a:xfrm>
-          <a:prstGeom prst="rect">
-            <a:avLst/>
-          </a:prstGeom>
-          <a:solidFill>
-            <a:srgbClr val="FFFFFF"/>
-          </a:solidFill>
-          <a:ln w="12700" cap="flat" cmpd="sng" algn="ctr">
-            <a:solidFill>
-              <a:sysClr val="windowText" lastClr="000000"/>
-            </a:solidFill>
-            <a:prstDash val="solid"/>
-            <a:miter lim="800000"/>
-          </a:ln>
-          <a:effectLst/>
-        </p:spPr>
-        <p:txBody>
-          <a:bodyPr rtlCol="0" anchor="t"/>
-          <a:lstStyle/>
-          <a:p>
-            <a:pPr>
-              <a:buClrTx/>
-              <a:defRPr/>
-            </a:pPr>
-            <a:r>
-              <a:rPr lang="en-US" sz="1200" dirty="0" err="1">
-                <a:latin typeface="Encode Sans" pitchFamily="2" charset="-18"/>
-              </a:rPr>
-              <a:t>ElGamal</a:t>
-            </a:r>
-            <a:r>
-              <a:rPr lang="en-US" sz="1200" dirty="0">
-                <a:latin typeface="Encode Sans" pitchFamily="2" charset="-18"/>
-              </a:rPr>
-              <a:t> + 3DES</a:t>
-            </a:r>
-          </a:p>
-        </p:txBody>
-      </p:sp>
-      <p:sp>
-        <p:nvSpPr>
-          <p:cNvPr id="53" name="Rectangle 52">
-            <a:extLst>
-              <a:ext uri="{FF2B5EF4-FFF2-40B4-BE49-F238E27FC236}">
-                <a16:creationId xmlns:a16="http://schemas.microsoft.com/office/drawing/2014/main" id="{88046719-AC16-4C0C-B1AB-21B2420AA861}"/>
-              </a:ext>
-            </a:extLst>
-          </p:cNvPr>
-          <p:cNvSpPr/>
-          <p:nvPr/>
-        </p:nvSpPr>
-        <p:spPr>
-          <a:xfrm>
-            <a:off x="8833141" y="4618908"/>
-            <a:ext cx="1426586" cy="269984"/>
-          </a:xfrm>
-          <a:prstGeom prst="rect">
-            <a:avLst/>
-          </a:prstGeom>
-          <a:solidFill>
-            <a:srgbClr val="FFFFFF"/>
-          </a:solidFill>
-          <a:ln w="12700" cap="flat" cmpd="sng" algn="ctr">
-            <a:solidFill>
-              <a:sysClr val="windowText" lastClr="000000"/>
-            </a:solidFill>
-            <a:prstDash val="solid"/>
-            <a:miter lim="800000"/>
-          </a:ln>
-          <a:effectLst/>
-        </p:spPr>
-        <p:txBody>
-          <a:bodyPr rtlCol="0" anchor="t"/>
-          <a:lstStyle/>
-          <a:p>
-            <a:pPr>
-              <a:buClrTx/>
-              <a:defRPr/>
-            </a:pPr>
-            <a:r>
-              <a:rPr lang="en-US" sz="1200" dirty="0">
-                <a:latin typeface="Encode Sans" pitchFamily="2" charset="-18"/>
-              </a:rPr>
-              <a:t>no</a:t>
-            </a:r>
-          </a:p>
-        </p:txBody>
-      </p:sp>
-      <p:sp>
-        <p:nvSpPr>
-          <p:cNvPr id="54" name="Rectangle 53">
-            <a:extLst>
-              <a:ext uri="{FF2B5EF4-FFF2-40B4-BE49-F238E27FC236}">
-                <a16:creationId xmlns:a16="http://schemas.microsoft.com/office/drawing/2014/main" id="{9AEACCB6-A9F5-435D-B55C-97CBD588A14B}"/>
-              </a:ext>
-            </a:extLst>
-          </p:cNvPr>
-          <p:cNvSpPr/>
-          <p:nvPr/>
-        </p:nvSpPr>
-        <p:spPr>
-          <a:xfrm>
-            <a:off x="7124034" y="4870102"/>
-            <a:ext cx="1417930" cy="269984"/>
-          </a:xfrm>
-          <a:prstGeom prst="rect">
-            <a:avLst/>
-          </a:prstGeom>
-          <a:solidFill>
-            <a:srgbClr val="FFFFFF"/>
-          </a:solidFill>
-          <a:ln w="12700" cap="flat" cmpd="sng" algn="ctr">
-            <a:solidFill>
-              <a:sysClr val="windowText" lastClr="000000"/>
-            </a:solidFill>
-            <a:prstDash val="solid"/>
-            <a:miter lim="800000"/>
-          </a:ln>
-          <a:effectLst/>
-        </p:spPr>
-        <p:txBody>
-          <a:bodyPr rtlCol="0" anchor="t"/>
-          <a:lstStyle/>
-          <a:p>
-            <a:pPr>
-              <a:buClrTx/>
-              <a:defRPr/>
-            </a:pPr>
-            <a:r>
-              <a:rPr lang="en-US" sz="1200" dirty="0">
-                <a:latin typeface="Encode Sans" pitchFamily="2" charset="-18"/>
-              </a:rPr>
-              <a:t>no</a:t>
-            </a:r>
-          </a:p>
-        </p:txBody>
-      </p:sp>
-      <p:sp>
-        <p:nvSpPr>
-          <p:cNvPr id="55" name="Rectangle 54">
-            <a:extLst>
-              <a:ext uri="{FF2B5EF4-FFF2-40B4-BE49-F238E27FC236}">
-                <a16:creationId xmlns:a16="http://schemas.microsoft.com/office/drawing/2014/main" id="{F55957ED-49AE-46EC-A0A1-807B1FDB0BA4}"/>
-              </a:ext>
-            </a:extLst>
-          </p:cNvPr>
-          <p:cNvSpPr/>
-          <p:nvPr/>
-        </p:nvSpPr>
-        <p:spPr>
-          <a:xfrm>
-            <a:off x="9059125" y="593183"/>
-            <a:ext cx="3041969" cy="1068804"/>
-          </a:xfrm>
-          <a:prstGeom prst="rect">
-            <a:avLst/>
-          </a:prstGeom>
-          <a:noFill/>
-          <a:ln w="12700" cap="flat" cmpd="sng" algn="ctr">
-            <a:noFill/>
-            <a:prstDash val="solid"/>
-            <a:miter lim="800000"/>
-          </a:ln>
-          <a:effectLst/>
-        </p:spPr>
-        <p:txBody>
-          <a:bodyPr rtlCol="0" anchor="ctr"/>
-          <a:lstStyle/>
-          <a:p>
-            <a:pPr>
-              <a:buClrTx/>
-              <a:defRPr/>
-            </a:pPr>
-            <a:r>
-              <a:rPr lang="en-GB" sz="1200" dirty="0">
-                <a:latin typeface="Encode Sans" pitchFamily="2" charset="-18"/>
-              </a:rPr>
-              <a:t>-- only show &lt;public key ids&gt; whose &lt;private key&gt; is used for signing</a:t>
-            </a:r>
-          </a:p>
-          <a:p>
-            <a:pPr>
-              <a:buClrTx/>
-              <a:defRPr/>
-            </a:pPr>
-            <a:endParaRPr lang="en-GB" sz="1200" dirty="0">
-              <a:latin typeface="Encode Sans" pitchFamily="2" charset="-18"/>
-            </a:endParaRPr>
-          </a:p>
-          <a:p>
-            <a:pPr>
-              <a:buClrTx/>
-              <a:defRPr/>
-            </a:pPr>
-            <a:r>
-              <a:rPr lang="en-GB" sz="1200" kern="1200" dirty="0">
-                <a:latin typeface="Encode Sans" pitchFamily="2" charset="-18"/>
-              </a:rPr>
-              <a:t>(the passphrase is for </a:t>
-            </a:r>
-            <a:r>
-              <a:rPr lang="en-GB" sz="1200" dirty="0">
-                <a:latin typeface="Encode Sans" pitchFamily="2" charset="-18"/>
-              </a:rPr>
-              <a:t>the selected public key’s private key</a:t>
-            </a:r>
-            <a:r>
-              <a:rPr lang="en-GB" sz="1200" kern="1200" dirty="0">
-                <a:latin typeface="Encode Sans" pitchFamily="2" charset="-18"/>
-              </a:rPr>
-              <a:t>)</a:t>
-            </a:r>
-            <a:endParaRPr lang="en-US" sz="1200" kern="1200" dirty="0">
-              <a:latin typeface="Encode Sans" pitchFamily="2" charset="-18"/>
-            </a:endParaRPr>
-          </a:p>
-        </p:txBody>
-      </p:sp>
-      <p:grpSp>
-        <p:nvGrpSpPr>
-          <p:cNvPr id="56" name="Group 55">
-            <a:extLst>
-              <a:ext uri="{FF2B5EF4-FFF2-40B4-BE49-F238E27FC236}">
-                <a16:creationId xmlns:a16="http://schemas.microsoft.com/office/drawing/2014/main" id="{785C5180-FD86-4D27-A8C6-EACA9B155E3B}"/>
-              </a:ext>
-            </a:extLst>
-          </p:cNvPr>
-          <p:cNvGrpSpPr/>
-          <p:nvPr/>
-        </p:nvGrpSpPr>
-        <p:grpSpPr>
-          <a:xfrm>
-            <a:off x="8833141" y="4354083"/>
-            <a:ext cx="1426586" cy="269984"/>
-            <a:chOff x="1523949" y="4485882"/>
-            <a:chExt cx="1426586" cy="269984"/>
-          </a:xfrm>
-        </p:grpSpPr>
         <p:sp>
           <p:nvSpPr>
-            <p:cNvPr id="57" name="Rectangle 56">
+            <p:cNvPr id="94" name="Rectangle 93">
               <a:extLst>
                 <a:ext uri="{FF2B5EF4-FFF2-40B4-BE49-F238E27FC236}">
-                  <a16:creationId xmlns:a16="http://schemas.microsoft.com/office/drawing/2014/main" id="{73022303-0FEC-4DC5-8D30-17A18D3BF3BD}"/>
+                  <a16:creationId xmlns:a16="http://schemas.microsoft.com/office/drawing/2014/main" id="{FD185A79-6525-46DF-A195-CB27AE8B5236}"/>
                 </a:ext>
               </a:extLst>
             </p:cNvPr>
@@ -5868,8 +6529,56 @@
           </p:nvSpPr>
           <p:spPr>
             <a:xfrm>
-              <a:off x="1523949" y="4485882"/>
-              <a:ext cx="1426586" cy="269984"/>
+              <a:off x="456693" y="324158"/>
+              <a:ext cx="6228368" cy="5287929"/>
+            </a:xfrm>
+            <a:prstGeom prst="rect">
+              <a:avLst/>
+            </a:prstGeom>
+            <a:solidFill>
+              <a:schemeClr val="bg1">
+                <a:lumMod val="95000"/>
+              </a:schemeClr>
+            </a:solidFill>
+            <a:ln w="12700" cap="flat" cmpd="sng" algn="ctr">
+              <a:solidFill>
+                <a:sysClr val="windowText" lastClr="000000"/>
+              </a:solidFill>
+              <a:prstDash val="solid"/>
+              <a:miter lim="800000"/>
+            </a:ln>
+            <a:effectLst/>
+          </p:spPr>
+          <p:txBody>
+            <a:bodyPr rtlCol="0" anchor="ctr"/>
+            <a:lstStyle/>
+            <a:p>
+              <a:pPr>
+                <a:buClrTx/>
+                <a:defRPr/>
+              </a:pPr>
+              <a:endParaRPr lang="en-US" sz="1200" kern="1200" dirty="0">
+                <a:latin typeface="Encode Sans" pitchFamily="2" charset="-18"/>
+              </a:endParaRPr>
+            </a:p>
+          </p:txBody>
+        </p:sp>
+        <p:sp>
+          <p:nvSpPr>
+            <p:cNvPr id="33" name="Rectangle 32">
+              <a:extLst>
+                <a:ext uri="{FF2B5EF4-FFF2-40B4-BE49-F238E27FC236}">
+                  <a16:creationId xmlns:a16="http://schemas.microsoft.com/office/drawing/2014/main" id="{DDCE3470-3C3C-4A9C-97DC-45808CF0295A}"/>
+                </a:ext>
+              </a:extLst>
+            </p:cNvPr>
+            <p:cNvSpPr/>
+            <p:nvPr/>
+          </p:nvSpPr>
+          <p:spPr>
+            <a:xfrm>
+              <a:off x="456693" y="324155"/>
+              <a:ext cx="6228368" cy="1276367"/>
             </a:xfrm>
             <a:prstGeom prst="rect">
               <a:avLst/>
@@ -5890,15 +6599,15 @@
             <a:bodyPr rtlCol="0" anchor="ctr"/>
             <a:lstStyle/>
             <a:p>
-              <a:pPr>
+              <a:pPr algn="ctr">
                 <a:buClrTx/>
                 <a:defRPr/>
               </a:pPr>
               <a:r>
-                <a:rPr lang="en-US" sz="1200" dirty="0">
+                <a:rPr lang="sr-Latn-RS" sz="1200" kern="1200" dirty="0">
                   <a:latin typeface="Encode Sans" pitchFamily="2" charset="-18"/>
                 </a:rPr>
-                <a:t>DSA</a:t>
+                <a:t>slika</a:t>
               </a:r>
               <a:endParaRPr lang="en-US" sz="1200" kern="1200" dirty="0">
                 <a:latin typeface="Encode Sans" pitchFamily="2" charset="-18"/>
@@ -5906,140 +6615,12 @@
             </a:p>
           </p:txBody>
         </p:sp>
-        <p:grpSp>
-          <p:nvGrpSpPr>
-            <p:cNvPr id="58" name="Group 57">
+        <p:sp>
+          <p:nvSpPr>
+            <p:cNvPr id="96" name="Rectangle 95">
               <a:extLst>
                 <a:ext uri="{FF2B5EF4-FFF2-40B4-BE49-F238E27FC236}">
-                  <a16:creationId xmlns:a16="http://schemas.microsoft.com/office/drawing/2014/main" id="{28FC6082-C2B9-4395-B56C-BAA51B49ED9D}"/>
-                </a:ext>
-              </a:extLst>
-            </p:cNvPr>
-            <p:cNvGrpSpPr/>
-            <p:nvPr/>
-          </p:nvGrpSpPr>
-          <p:grpSpPr>
-            <a:xfrm>
-              <a:off x="2728452" y="4605634"/>
-              <a:ext cx="164181" cy="72003"/>
-              <a:chOff x="2692264" y="3721654"/>
-              <a:chExt cx="164181" cy="72003"/>
-            </a:xfrm>
-          </p:grpSpPr>
-          <p:cxnSp>
-            <p:nvCxnSpPr>
-              <p:cNvPr id="59" name="Straight Connector 58">
-                <a:extLst>
-                  <a:ext uri="{FF2B5EF4-FFF2-40B4-BE49-F238E27FC236}">
-                    <a16:creationId xmlns:a16="http://schemas.microsoft.com/office/drawing/2014/main" id="{D51A2221-CC32-48F7-93C3-7F03C1866E20}"/>
-                  </a:ext>
-                </a:extLst>
-              </p:cNvPr>
-              <p:cNvCxnSpPr>
-                <a:cxnSpLocks/>
-              </p:cNvCxnSpPr>
-              <p:nvPr/>
-            </p:nvCxnSpPr>
-            <p:spPr>
-              <a:xfrm>
-                <a:off x="2692264" y="3721654"/>
-                <a:ext cx="84208" cy="72002"/>
-              </a:xfrm>
-              <a:prstGeom prst="line">
-                <a:avLst/>
-              </a:prstGeom>
-              <a:ln w="12700">
-                <a:solidFill>
-                  <a:schemeClr val="tx1"/>
-                </a:solidFill>
-              </a:ln>
-            </p:spPr>
-            <p:style>
-              <a:lnRef idx="1">
-                <a:schemeClr val="accent1"/>
-              </a:lnRef>
-              <a:fillRef idx="0">
-                <a:schemeClr val="accent1"/>
-              </a:fillRef>
-              <a:effectRef idx="0">
-                <a:schemeClr val="accent1"/>
-              </a:effectRef>
-              <a:fontRef idx="minor">
-                <a:schemeClr val="tx1"/>
-              </a:fontRef>
-            </p:style>
-          </p:cxnSp>
-          <p:cxnSp>
-            <p:nvCxnSpPr>
-              <p:cNvPr id="60" name="Straight Connector 59">
-                <a:extLst>
-                  <a:ext uri="{FF2B5EF4-FFF2-40B4-BE49-F238E27FC236}">
-                    <a16:creationId xmlns:a16="http://schemas.microsoft.com/office/drawing/2014/main" id="{DAE423F4-E957-49D1-8B8A-780030A24BD5}"/>
-                  </a:ext>
-                </a:extLst>
-              </p:cNvPr>
-              <p:cNvCxnSpPr>
-                <a:cxnSpLocks/>
-              </p:cNvCxnSpPr>
-              <p:nvPr/>
-            </p:nvCxnSpPr>
-            <p:spPr>
-              <a:xfrm flipV="1">
-                <a:off x="2767134" y="3721654"/>
-                <a:ext cx="89311" cy="72003"/>
-              </a:xfrm>
-              <a:prstGeom prst="line">
-                <a:avLst/>
-              </a:prstGeom>
-              <a:ln w="12700">
-                <a:solidFill>
-                  <a:schemeClr val="tx1"/>
-                </a:solidFill>
-              </a:ln>
-            </p:spPr>
-            <p:style>
-              <a:lnRef idx="1">
-                <a:schemeClr val="accent1"/>
-              </a:lnRef>
-              <a:fillRef idx="0">
-                <a:schemeClr val="accent1"/>
-              </a:fillRef>
-              <a:effectRef idx="0">
-                <a:schemeClr val="accent1"/>
-              </a:effectRef>
-              <a:fontRef idx="minor">
-                <a:schemeClr val="tx1"/>
-              </a:fontRef>
-            </p:style>
-          </p:cxnSp>
-        </p:grpSp>
-      </p:grpSp>
-      <p:grpSp>
-        <p:nvGrpSpPr>
-          <p:cNvPr id="61" name="Group 60">
-            <a:extLst>
-              <a:ext uri="{FF2B5EF4-FFF2-40B4-BE49-F238E27FC236}">
-                <a16:creationId xmlns:a16="http://schemas.microsoft.com/office/drawing/2014/main" id="{3DD03F5E-C51C-43DD-9AB0-95397033E697}"/>
-              </a:ext>
-            </a:extLst>
-          </p:cNvPr>
-          <p:cNvGrpSpPr/>
-          <p:nvPr/>
-        </p:nvGrpSpPr>
-        <p:grpSpPr>
-          <a:xfrm>
-            <a:off x="7123892" y="4354083"/>
-            <a:ext cx="1418071" cy="269984"/>
-            <a:chOff x="1526490" y="4807578"/>
-            <a:chExt cx="1418071" cy="269984"/>
-          </a:xfrm>
-        </p:grpSpPr>
-        <p:sp>
-          <p:nvSpPr>
-            <p:cNvPr id="62" name="Rectangle 61">
-              <a:extLst>
-                <a:ext uri="{FF2B5EF4-FFF2-40B4-BE49-F238E27FC236}">
-                  <a16:creationId xmlns:a16="http://schemas.microsoft.com/office/drawing/2014/main" id="{4BA9631C-3C9B-4C37-A503-B847ABC52C80}"/>
+                  <a16:creationId xmlns:a16="http://schemas.microsoft.com/office/drawing/2014/main" id="{6AC48B0B-1345-4448-8673-D198D190BE52}"/>
                 </a:ext>
               </a:extLst>
             </p:cNvPr>
@@ -6048,8 +6629,168 @@
           </p:nvSpPr>
           <p:spPr>
             <a:xfrm>
-              <a:off x="1526490" y="4807578"/>
-              <a:ext cx="1418071" cy="269984"/>
+              <a:off x="456693" y="324157"/>
+              <a:ext cx="6228368" cy="457649"/>
+            </a:xfrm>
+            <a:prstGeom prst="rect">
+              <a:avLst/>
+            </a:prstGeom>
+            <a:solidFill>
+              <a:srgbClr val="000000">
+                <a:alpha val="25098"/>
+              </a:srgbClr>
+            </a:solidFill>
+            <a:ln w="12700" cap="flat" cmpd="sng" algn="ctr">
+              <a:solidFill>
+                <a:sysClr val="windowText" lastClr="000000"/>
+              </a:solidFill>
+              <a:prstDash val="solid"/>
+              <a:miter lim="800000"/>
+            </a:ln>
+            <a:effectLst/>
+          </p:spPr>
+          <p:txBody>
+            <a:bodyPr rtlCol="0" anchor="ctr"/>
+            <a:lstStyle/>
+            <a:p>
+              <a:pPr>
+                <a:buClrTx/>
+                <a:defRPr/>
+              </a:pPr>
+              <a:r>
+                <a:rPr lang="en-US" sz="1200" kern="1200" dirty="0">
+                  <a:latin typeface="Encode Sans" pitchFamily="2" charset="-18"/>
+                </a:rPr>
+                <a:t>HH </a:t>
+              </a:r>
+              <a:r>
+                <a:rPr lang="sr-Latn-RS" sz="1200" kern="1200" dirty="0">
+                  <a:latin typeface="Encode Sans" pitchFamily="2" charset="-18"/>
+                </a:rPr>
+                <a:t> </a:t>
+              </a:r>
+              <a:r>
+                <a:rPr lang="en-US" sz="1200" kern="1200" dirty="0">
+                  <a:latin typeface="Encode Sans" pitchFamily="2" charset="-18"/>
+                </a:rPr>
+                <a:t> Po</a:t>
+              </a:r>
+              <a:r>
+                <a:rPr lang="sr-Latn-RS" sz="1200" kern="1200" dirty="0">
+                  <a:latin typeface="Encode Sans" pitchFamily="2" charset="-18"/>
+                </a:rPr>
+                <a:t>četna   Studiranje   Nauka   Kontakt   Predmeti        </a:t>
+              </a:r>
+              <a:r>
+                <a:rPr lang="en-GB" sz="1200" kern="1200" dirty="0">
+                  <a:latin typeface="Encode Sans" pitchFamily="2" charset="-18"/>
+                </a:rPr>
+                <a:t> </a:t>
+              </a:r>
+              <a:r>
+                <a:rPr lang="sr-Latn-RS" sz="1200" kern="1200" dirty="0">
+                  <a:latin typeface="Encode Sans" pitchFamily="2" charset="-18"/>
+                </a:rPr>
+                <a:t>Registracija   </a:t>
+              </a:r>
+              <a:r>
+                <a:rPr lang="en-GB" sz="1200" dirty="0">
+                  <a:latin typeface="Encode Sans" pitchFamily="2" charset="-18"/>
+                </a:rPr>
+                <a:t>             </a:t>
+              </a:r>
+              <a:r>
+                <a:rPr lang="sr-Latn-RS" sz="1200" kern="1200" dirty="0">
+                  <a:latin typeface="Encode Sans" pitchFamily="2" charset="-18"/>
+                </a:rPr>
+                <a:t>   </a:t>
+              </a:r>
+              <a:r>
+                <a:rPr lang="en-GB" sz="1200" kern="1200" dirty="0">
+                  <a:latin typeface="Encode Sans" pitchFamily="2" charset="-18"/>
+                </a:rPr>
+                <a:t>     </a:t>
+              </a:r>
+              <a:r>
+                <a:rPr lang="sr-Latn-RS" sz="1200" kern="1200" dirty="0">
+                  <a:latin typeface="Encode Sans" pitchFamily="2" charset="-18"/>
+                </a:rPr>
+                <a:t>Odjava</a:t>
+              </a:r>
+              <a:endParaRPr lang="en-US" sz="1200" kern="1200" dirty="0">
+                <a:latin typeface="Encode Sans" pitchFamily="2" charset="-18"/>
+              </a:endParaRPr>
+            </a:p>
+          </p:txBody>
+        </p:sp>
+        <p:sp>
+          <p:nvSpPr>
+            <p:cNvPr id="6" name="Rectangle: Rounded Corners 5">
+              <a:extLst>
+                <a:ext uri="{FF2B5EF4-FFF2-40B4-BE49-F238E27FC236}">
+                  <a16:creationId xmlns:a16="http://schemas.microsoft.com/office/drawing/2014/main" id="{2F930AFC-A6B3-493C-BFFE-DC9F7C4D4114}"/>
+                </a:ext>
+              </a:extLst>
+            </p:cNvPr>
+            <p:cNvSpPr/>
+            <p:nvPr/>
+          </p:nvSpPr>
+          <p:spPr>
+            <a:xfrm>
+              <a:off x="5279754" y="377062"/>
+              <a:ext cx="735685" cy="336205"/>
+            </a:xfrm>
+            <a:prstGeom prst="roundRect">
+              <a:avLst>
+                <a:gd name="adj" fmla="val 8694"/>
+              </a:avLst>
+            </a:prstGeom>
+            <a:noFill/>
+            <a:ln w="12700" cap="flat" cmpd="sng" algn="ctr">
+              <a:solidFill>
+                <a:sysClr val="windowText" lastClr="000000"/>
+              </a:solidFill>
+              <a:prstDash val="solid"/>
+              <a:miter lim="800000"/>
+            </a:ln>
+            <a:effectLst/>
+          </p:spPr>
+          <p:txBody>
+            <a:bodyPr rtlCol="0" anchor="ctr"/>
+            <a:lstStyle/>
+            <a:p>
+              <a:pPr algn="ctr">
+                <a:buClrTx/>
+                <a:defRPr/>
+              </a:pPr>
+              <a:r>
+                <a:rPr lang="sr-Latn-RS" sz="1200" kern="1200" dirty="0">
+                  <a:latin typeface="Encode Sans" pitchFamily="2" charset="-18"/>
+                </a:rPr>
+                <a:t>Prijava</a:t>
+              </a:r>
+              <a:endParaRPr lang="en-US" sz="1200" kern="1200" dirty="0">
+                <a:latin typeface="Encode Sans" pitchFamily="2" charset="-18"/>
+              </a:endParaRPr>
+            </a:p>
+          </p:txBody>
+        </p:sp>
+        <p:sp>
+          <p:nvSpPr>
+            <p:cNvPr id="38" name="Rectangle 37">
+              <a:extLst>
+                <a:ext uri="{FF2B5EF4-FFF2-40B4-BE49-F238E27FC236}">
+                  <a16:creationId xmlns:a16="http://schemas.microsoft.com/office/drawing/2014/main" id="{BF720E65-DF8D-4391-8A3E-C4B15D675B17}"/>
+                </a:ext>
+              </a:extLst>
+            </p:cNvPr>
+            <p:cNvSpPr/>
+            <p:nvPr/>
+          </p:nvSpPr>
+          <p:spPr>
+            <a:xfrm>
+              <a:off x="1283284" y="1600522"/>
+              <a:ext cx="4552495" cy="4011556"/>
             </a:xfrm>
             <a:prstGeom prst="rect">
               <a:avLst/>
@@ -6070,21 +6811,27 @@
             <a:bodyPr rtlCol="0" anchor="ctr"/>
             <a:lstStyle/>
             <a:p>
-              <a:pPr>
+              <a:pPr algn="ctr">
                 <a:buClrTx/>
                 <a:defRPr/>
               </a:pPr>
               <a:r>
-                <a:rPr lang="en-US" sz="1200" dirty="0" err="1">
+                <a:rPr lang="en-GB" sz="1200" kern="1200" dirty="0" err="1">
                   <a:latin typeface="Encode Sans" pitchFamily="2" charset="-18"/>
                 </a:rPr>
-                <a:t>ElGamal</a:t>
+                <a:t>sadr</a:t>
               </a:r>
               <a:r>
-                <a:rPr lang="en-US" sz="1200" dirty="0">
+                <a:rPr lang="sr-Latn-RS" sz="1200" dirty="0">
                   <a:latin typeface="Encode Sans" pitchFamily="2" charset="-18"/>
                 </a:rPr>
-                <a:t> + IDEA</a:t>
+                <a:t>ž</a:t>
+              </a:r>
+              <a:r>
+                <a:rPr lang="en-GB" sz="1200" kern="1200" dirty="0" err="1">
+                  <a:latin typeface="Encode Sans" pitchFamily="2" charset="-18"/>
+                </a:rPr>
+                <a:t>aj</a:t>
               </a:r>
               <a:endParaRPr lang="en-US" sz="1200" kern="1200" dirty="0">
                 <a:latin typeface="Encode Sans" pitchFamily="2" charset="-18"/>
@@ -6092,528 +6839,140 @@
             </a:p>
           </p:txBody>
         </p:sp>
-        <p:grpSp>
-          <p:nvGrpSpPr>
-            <p:cNvPr id="63" name="Group 62">
+        <p:cxnSp>
+          <p:nvCxnSpPr>
+            <p:cNvPr id="3" name="Straight Connector 2">
               <a:extLst>
                 <a:ext uri="{FF2B5EF4-FFF2-40B4-BE49-F238E27FC236}">
-                  <a16:creationId xmlns:a16="http://schemas.microsoft.com/office/drawing/2014/main" id="{F1215E17-495C-466F-A5F0-E09ECA6F8EA5}"/>
+                  <a16:creationId xmlns:a16="http://schemas.microsoft.com/office/drawing/2014/main" id="{C2E7EFB9-43D0-467A-B3A1-CAAED421528D}"/>
                 </a:ext>
               </a:extLst>
             </p:cNvPr>
-            <p:cNvGrpSpPr/>
+            <p:cNvCxnSpPr>
+              <a:cxnSpLocks/>
+            </p:cNvCxnSpPr>
             <p:nvPr/>
-          </p:nvGrpSpPr>
-          <p:grpSpPr>
+          </p:nvCxnSpPr>
+          <p:spPr>
             <a:xfrm>
-              <a:off x="2730994" y="4927330"/>
-              <a:ext cx="164181" cy="72003"/>
-              <a:chOff x="2671000" y="3721654"/>
-              <a:chExt cx="164181" cy="72003"/>
+              <a:off x="1471465" y="1965949"/>
+              <a:ext cx="4176132" cy="0"/>
             </a:xfrm>
-          </p:grpSpPr>
-          <p:cxnSp>
-            <p:nvCxnSpPr>
-              <p:cNvPr id="64" name="Straight Connector 63">
-                <a:extLst>
-                  <a:ext uri="{FF2B5EF4-FFF2-40B4-BE49-F238E27FC236}">
-                    <a16:creationId xmlns:a16="http://schemas.microsoft.com/office/drawing/2014/main" id="{278A3478-9D7C-4958-A4E5-D91F14D4F152}"/>
-                  </a:ext>
-                </a:extLst>
-              </p:cNvPr>
-              <p:cNvCxnSpPr>
-                <a:cxnSpLocks/>
-              </p:cNvCxnSpPr>
-              <p:nvPr/>
-            </p:nvCxnSpPr>
-            <p:spPr>
-              <a:xfrm>
-                <a:off x="2671000" y="3721654"/>
-                <a:ext cx="84208" cy="72002"/>
-              </a:xfrm>
-              <a:prstGeom prst="line">
-                <a:avLst/>
-              </a:prstGeom>
-              <a:ln w="12700">
-                <a:solidFill>
-                  <a:schemeClr val="tx1"/>
-                </a:solidFill>
-              </a:ln>
-            </p:spPr>
-            <p:style>
-              <a:lnRef idx="1">
-                <a:schemeClr val="accent1"/>
-              </a:lnRef>
-              <a:fillRef idx="0">
-                <a:schemeClr val="accent1"/>
-              </a:fillRef>
-              <a:effectRef idx="0">
-                <a:schemeClr val="accent1"/>
-              </a:effectRef>
-              <a:fontRef idx="minor">
+            <a:prstGeom prst="line">
+              <a:avLst/>
+            </a:prstGeom>
+            <a:ln w="12700">
+              <a:solidFill>
                 <a:schemeClr val="tx1"/>
-              </a:fontRef>
-            </p:style>
-          </p:cxnSp>
-          <p:cxnSp>
-            <p:nvCxnSpPr>
-              <p:cNvPr id="65" name="Straight Connector 64">
-                <a:extLst>
-                  <a:ext uri="{FF2B5EF4-FFF2-40B4-BE49-F238E27FC236}">
-                    <a16:creationId xmlns:a16="http://schemas.microsoft.com/office/drawing/2014/main" id="{A7B62B2C-5EE5-41F5-8922-232853D18312}"/>
-                  </a:ext>
-                </a:extLst>
-              </p:cNvPr>
-              <p:cNvCxnSpPr>
-                <a:cxnSpLocks/>
-              </p:cNvCxnSpPr>
-              <p:nvPr/>
-            </p:nvCxnSpPr>
-            <p:spPr>
-              <a:xfrm flipV="1">
-                <a:off x="2745870" y="3721654"/>
-                <a:ext cx="89311" cy="72003"/>
-              </a:xfrm>
-              <a:prstGeom prst="line">
-                <a:avLst/>
-              </a:prstGeom>
-              <a:ln w="12700">
-                <a:solidFill>
-                  <a:schemeClr val="tx1"/>
-                </a:solidFill>
-              </a:ln>
-            </p:spPr>
-            <p:style>
-              <a:lnRef idx="1">
-                <a:schemeClr val="accent1"/>
-              </a:lnRef>
-              <a:fillRef idx="0">
-                <a:schemeClr val="accent1"/>
-              </a:fillRef>
-              <a:effectRef idx="0">
-                <a:schemeClr val="accent1"/>
-              </a:effectRef>
-              <a:fontRef idx="minor">
-                <a:schemeClr val="tx1"/>
-              </a:fontRef>
-            </p:style>
-          </p:cxnSp>
-        </p:grpSp>
+              </a:solidFill>
+            </a:ln>
+          </p:spPr>
+          <p:style>
+            <a:lnRef idx="1">
+              <a:schemeClr val="dk1"/>
+            </a:lnRef>
+            <a:fillRef idx="0">
+              <a:schemeClr val="dk1"/>
+            </a:fillRef>
+            <a:effectRef idx="0">
+              <a:schemeClr val="dk1"/>
+            </a:effectRef>
+            <a:fontRef idx="minor">
+              <a:schemeClr val="tx1"/>
+            </a:fontRef>
+          </p:style>
+        </p:cxnSp>
+        <p:sp>
+          <p:nvSpPr>
+            <p:cNvPr id="31" name="Rectangle 30">
+              <a:extLst>
+                <a:ext uri="{FF2B5EF4-FFF2-40B4-BE49-F238E27FC236}">
+                  <a16:creationId xmlns:a16="http://schemas.microsoft.com/office/drawing/2014/main" id="{0239AC64-5B02-415F-9A04-8D48510B9DB9}"/>
+                </a:ext>
+              </a:extLst>
+            </p:cNvPr>
+            <p:cNvSpPr/>
+            <p:nvPr/>
+          </p:nvSpPr>
+          <p:spPr>
+            <a:xfrm>
+              <a:off x="1380354" y="1641268"/>
+              <a:ext cx="1044156" cy="274821"/>
+            </a:xfrm>
+            <a:prstGeom prst="rect">
+              <a:avLst/>
+            </a:prstGeom>
+            <a:noFill/>
+            <a:ln w="12700" cap="flat" cmpd="sng" algn="ctr">
+              <a:noFill/>
+              <a:prstDash val="solid"/>
+              <a:miter lim="800000"/>
+            </a:ln>
+            <a:effectLst/>
+          </p:spPr>
+          <p:txBody>
+            <a:bodyPr rtlCol="0" anchor="ctr"/>
+            <a:lstStyle/>
+            <a:p>
+              <a:pPr>
+                <a:buClrTx/>
+                <a:defRPr/>
+              </a:pPr>
+              <a:r>
+                <a:rPr lang="sr-Latn-RS" sz="1200" dirty="0">
+                  <a:latin typeface="Encode Sans" pitchFamily="2" charset="-18"/>
+                </a:rPr>
+                <a:t>Početna</a:t>
+              </a:r>
+              <a:r>
+                <a:rPr lang="en-GB" sz="1200" dirty="0">
+                  <a:latin typeface="Encode Sans" pitchFamily="2" charset="-18"/>
+                </a:rPr>
+                <a:t> &gt; </a:t>
+              </a:r>
+              <a:endParaRPr lang="sr-Latn-RS" sz="1200" dirty="0">
+                <a:latin typeface="Encode Sans" pitchFamily="2" charset="-18"/>
+              </a:endParaRPr>
+            </a:p>
+          </p:txBody>
+        </p:sp>
       </p:grpSp>
-      <p:sp>
-        <p:nvSpPr>
-          <p:cNvPr id="66" name="Rectangle 65">
+    </p:spTree>
+    <p:extLst>
+      <p:ext uri="{BB962C8B-B14F-4D97-AF65-F5344CB8AC3E}">
+        <p14:creationId xmlns:p14="http://schemas.microsoft.com/office/powerpoint/2010/main" val="3222403"/>
+      </p:ext>
+    </p:extLst>
+  </p:cSld>
+  <p:clrMapOvr>
+    <a:masterClrMapping/>
+  </p:clrMapOvr>
+</p:sld>
+</file>
+
+<file path=ppt/slides/slide3.xml><?xml version="1.0" encoding="utf-8"?>
+<p:sld xmlns:a="http://schemas.openxmlformats.org/drawingml/2006/main" xmlns:r="http://schemas.openxmlformats.org/officeDocument/2006/relationships" xmlns:p="http://schemas.openxmlformats.org/presentationml/2006/main">
+  <p:cSld>
+    <p:spTree>
+      <p:nvGrpSpPr>
+        <p:cNvPr id="1" name=""/>
+        <p:cNvGrpSpPr/>
+        <p:nvPr/>
+      </p:nvGrpSpPr>
+      <p:grpSpPr>
+        <a:xfrm>
+          <a:off x="0" y="0"/>
+          <a:ext cx="0" cy="0"/>
+          <a:chOff x="0" y="0"/>
+          <a:chExt cx="0" cy="0"/>
+        </a:xfrm>
+      </p:grpSpPr>
+      <p:grpSp>
+        <p:nvGrpSpPr>
+          <p:cNvPr id="9" name="Group 8">
             <a:extLst>
               <a:ext uri="{FF2B5EF4-FFF2-40B4-BE49-F238E27FC236}">
-                <a16:creationId xmlns:a16="http://schemas.microsoft.com/office/drawing/2014/main" id="{4CE0C07D-1978-4EDC-A2CE-27DA2CC1748F}"/>
-              </a:ext>
-            </a:extLst>
-          </p:cNvPr>
-          <p:cNvSpPr/>
-          <p:nvPr/>
-        </p:nvSpPr>
-        <p:spPr>
-          <a:xfrm>
-            <a:off x="4142726" y="4489075"/>
-            <a:ext cx="1503460" cy="269984"/>
-          </a:xfrm>
-          <a:prstGeom prst="rect">
-            <a:avLst/>
-          </a:prstGeom>
-          <a:solidFill>
-            <a:schemeClr val="accent6">
-              <a:lumMod val="40000"/>
-              <a:lumOff val="60000"/>
-            </a:schemeClr>
-          </a:solidFill>
-          <a:ln w="12700" cap="flat" cmpd="sng" algn="ctr">
-            <a:solidFill>
-              <a:sysClr val="windowText" lastClr="000000"/>
-            </a:solidFill>
-            <a:prstDash val="solid"/>
-            <a:miter lim="800000"/>
-          </a:ln>
-          <a:effectLst/>
-        </p:spPr>
-        <p:txBody>
-          <a:bodyPr rtlCol="0" anchor="ctr"/>
-          <a:lstStyle/>
-          <a:p>
-            <a:pPr>
-              <a:buClrTx/>
-              <a:defRPr/>
-            </a:pPr>
-            <a:r>
-              <a:rPr lang="en-US" sz="1200" dirty="0">
-                <a:latin typeface="Encode Sans" pitchFamily="2" charset="-18"/>
-              </a:rPr>
-              <a:t>passphrase</a:t>
-            </a:r>
-            <a:endParaRPr lang="en-US" sz="1200" kern="1200" dirty="0">
-              <a:latin typeface="Encode Sans" pitchFamily="2" charset="-18"/>
-            </a:endParaRPr>
-          </a:p>
-        </p:txBody>
-      </p:sp>
-      <p:sp>
-        <p:nvSpPr>
-          <p:cNvPr id="67" name="Rectangle 66">
-            <a:extLst>
-              <a:ext uri="{FF2B5EF4-FFF2-40B4-BE49-F238E27FC236}">
-                <a16:creationId xmlns:a16="http://schemas.microsoft.com/office/drawing/2014/main" id="{02628893-9DB5-4FEE-8FCD-493E6A39F658}"/>
-              </a:ext>
-            </a:extLst>
-          </p:cNvPr>
-          <p:cNvSpPr/>
-          <p:nvPr/>
-        </p:nvSpPr>
-        <p:spPr>
-          <a:xfrm>
-            <a:off x="3154680" y="4489075"/>
-            <a:ext cx="1044157" cy="269984"/>
-          </a:xfrm>
-          <a:prstGeom prst="rect">
-            <a:avLst/>
-          </a:prstGeom>
-          <a:noFill/>
-          <a:ln w="12700" cap="flat" cmpd="sng" algn="ctr">
-            <a:noFill/>
-            <a:prstDash val="solid"/>
-            <a:miter lim="800000"/>
-          </a:ln>
-          <a:effectLst/>
-        </p:spPr>
-        <p:txBody>
-          <a:bodyPr rtlCol="0" anchor="ctr"/>
-          <a:lstStyle/>
-          <a:p>
-            <a:pPr>
-              <a:buClrTx/>
-              <a:defRPr/>
-            </a:pPr>
-            <a:r>
-              <a:rPr lang="en-US" sz="1200" dirty="0">
-                <a:latin typeface="Encode Sans" pitchFamily="2" charset="-18"/>
-              </a:rPr>
-              <a:t>Passphrase</a:t>
-            </a:r>
-            <a:endParaRPr lang="en-US" sz="1200" kern="1200" dirty="0">
-              <a:latin typeface="Encode Sans" pitchFamily="2" charset="-18"/>
-            </a:endParaRPr>
-          </a:p>
-        </p:txBody>
-      </p:sp>
-      <p:sp>
-        <p:nvSpPr>
-          <p:cNvPr id="68" name="Rectangle 67">
-            <a:extLst>
-              <a:ext uri="{FF2B5EF4-FFF2-40B4-BE49-F238E27FC236}">
-                <a16:creationId xmlns:a16="http://schemas.microsoft.com/office/drawing/2014/main" id="{673BEE5C-C3FB-4165-8153-064545A683C2}"/>
-              </a:ext>
-            </a:extLst>
-          </p:cNvPr>
-          <p:cNvSpPr/>
-          <p:nvPr/>
-        </p:nvSpPr>
-        <p:spPr>
-          <a:xfrm>
-            <a:off x="752571" y="4481045"/>
-            <a:ext cx="909826" cy="269984"/>
-          </a:xfrm>
-          <a:prstGeom prst="rect">
-            <a:avLst/>
-          </a:prstGeom>
-          <a:noFill/>
-          <a:ln w="12700" cap="flat" cmpd="sng" algn="ctr">
-            <a:noFill/>
-            <a:prstDash val="solid"/>
-            <a:miter lim="800000"/>
-          </a:ln>
-          <a:effectLst/>
-        </p:spPr>
-        <p:txBody>
-          <a:bodyPr rtlCol="0" anchor="ctr"/>
-          <a:lstStyle/>
-          <a:p>
-            <a:pPr>
-              <a:buClrTx/>
-              <a:defRPr/>
-            </a:pPr>
-            <a:r>
-              <a:rPr lang="en-US" sz="1200" dirty="0">
-                <a:latin typeface="Encode Sans" pitchFamily="2" charset="-18"/>
-              </a:rPr>
-              <a:t>Signature</a:t>
-            </a:r>
-            <a:endParaRPr lang="en-US" sz="1200" kern="1200" dirty="0">
-              <a:latin typeface="Encode Sans" pitchFamily="2" charset="-18"/>
-            </a:endParaRPr>
-          </a:p>
-        </p:txBody>
-      </p:sp>
-      <p:sp>
-        <p:nvSpPr>
-          <p:cNvPr id="69" name="Rectangle 68">
-            <a:extLst>
-              <a:ext uri="{FF2B5EF4-FFF2-40B4-BE49-F238E27FC236}">
-                <a16:creationId xmlns:a16="http://schemas.microsoft.com/office/drawing/2014/main" id="{A8B9EEE5-4741-4BEE-AB47-74941E2F68A5}"/>
-              </a:ext>
-            </a:extLst>
-          </p:cNvPr>
-          <p:cNvSpPr/>
-          <p:nvPr/>
-        </p:nvSpPr>
-        <p:spPr>
-          <a:xfrm>
-            <a:off x="1610311" y="4485882"/>
-            <a:ext cx="1426586" cy="269984"/>
-          </a:xfrm>
-          <a:prstGeom prst="rect">
-            <a:avLst/>
-          </a:prstGeom>
-          <a:solidFill>
-            <a:schemeClr val="accent6">
-              <a:lumMod val="40000"/>
-              <a:lumOff val="60000"/>
-            </a:schemeClr>
-          </a:solidFill>
-          <a:ln w="12700" cap="flat" cmpd="sng" algn="ctr">
-            <a:solidFill>
-              <a:sysClr val="windowText" lastClr="000000"/>
-            </a:solidFill>
-            <a:prstDash val="sysDot"/>
-            <a:miter lim="800000"/>
-          </a:ln>
-          <a:effectLst/>
-        </p:spPr>
-        <p:txBody>
-          <a:bodyPr rtlCol="0" anchor="ctr"/>
-          <a:lstStyle/>
-          <a:p>
-            <a:pPr>
-              <a:buClrTx/>
-              <a:defRPr/>
-            </a:pPr>
-            <a:r>
-              <a:rPr lang="en-US" sz="1200" dirty="0">
-                <a:latin typeface="Encode Sans" pitchFamily="2" charset="-18"/>
-              </a:rPr>
-              <a:t>DSA</a:t>
-            </a:r>
-            <a:endParaRPr lang="en-US" sz="1200" kern="1200" dirty="0">
-              <a:latin typeface="Encode Sans" pitchFamily="2" charset="-18"/>
-            </a:endParaRPr>
-          </a:p>
-        </p:txBody>
-      </p:sp>
-      <p:sp>
-        <p:nvSpPr>
-          <p:cNvPr id="70" name="Rectangle 69">
-            <a:extLst>
-              <a:ext uri="{FF2B5EF4-FFF2-40B4-BE49-F238E27FC236}">
-                <a16:creationId xmlns:a16="http://schemas.microsoft.com/office/drawing/2014/main" id="{C589CF89-7C64-44FF-9181-7B512B688D73}"/>
-              </a:ext>
-            </a:extLst>
-          </p:cNvPr>
-          <p:cNvSpPr/>
-          <p:nvPr/>
-        </p:nvSpPr>
-        <p:spPr>
-          <a:xfrm>
-            <a:off x="737561" y="4809029"/>
-            <a:ext cx="972330" cy="265147"/>
-          </a:xfrm>
-          <a:prstGeom prst="rect">
-            <a:avLst/>
-          </a:prstGeom>
-          <a:noFill/>
-          <a:ln w="12700" cap="flat" cmpd="sng" algn="ctr">
-            <a:noFill/>
-            <a:prstDash val="solid"/>
-            <a:miter lim="800000"/>
-          </a:ln>
-          <a:effectLst/>
-        </p:spPr>
-        <p:txBody>
-          <a:bodyPr rtlCol="0" anchor="ctr"/>
-          <a:lstStyle/>
-          <a:p>
-            <a:pPr>
-              <a:buClrTx/>
-              <a:defRPr/>
-            </a:pPr>
-            <a:r>
-              <a:rPr lang="en-US" sz="1200" dirty="0">
-                <a:latin typeface="Encode Sans" pitchFamily="2" charset="-18"/>
-              </a:rPr>
-              <a:t>Encryption</a:t>
-            </a:r>
-            <a:endParaRPr lang="en-US" sz="1200" kern="1200" dirty="0">
-              <a:latin typeface="Encode Sans" pitchFamily="2" charset="-18"/>
-            </a:endParaRPr>
-          </a:p>
-        </p:txBody>
-      </p:sp>
-      <p:sp>
-        <p:nvSpPr>
-          <p:cNvPr id="71" name="Rectangle 70">
-            <a:extLst>
-              <a:ext uri="{FF2B5EF4-FFF2-40B4-BE49-F238E27FC236}">
-                <a16:creationId xmlns:a16="http://schemas.microsoft.com/office/drawing/2014/main" id="{7EA52362-DF8E-45A9-8B7A-7F97157F145E}"/>
-              </a:ext>
-            </a:extLst>
-          </p:cNvPr>
-          <p:cNvSpPr/>
-          <p:nvPr/>
-        </p:nvSpPr>
-        <p:spPr>
-          <a:xfrm>
-            <a:off x="1612852" y="4807578"/>
-            <a:ext cx="1419707" cy="269984"/>
-          </a:xfrm>
-          <a:prstGeom prst="rect">
-            <a:avLst/>
-          </a:prstGeom>
-          <a:solidFill>
-            <a:srgbClr val="CFAFE7"/>
-          </a:solidFill>
-          <a:ln w="12700" cap="flat" cmpd="sng" algn="ctr">
-            <a:solidFill>
-              <a:sysClr val="windowText" lastClr="000000"/>
-            </a:solidFill>
-            <a:prstDash val="solid"/>
-            <a:miter lim="800000"/>
-          </a:ln>
-          <a:effectLst/>
-        </p:spPr>
-        <p:txBody>
-          <a:bodyPr rtlCol="0" anchor="ctr"/>
-          <a:lstStyle/>
-          <a:p>
-            <a:pPr>
-              <a:buClrTx/>
-              <a:defRPr/>
-            </a:pPr>
-            <a:r>
-              <a:rPr lang="en-US" sz="1200" dirty="0" err="1">
-                <a:latin typeface="Encode Sans" pitchFamily="2" charset="-18"/>
-              </a:rPr>
-              <a:t>ElGamal</a:t>
-            </a:r>
-            <a:r>
-              <a:rPr lang="en-US" sz="1200" dirty="0">
-                <a:latin typeface="Encode Sans" pitchFamily="2" charset="-18"/>
-              </a:rPr>
-              <a:t> + IDEA</a:t>
-            </a:r>
-            <a:endParaRPr lang="en-US" sz="1200" kern="1200" dirty="0">
-              <a:latin typeface="Encode Sans" pitchFamily="2" charset="-18"/>
-            </a:endParaRPr>
-          </a:p>
-        </p:txBody>
-      </p:sp>
-      <p:sp>
-        <p:nvSpPr>
-          <p:cNvPr id="72" name="Rectangle 71">
-            <a:extLst>
-              <a:ext uri="{FF2B5EF4-FFF2-40B4-BE49-F238E27FC236}">
-                <a16:creationId xmlns:a16="http://schemas.microsoft.com/office/drawing/2014/main" id="{AC5CC914-1B25-4929-907C-3CB667988053}"/>
-              </a:ext>
-            </a:extLst>
-          </p:cNvPr>
-          <p:cNvSpPr/>
-          <p:nvPr/>
-        </p:nvSpPr>
-        <p:spPr>
-          <a:xfrm>
-            <a:off x="3145924" y="4794337"/>
-            <a:ext cx="1044156" cy="274821"/>
-          </a:xfrm>
-          <a:prstGeom prst="rect">
-            <a:avLst/>
-          </a:prstGeom>
-          <a:noFill/>
-          <a:ln w="12700" cap="flat" cmpd="sng" algn="ctr">
-            <a:noFill/>
-            <a:prstDash val="solid"/>
-            <a:miter lim="800000"/>
-          </a:ln>
-          <a:effectLst/>
-        </p:spPr>
-        <p:txBody>
-          <a:bodyPr rtlCol="0" anchor="ctr"/>
-          <a:lstStyle/>
-          <a:p>
-            <a:pPr>
-              <a:buClrTx/>
-              <a:defRPr/>
-            </a:pPr>
-            <a:r>
-              <a:rPr lang="en-US" sz="1200" dirty="0">
-                <a:latin typeface="Encode Sans" pitchFamily="2" charset="-18"/>
-              </a:rPr>
-              <a:t>Compressed</a:t>
-            </a:r>
-            <a:endParaRPr lang="en-US" sz="1200" kern="1200" dirty="0">
-              <a:latin typeface="Encode Sans" pitchFamily="2" charset="-18"/>
-            </a:endParaRPr>
-          </a:p>
-        </p:txBody>
-      </p:sp>
-      <p:sp>
-        <p:nvSpPr>
-          <p:cNvPr id="73" name="Rectangle 72">
-            <a:extLst>
-              <a:ext uri="{FF2B5EF4-FFF2-40B4-BE49-F238E27FC236}">
-                <a16:creationId xmlns:a16="http://schemas.microsoft.com/office/drawing/2014/main" id="{859DE89A-751F-4ACA-A74E-0B414BEB41C1}"/>
-              </a:ext>
-            </a:extLst>
-          </p:cNvPr>
-          <p:cNvSpPr/>
-          <p:nvPr/>
-        </p:nvSpPr>
-        <p:spPr>
-          <a:xfrm>
-            <a:off x="4647568" y="4796946"/>
-            <a:ext cx="776319" cy="274821"/>
-          </a:xfrm>
-          <a:prstGeom prst="rect">
-            <a:avLst/>
-          </a:prstGeom>
-          <a:noFill/>
-          <a:ln w="12700" cap="flat" cmpd="sng" algn="ctr">
-            <a:noFill/>
-            <a:prstDash val="solid"/>
-            <a:miter lim="800000"/>
-          </a:ln>
-          <a:effectLst/>
-        </p:spPr>
-        <p:txBody>
-          <a:bodyPr rtlCol="0" anchor="ctr"/>
-          <a:lstStyle/>
-          <a:p>
-            <a:pPr>
-              <a:buClrTx/>
-              <a:defRPr/>
-            </a:pPr>
-            <a:r>
-              <a:rPr lang="en-US" sz="1200" dirty="0">
-                <a:latin typeface="Encode Sans" pitchFamily="2" charset="-18"/>
-              </a:rPr>
-              <a:t>Encoded</a:t>
-            </a:r>
-            <a:endParaRPr lang="en-US" sz="1200" kern="1200" dirty="0">
-              <a:latin typeface="Encode Sans" pitchFamily="2" charset="-18"/>
-            </a:endParaRPr>
-          </a:p>
-        </p:txBody>
-      </p:sp>
-      <p:grpSp>
-        <p:nvGrpSpPr>
-          <p:cNvPr id="74" name="Group 73">
-            <a:extLst>
-              <a:ext uri="{FF2B5EF4-FFF2-40B4-BE49-F238E27FC236}">
-                <a16:creationId xmlns:a16="http://schemas.microsoft.com/office/drawing/2014/main" id="{D7753DA8-D341-4065-8197-2D4CFF23B8CA}"/>
+                <a16:creationId xmlns:a16="http://schemas.microsoft.com/office/drawing/2014/main" id="{D30F2C2A-4499-4B70-B9DD-787B31DBBCF3}"/>
               </a:ext>
             </a:extLst>
           </p:cNvPr>
@@ -6622,18 +6981,18 @@
         </p:nvGrpSpPr>
         <p:grpSpPr>
           <a:xfrm>
-            <a:off x="4145252" y="4799174"/>
-            <a:ext cx="261235" cy="269984"/>
+            <a:off x="8901348" y="1299327"/>
+            <a:ext cx="225076" cy="232614"/>
             <a:chOff x="3293351" y="4799174"/>
             <a:chExt cx="261235" cy="269984"/>
           </a:xfrm>
         </p:grpSpPr>
         <p:sp>
           <p:nvSpPr>
-            <p:cNvPr id="75" name="Rectangle 74">
+            <p:cNvPr id="10" name="Rectangle 9">
               <a:extLst>
                 <a:ext uri="{FF2B5EF4-FFF2-40B4-BE49-F238E27FC236}">
-                  <a16:creationId xmlns:a16="http://schemas.microsoft.com/office/drawing/2014/main" id="{68E2BD3D-F43F-443A-88BD-0974936D8D95}"/>
+                  <a16:creationId xmlns:a16="http://schemas.microsoft.com/office/drawing/2014/main" id="{3C79FE89-32D1-47E4-90E1-E85D8ED8646F}"/>
                 </a:ext>
               </a:extLst>
             </p:cNvPr>
@@ -6676,10 +7035,10 @@
         </p:sp>
         <p:pic>
           <p:nvPicPr>
-            <p:cNvPr id="76" name="Graphic 75" descr="Checkmark">
+            <p:cNvPr id="11" name="Graphic 10" descr="Checkmark">
               <a:extLst>
                 <a:ext uri="{FF2B5EF4-FFF2-40B4-BE49-F238E27FC236}">
-                  <a16:creationId xmlns:a16="http://schemas.microsoft.com/office/drawing/2014/main" id="{11F4B081-7DF0-4B51-AE2D-C85432D94DD1}"/>
+                  <a16:creationId xmlns:a16="http://schemas.microsoft.com/office/drawing/2014/main" id="{0837FCF1-6622-42C1-B5CA-9B2B697E2948}"/>
                 </a:ext>
               </a:extLst>
             </p:cNvPr>
@@ -6716,10 +7075,10 @@
       </p:grpSp>
       <p:grpSp>
         <p:nvGrpSpPr>
-          <p:cNvPr id="77" name="Group 76">
+          <p:cNvPr id="12" name="Group 11">
             <a:extLst>
               <a:ext uri="{FF2B5EF4-FFF2-40B4-BE49-F238E27FC236}">
-                <a16:creationId xmlns:a16="http://schemas.microsoft.com/office/drawing/2014/main" id="{BE853D31-6E0F-4D5A-B0B5-596C0D6DAB46}"/>
+                <a16:creationId xmlns:a16="http://schemas.microsoft.com/office/drawing/2014/main" id="{9379FE22-645C-44A6-9001-2B13572A6157}"/>
               </a:ext>
             </a:extLst>
           </p:cNvPr>
@@ -6728,113 +7087,7 @@
         </p:nvGrpSpPr>
         <p:grpSpPr>
           <a:xfrm>
-            <a:off x="5382524" y="4801783"/>
-            <a:ext cx="261235" cy="269984"/>
-            <a:chOff x="4480885" y="4801783"/>
-            <a:chExt cx="261235" cy="269984"/>
-          </a:xfrm>
-        </p:grpSpPr>
-        <p:sp>
-          <p:nvSpPr>
-            <p:cNvPr id="78" name="Rectangle 77">
-              <a:extLst>
-                <a:ext uri="{FF2B5EF4-FFF2-40B4-BE49-F238E27FC236}">
-                  <a16:creationId xmlns:a16="http://schemas.microsoft.com/office/drawing/2014/main" id="{193E337F-54AB-43FA-BCED-A203CB51F7F3}"/>
-                </a:ext>
-              </a:extLst>
-            </p:cNvPr>
-            <p:cNvSpPr/>
-            <p:nvPr/>
-          </p:nvSpPr>
-          <p:spPr>
-            <a:xfrm>
-              <a:off x="4480885" y="4801783"/>
-              <a:ext cx="261235" cy="269984"/>
-            </a:xfrm>
-            <a:prstGeom prst="rect">
-              <a:avLst/>
-            </a:prstGeom>
-            <a:solidFill>
-              <a:schemeClr val="bg1"/>
-            </a:solidFill>
-            <a:ln w="12700" cap="flat" cmpd="sng" algn="ctr">
-              <a:solidFill>
-                <a:sysClr val="windowText" lastClr="000000"/>
-              </a:solidFill>
-              <a:prstDash val="solid"/>
-              <a:miter lim="800000"/>
-            </a:ln>
-            <a:effectLst/>
-          </p:spPr>
-          <p:txBody>
-            <a:bodyPr rtlCol="0" anchor="ctr"/>
-            <a:lstStyle/>
-            <a:p>
-              <a:pPr>
-                <a:buClrTx/>
-                <a:defRPr/>
-              </a:pPr>
-              <a:endParaRPr lang="en-US" sz="1200" kern="1200" dirty="0">
-                <a:latin typeface="Encode Sans" pitchFamily="2" charset="-18"/>
-              </a:endParaRPr>
-            </a:p>
-          </p:txBody>
-        </p:sp>
-        <p:pic>
-          <p:nvPicPr>
-            <p:cNvPr id="79" name="Graphic 78" descr="Checkmark">
-              <a:extLst>
-                <a:ext uri="{FF2B5EF4-FFF2-40B4-BE49-F238E27FC236}">
-                  <a16:creationId xmlns:a16="http://schemas.microsoft.com/office/drawing/2014/main" id="{F715E6D9-FC30-48F3-8BF5-8502CF5AA8EE}"/>
-                </a:ext>
-              </a:extLst>
-            </p:cNvPr>
-            <p:cNvPicPr>
-              <a:picLocks noChangeAspect="1"/>
-            </p:cNvPicPr>
-            <p:nvPr/>
-          </p:nvPicPr>
-          <p:blipFill>
-            <a:blip r:embed="rId2">
-              <a:extLst>
-                <a:ext uri="{28A0092B-C50C-407E-A947-70E740481C1C}">
-                  <a14:useLocalDpi xmlns:a14="http://schemas.microsoft.com/office/drawing/2010/main" val="0"/>
-                </a:ext>
-                <a:ext uri="{96DAC541-7B7A-43D3-8B79-37D633B846F1}">
-                  <asvg:svgBlip xmlns:asvg="http://schemas.microsoft.com/office/drawing/2016/SVG/main" r:embed="rId3"/>
-                </a:ext>
-              </a:extLst>
-            </a:blip>
-            <a:stretch>
-              <a:fillRect/>
-            </a:stretch>
-          </p:blipFill>
-          <p:spPr>
-            <a:xfrm>
-              <a:off x="4526041" y="4849907"/>
-              <a:ext cx="181916" cy="181916"/>
-            </a:xfrm>
-            <a:prstGeom prst="rect">
-              <a:avLst/>
-            </a:prstGeom>
-          </p:spPr>
-        </p:pic>
-      </p:grpSp>
-      <p:grpSp>
-        <p:nvGrpSpPr>
-          <p:cNvPr id="80" name="Group 79">
-            <a:extLst>
-              <a:ext uri="{FF2B5EF4-FFF2-40B4-BE49-F238E27FC236}">
-                <a16:creationId xmlns:a16="http://schemas.microsoft.com/office/drawing/2014/main" id="{D0A0B044-19AF-4595-8CB9-E51D82A14BF5}"/>
-              </a:ext>
-            </a:extLst>
-          </p:cNvPr>
-          <p:cNvGrpSpPr/>
-          <p:nvPr/>
-        </p:nvGrpSpPr>
-        <p:grpSpPr>
-          <a:xfrm>
-            <a:off x="2801198" y="4914489"/>
+            <a:off x="8184200" y="1415634"/>
             <a:ext cx="164181" cy="72003"/>
             <a:chOff x="2671000" y="3721654"/>
             <a:chExt cx="164181" cy="72003"/>
@@ -6842,10 +7095,10 @@
         </p:grpSpPr>
         <p:cxnSp>
           <p:nvCxnSpPr>
-            <p:cNvPr id="81" name="Straight Connector 80">
+            <p:cNvPr id="13" name="Straight Connector 12">
               <a:extLst>
                 <a:ext uri="{FF2B5EF4-FFF2-40B4-BE49-F238E27FC236}">
-                  <a16:creationId xmlns:a16="http://schemas.microsoft.com/office/drawing/2014/main" id="{8191ABED-4F6B-400D-8796-5DE00EE54FF4}"/>
+                  <a16:creationId xmlns:a16="http://schemas.microsoft.com/office/drawing/2014/main" id="{1EF73BB3-4AFF-4F59-8C08-11610C5EAA87}"/>
                 </a:ext>
               </a:extLst>
             </p:cNvPr>
@@ -6885,224 +7138,10 @@
         </p:cxnSp>
         <p:cxnSp>
           <p:nvCxnSpPr>
-            <p:cNvPr id="82" name="Straight Connector 81">
+            <p:cNvPr id="14" name="Straight Connector 13">
               <a:extLst>
                 <a:ext uri="{FF2B5EF4-FFF2-40B4-BE49-F238E27FC236}">
-                  <a16:creationId xmlns:a16="http://schemas.microsoft.com/office/drawing/2014/main" id="{05D04487-69D7-42A1-BF7A-AD5941138389}"/>
-                </a:ext>
-              </a:extLst>
-            </p:cNvPr>
-            <p:cNvCxnSpPr>
-              <a:cxnSpLocks/>
-            </p:cNvCxnSpPr>
-            <p:nvPr/>
-          </p:nvCxnSpPr>
-          <p:spPr>
-            <a:xfrm flipV="1">
-              <a:off x="2745870" y="3721654"/>
-              <a:ext cx="89311" cy="72003"/>
-            </a:xfrm>
-            <a:prstGeom prst="line">
-              <a:avLst/>
-            </a:prstGeom>
-            <a:ln w="12700">
-              <a:solidFill>
-                <a:schemeClr val="tx1"/>
-              </a:solidFill>
-            </a:ln>
-          </p:spPr>
-          <p:style>
-            <a:lnRef idx="1">
-              <a:schemeClr val="accent1"/>
-            </a:lnRef>
-            <a:fillRef idx="0">
-              <a:schemeClr val="accent1"/>
-            </a:fillRef>
-            <a:effectRef idx="0">
-              <a:schemeClr val="accent1"/>
-            </a:effectRef>
-            <a:fontRef idx="minor">
-              <a:schemeClr val="tx1"/>
-            </a:fontRef>
-          </p:style>
-        </p:cxnSp>
-      </p:grpSp>
-      <p:sp>
-        <p:nvSpPr>
-          <p:cNvPr id="83" name="Rectangle 82">
-            <a:extLst>
-              <a:ext uri="{FF2B5EF4-FFF2-40B4-BE49-F238E27FC236}">
-                <a16:creationId xmlns:a16="http://schemas.microsoft.com/office/drawing/2014/main" id="{19F2C54A-4846-45D0-BF6E-0F54E62849DA}"/>
-              </a:ext>
-            </a:extLst>
-          </p:cNvPr>
-          <p:cNvSpPr/>
-          <p:nvPr/>
-        </p:nvSpPr>
-        <p:spPr>
-          <a:xfrm>
-            <a:off x="4427421" y="1171039"/>
-            <a:ext cx="1199969" cy="269984"/>
-          </a:xfrm>
-          <a:prstGeom prst="rect">
-            <a:avLst/>
-          </a:prstGeom>
-          <a:solidFill>
-            <a:schemeClr val="accent6">
-              <a:lumMod val="40000"/>
-              <a:lumOff val="60000"/>
-            </a:schemeClr>
-          </a:solidFill>
-          <a:ln w="12700" cap="flat" cmpd="sng" algn="ctr">
-            <a:solidFill>
-              <a:sysClr val="windowText" lastClr="000000"/>
-            </a:solidFill>
-            <a:prstDash val="solid"/>
-            <a:miter lim="800000"/>
-          </a:ln>
-          <a:effectLst/>
-        </p:spPr>
-        <p:txBody>
-          <a:bodyPr rtlCol="0" anchor="ctr"/>
-          <a:lstStyle/>
-          <a:p>
-            <a:pPr>
-              <a:buClrTx/>
-              <a:defRPr/>
-            </a:pPr>
-            <a:r>
-              <a:rPr lang="en-GB" sz="1200" dirty="0" err="1">
-                <a:latin typeface="Encode Sans" pitchFamily="2" charset="-18"/>
-              </a:rPr>
-              <a:t>keyid_from</a:t>
-            </a:r>
-            <a:endParaRPr lang="en-US" sz="1200" kern="1200" dirty="0">
-              <a:latin typeface="Encode Sans" pitchFamily="2" charset="-18"/>
-            </a:endParaRPr>
-          </a:p>
-        </p:txBody>
-      </p:sp>
-      <p:sp>
-        <p:nvSpPr>
-          <p:cNvPr id="84" name="Rectangle 83">
-            <a:extLst>
-              <a:ext uri="{FF2B5EF4-FFF2-40B4-BE49-F238E27FC236}">
-                <a16:creationId xmlns:a16="http://schemas.microsoft.com/office/drawing/2014/main" id="{B73EB775-6639-4C5A-AB6B-490B84E3CD9B}"/>
-              </a:ext>
-            </a:extLst>
-          </p:cNvPr>
-          <p:cNvSpPr/>
-          <p:nvPr/>
-        </p:nvSpPr>
-        <p:spPr>
-          <a:xfrm>
-            <a:off x="4427421" y="1482401"/>
-            <a:ext cx="1199969" cy="269984"/>
-          </a:xfrm>
-          <a:prstGeom prst="rect">
-            <a:avLst/>
-          </a:prstGeom>
-          <a:solidFill>
-            <a:srgbClr val="CFAFE7"/>
-          </a:solidFill>
-          <a:ln w="12700" cap="flat" cmpd="sng" algn="ctr">
-            <a:solidFill>
-              <a:sysClr val="windowText" lastClr="000000"/>
-            </a:solidFill>
-            <a:prstDash val="solid"/>
-            <a:miter lim="800000"/>
-          </a:ln>
-          <a:effectLst/>
-        </p:spPr>
-        <p:txBody>
-          <a:bodyPr rtlCol="0" anchor="ctr"/>
-          <a:lstStyle/>
-          <a:p>
-            <a:pPr>
-              <a:buClrTx/>
-              <a:defRPr/>
-            </a:pPr>
-            <a:r>
-              <a:rPr lang="en-GB" sz="1200" kern="1200" dirty="0" err="1">
-                <a:latin typeface="Encode Sans" pitchFamily="2" charset="-18"/>
-              </a:rPr>
-              <a:t>keyid_to</a:t>
-            </a:r>
-            <a:endParaRPr lang="en-US" sz="1200" kern="1200" dirty="0">
-              <a:latin typeface="Encode Sans" pitchFamily="2" charset="-18"/>
-            </a:endParaRPr>
-          </a:p>
-        </p:txBody>
-      </p:sp>
-      <p:grpSp>
-        <p:nvGrpSpPr>
-          <p:cNvPr id="85" name="Group 84">
-            <a:extLst>
-              <a:ext uri="{FF2B5EF4-FFF2-40B4-BE49-F238E27FC236}">
-                <a16:creationId xmlns:a16="http://schemas.microsoft.com/office/drawing/2014/main" id="{9D26812C-7DBA-432A-887D-807C2DDEA9C2}"/>
-              </a:ext>
-            </a:extLst>
-          </p:cNvPr>
-          <p:cNvGrpSpPr/>
-          <p:nvPr/>
-        </p:nvGrpSpPr>
-        <p:grpSpPr>
-          <a:xfrm>
-            <a:off x="5390418" y="1274631"/>
-            <a:ext cx="164181" cy="72003"/>
-            <a:chOff x="2671000" y="3721654"/>
-            <a:chExt cx="164181" cy="72003"/>
-          </a:xfrm>
-        </p:grpSpPr>
-        <p:cxnSp>
-          <p:nvCxnSpPr>
-            <p:cNvPr id="86" name="Straight Connector 85">
-              <a:extLst>
-                <a:ext uri="{FF2B5EF4-FFF2-40B4-BE49-F238E27FC236}">
-                  <a16:creationId xmlns:a16="http://schemas.microsoft.com/office/drawing/2014/main" id="{5D6CD901-9BF4-4DF2-9327-3B757DF45112}"/>
-                </a:ext>
-              </a:extLst>
-            </p:cNvPr>
-            <p:cNvCxnSpPr>
-              <a:cxnSpLocks/>
-            </p:cNvCxnSpPr>
-            <p:nvPr/>
-          </p:nvCxnSpPr>
-          <p:spPr>
-            <a:xfrm>
-              <a:off x="2671000" y="3721654"/>
-              <a:ext cx="84208" cy="72002"/>
-            </a:xfrm>
-            <a:prstGeom prst="line">
-              <a:avLst/>
-            </a:prstGeom>
-            <a:ln w="12700">
-              <a:solidFill>
-                <a:schemeClr val="tx1"/>
-              </a:solidFill>
-            </a:ln>
-          </p:spPr>
-          <p:style>
-            <a:lnRef idx="1">
-              <a:schemeClr val="accent1"/>
-            </a:lnRef>
-            <a:fillRef idx="0">
-              <a:schemeClr val="accent1"/>
-            </a:fillRef>
-            <a:effectRef idx="0">
-              <a:schemeClr val="accent1"/>
-            </a:effectRef>
-            <a:fontRef idx="minor">
-              <a:schemeClr val="tx1"/>
-            </a:fontRef>
-          </p:style>
-        </p:cxnSp>
-        <p:cxnSp>
-          <p:nvCxnSpPr>
-            <p:cNvPr id="87" name="Straight Connector 86">
-              <a:extLst>
-                <a:ext uri="{FF2B5EF4-FFF2-40B4-BE49-F238E27FC236}">
-                  <a16:creationId xmlns:a16="http://schemas.microsoft.com/office/drawing/2014/main" id="{4C373863-F324-41C4-AA27-5DA1902EEB52}"/>
+                  <a16:creationId xmlns:a16="http://schemas.microsoft.com/office/drawing/2014/main" id="{1BB2FC54-0CD9-48A9-A340-31B551C41A74}"/>
                 </a:ext>
               </a:extLst>
             </p:cNvPr>
@@ -7143,10 +7182,10 @@
       </p:grpSp>
       <p:grpSp>
         <p:nvGrpSpPr>
-          <p:cNvPr id="88" name="Group 87">
+          <p:cNvPr id="18" name="Group 17">
             <a:extLst>
               <a:ext uri="{FF2B5EF4-FFF2-40B4-BE49-F238E27FC236}">
-                <a16:creationId xmlns:a16="http://schemas.microsoft.com/office/drawing/2014/main" id="{838A26A0-29F8-4C11-AF32-11EED60A274A}"/>
+                <a16:creationId xmlns:a16="http://schemas.microsoft.com/office/drawing/2014/main" id="{77401787-3945-44BE-8E76-2D081CE6214C}"/>
               </a:ext>
             </a:extLst>
           </p:cNvPr>
@@ -7155,18 +7194,18 @@
         </p:nvGrpSpPr>
         <p:grpSpPr>
           <a:xfrm>
-            <a:off x="5388645" y="1591833"/>
-            <a:ext cx="164181" cy="72003"/>
-            <a:chOff x="2671000" y="3721654"/>
-            <a:chExt cx="164181" cy="72003"/>
+            <a:off x="8517409" y="1385853"/>
+            <a:ext cx="142664" cy="121985"/>
+            <a:chOff x="5071529" y="633280"/>
+            <a:chExt cx="147242" cy="125900"/>
           </a:xfrm>
         </p:grpSpPr>
         <p:cxnSp>
           <p:nvCxnSpPr>
-            <p:cNvPr id="89" name="Straight Connector 88">
+            <p:cNvPr id="19" name="Straight Connector 18">
               <a:extLst>
                 <a:ext uri="{FF2B5EF4-FFF2-40B4-BE49-F238E27FC236}">
-                  <a16:creationId xmlns:a16="http://schemas.microsoft.com/office/drawing/2014/main" id="{74ABE0F2-FFB7-4372-8915-58E2ED622691}"/>
+                  <a16:creationId xmlns:a16="http://schemas.microsoft.com/office/drawing/2014/main" id="{EE49D524-5ACC-4CB3-9148-702B1600E1C8}"/>
                 </a:ext>
               </a:extLst>
             </p:cNvPr>
@@ -7177,8 +7216,8 @@
           </p:nvCxnSpPr>
           <p:spPr>
             <a:xfrm>
-              <a:off x="2671000" y="3721654"/>
-              <a:ext cx="84208" cy="72002"/>
+              <a:off x="5071529" y="633280"/>
+              <a:ext cx="147242" cy="125900"/>
             </a:xfrm>
             <a:prstGeom prst="line">
               <a:avLst/>
@@ -7206,10 +7245,10 @@
         </p:cxnSp>
         <p:cxnSp>
           <p:nvCxnSpPr>
-            <p:cNvPr id="90" name="Straight Connector 89">
+            <p:cNvPr id="20" name="Straight Connector 19">
               <a:extLst>
                 <a:ext uri="{FF2B5EF4-FFF2-40B4-BE49-F238E27FC236}">
-                  <a16:creationId xmlns:a16="http://schemas.microsoft.com/office/drawing/2014/main" id="{8F1A78B2-B8C5-4B6E-B6DA-7D6A0E5F6730}"/>
+                  <a16:creationId xmlns:a16="http://schemas.microsoft.com/office/drawing/2014/main" id="{1D093B63-1928-4B58-B852-82D59FE4D2C6}"/>
                 </a:ext>
               </a:extLst>
             </p:cNvPr>
@@ -7220,8 +7259,8 @@
           </p:nvCxnSpPr>
           <p:spPr>
             <a:xfrm flipV="1">
-              <a:off x="2745870" y="3721654"/>
-              <a:ext cx="89311" cy="72003"/>
+              <a:off x="5071529" y="633280"/>
+              <a:ext cx="147242" cy="118706"/>
             </a:xfrm>
             <a:prstGeom prst="line">
               <a:avLst/>
@@ -7248,240 +7287,10 @@
           </p:style>
         </p:cxnSp>
       </p:grpSp>
-      <p:sp>
-        <p:nvSpPr>
-          <p:cNvPr id="91" name="Rectangle: Rounded Corners 90">
-            <a:extLst>
-              <a:ext uri="{FF2B5EF4-FFF2-40B4-BE49-F238E27FC236}">
-                <a16:creationId xmlns:a16="http://schemas.microsoft.com/office/drawing/2014/main" id="{B624D5D4-33C5-440F-887C-1458365EE313}"/>
-              </a:ext>
-            </a:extLst>
-          </p:cNvPr>
-          <p:cNvSpPr/>
-          <p:nvPr/>
-        </p:nvSpPr>
-        <p:spPr>
-          <a:xfrm>
-            <a:off x="5704087" y="4492521"/>
-            <a:ext cx="612675" cy="265147"/>
-          </a:xfrm>
-          <a:prstGeom prst="roundRect">
-            <a:avLst>
-              <a:gd name="adj" fmla="val 9003"/>
-            </a:avLst>
-          </a:prstGeom>
-          <a:solidFill>
-            <a:srgbClr val="FFFFFF"/>
-          </a:solidFill>
-          <a:ln w="12700" cap="flat" cmpd="sng" algn="ctr">
-            <a:solidFill>
-              <a:sysClr val="windowText" lastClr="000000"/>
-            </a:solidFill>
-            <a:prstDash val="solid"/>
-            <a:miter lim="800000"/>
-          </a:ln>
-          <a:effectLst/>
-        </p:spPr>
-        <p:txBody>
-          <a:bodyPr rtlCol="0" anchor="ctr"/>
-          <a:lstStyle/>
-          <a:p>
-            <a:pPr algn="ctr">
-              <a:buClrTx/>
-              <a:defRPr/>
-            </a:pPr>
-            <a:r>
-              <a:rPr lang="en-GB" sz="1200" dirty="0">
-                <a:latin typeface="Encode Sans" pitchFamily="2" charset="-18"/>
-              </a:rPr>
-              <a:t>Test</a:t>
-            </a:r>
-            <a:endParaRPr lang="en-US" sz="1200" kern="1200" dirty="0">
-              <a:latin typeface="Encode Sans" pitchFamily="2" charset="-18"/>
-            </a:endParaRPr>
-          </a:p>
-        </p:txBody>
-      </p:sp>
     </p:spTree>
     <p:extLst>
       <p:ext uri="{BB962C8B-B14F-4D97-AF65-F5344CB8AC3E}">
-        <p14:creationId xmlns:p14="http://schemas.microsoft.com/office/powerpoint/2010/main" val="2766820062"/>
-      </p:ext>
-    </p:extLst>
-  </p:cSld>
-  <p:clrMapOvr>
-    <a:masterClrMapping/>
-  </p:clrMapOvr>
-</p:sld>
-</file>
-
-<file path=ppt/slides/slide2.xml><?xml version="1.0" encoding="utf-8"?>
-<p:sld xmlns:a="http://schemas.openxmlformats.org/drawingml/2006/main" xmlns:r="http://schemas.openxmlformats.org/officeDocument/2006/relationships" xmlns:p="http://schemas.openxmlformats.org/presentationml/2006/main">
-  <p:cSld>
-    <p:spTree>
-      <p:nvGrpSpPr>
-        <p:cNvPr id="1" name=""/>
-        <p:cNvGrpSpPr/>
-        <p:nvPr/>
-      </p:nvGrpSpPr>
-      <p:grpSpPr>
-        <a:xfrm>
-          <a:off x="0" y="0"/>
-          <a:ext cx="0" cy="0"/>
-          <a:chOff x="0" y="0"/>
-          <a:chExt cx="0" cy="0"/>
-        </a:xfrm>
-      </p:grpSpPr>
-      <p:sp>
-        <p:nvSpPr>
-          <p:cNvPr id="94" name="Rectangle 93">
-            <a:extLst>
-              <a:ext uri="{FF2B5EF4-FFF2-40B4-BE49-F238E27FC236}">
-                <a16:creationId xmlns:a16="http://schemas.microsoft.com/office/drawing/2014/main" id="{FD185A79-6525-46DF-A195-CB27AE8B5236}"/>
-              </a:ext>
-            </a:extLst>
-          </p:cNvPr>
-          <p:cNvSpPr/>
-          <p:nvPr/>
-        </p:nvSpPr>
-        <p:spPr>
-          <a:xfrm>
-            <a:off x="456693" y="324158"/>
-            <a:ext cx="6228368" cy="5287929"/>
-          </a:xfrm>
-          <a:prstGeom prst="rect">
-            <a:avLst/>
-          </a:prstGeom>
-          <a:solidFill>
-            <a:schemeClr val="bg1">
-              <a:lumMod val="95000"/>
-            </a:schemeClr>
-          </a:solidFill>
-          <a:ln w="12700" cap="flat" cmpd="sng" algn="ctr">
-            <a:solidFill>
-              <a:sysClr val="windowText" lastClr="000000"/>
-            </a:solidFill>
-            <a:prstDash val="solid"/>
-            <a:miter lim="800000"/>
-          </a:ln>
-          <a:effectLst/>
-        </p:spPr>
-        <p:txBody>
-          <a:bodyPr rtlCol="0" anchor="ctr"/>
-          <a:lstStyle/>
-          <a:p>
-            <a:pPr>
-              <a:buClrTx/>
-              <a:defRPr/>
-            </a:pPr>
-            <a:endParaRPr lang="en-US" sz="1200" kern="1200" dirty="0">
-              <a:latin typeface="Encode Sans" pitchFamily="2" charset="-18"/>
-            </a:endParaRPr>
-          </a:p>
-        </p:txBody>
-      </p:sp>
-      <p:sp>
-        <p:nvSpPr>
-          <p:cNvPr id="92" name="Rectangle 91">
-            <a:extLst>
-              <a:ext uri="{FF2B5EF4-FFF2-40B4-BE49-F238E27FC236}">
-                <a16:creationId xmlns:a16="http://schemas.microsoft.com/office/drawing/2014/main" id="{7D403B4F-C496-4D2C-A43A-321D44891784}"/>
-              </a:ext>
-            </a:extLst>
-          </p:cNvPr>
-          <p:cNvSpPr/>
-          <p:nvPr/>
-        </p:nvSpPr>
-        <p:spPr>
-          <a:xfrm>
-            <a:off x="456693" y="324158"/>
-            <a:ext cx="445007" cy="316913"/>
-          </a:xfrm>
-          <a:prstGeom prst="rect">
-            <a:avLst/>
-          </a:prstGeom>
-          <a:solidFill>
-            <a:srgbClr val="FFFFFF"/>
-          </a:solidFill>
-          <a:ln w="12700" cap="flat" cmpd="sng" algn="ctr">
-            <a:solidFill>
-              <a:sysClr val="windowText" lastClr="000000"/>
-            </a:solidFill>
-            <a:prstDash val="solid"/>
-            <a:miter lim="800000"/>
-          </a:ln>
-          <a:effectLst/>
-        </p:spPr>
-        <p:txBody>
-          <a:bodyPr rtlCol="0" anchor="ctr"/>
-          <a:lstStyle/>
-          <a:p>
-            <a:pPr>
-              <a:buClrTx/>
-              <a:defRPr/>
-            </a:pPr>
-            <a:r>
-              <a:rPr lang="en-US" sz="1200" kern="1200" dirty="0">
-                <a:latin typeface="Encode Sans" pitchFamily="2" charset="-18"/>
-              </a:rPr>
-              <a:t>HH</a:t>
-            </a:r>
-          </a:p>
-        </p:txBody>
-      </p:sp>
-      <p:sp>
-        <p:nvSpPr>
-          <p:cNvPr id="96" name="Rectangle 95">
-            <a:extLst>
-              <a:ext uri="{FF2B5EF4-FFF2-40B4-BE49-F238E27FC236}">
-                <a16:creationId xmlns:a16="http://schemas.microsoft.com/office/drawing/2014/main" id="{6AC48B0B-1345-4448-8673-D198D190BE52}"/>
-              </a:ext>
-            </a:extLst>
-          </p:cNvPr>
-          <p:cNvSpPr/>
-          <p:nvPr/>
-        </p:nvSpPr>
-        <p:spPr>
-          <a:xfrm>
-            <a:off x="900613" y="324157"/>
-            <a:ext cx="5784086" cy="316913"/>
-          </a:xfrm>
-          <a:prstGeom prst="rect">
-            <a:avLst/>
-          </a:prstGeom>
-          <a:solidFill>
-            <a:srgbClr val="FFFFFF"/>
-          </a:solidFill>
-          <a:ln w="12700" cap="flat" cmpd="sng" algn="ctr">
-            <a:solidFill>
-              <a:sysClr val="windowText" lastClr="000000"/>
-            </a:solidFill>
-            <a:prstDash val="solid"/>
-            <a:miter lim="800000"/>
-          </a:ln>
-          <a:effectLst/>
-        </p:spPr>
-        <p:txBody>
-          <a:bodyPr rtlCol="0" anchor="ctr"/>
-          <a:lstStyle/>
-          <a:p>
-            <a:pPr>
-              <a:buClrTx/>
-              <a:defRPr/>
-            </a:pPr>
-            <a:r>
-              <a:rPr lang="en-US" sz="1200" kern="1200" dirty="0">
-                <a:latin typeface="Encode Sans" pitchFamily="2" charset="-18"/>
-              </a:rPr>
-              <a:t>HH</a:t>
-            </a:r>
-          </a:p>
-        </p:txBody>
-      </p:sp>
-    </p:spTree>
-    <p:extLst>
-      <p:ext uri="{BB962C8B-B14F-4D97-AF65-F5344CB8AC3E}">
-        <p14:creationId xmlns:p14="http://schemas.microsoft.com/office/powerpoint/2010/main" val="3788978452"/>
+        <p14:creationId xmlns:p14="http://schemas.microsoft.com/office/powerpoint/2010/main" val="3280261989"/>
       </p:ext>
     </p:extLst>
   </p:cSld>
